--- a/web/g22/status/Status8.pptx
+++ b/web/g22/status/Status8.pptx
@@ -5,16 +5,14 @@
     <p:sldMasterId id="2147483648" r:id="rId1"/>
   </p:sldMasterIdLst>
   <p:notesMasterIdLst>
-    <p:notesMasterId r:id="rId6"/>
+    <p:notesMasterId r:id="rId4"/>
   </p:notesMasterIdLst>
   <p:handoutMasterIdLst>
-    <p:handoutMasterId r:id="rId7"/>
+    <p:handoutMasterId r:id="rId5"/>
   </p:handoutMasterIdLst>
   <p:sldIdLst>
     <p:sldId id="383" r:id="rId2"/>
-    <p:sldId id="390" r:id="rId3"/>
-    <p:sldId id="392" r:id="rId4"/>
-    <p:sldId id="386" r:id="rId5"/>
+    <p:sldId id="392" r:id="rId3"/>
   </p:sldIdLst>
   <p:sldSz cx="9144000" cy="6858000" type="screen4x3"/>
   <p:notesSz cx="6865938" cy="9998075"/>
@@ -149,9 +147,7 @@
         <p14:section name="Default Section" id="{6DAA713F-5F37-409B-BE0B-0BDA6802FF5C}">
           <p14:sldIdLst>
             <p14:sldId id="383"/>
-            <p14:sldId id="390"/>
             <p14:sldId id="392"/>
-            <p14:sldId id="386"/>
           </p14:sldIdLst>
         </p14:section>
       </p14:sectionLst>
@@ -1731,561 +1727,7 @@
     </p:spTree>
     <p:extLst>
       <p:ext uri="{BB962C8B-B14F-4D97-AF65-F5344CB8AC3E}">
-        <p14:creationId xmlns:p14="http://schemas.microsoft.com/office/powerpoint/2010/main" val="2732916345"/>
-      </p:ext>
-    </p:extLst>
-  </p:cSld>
-  <p:clrMapOvr>
-    <a:masterClrMapping/>
-  </p:clrMapOvr>
-</p:notes>
-</file>
-
-<file path=ppt/notesSlides/notesSlide3.xml><?xml version="1.0" encoding="utf-8"?>
-<p:notes xmlns:a="http://schemas.openxmlformats.org/drawingml/2006/main" xmlns:r="http://schemas.openxmlformats.org/officeDocument/2006/relationships" xmlns:p="http://schemas.openxmlformats.org/presentationml/2006/main">
-  <p:cSld>
-    <p:spTree>
-      <p:nvGrpSpPr>
-        <p:cNvPr id="1" name=""/>
-        <p:cNvGrpSpPr/>
-        <p:nvPr/>
-      </p:nvGrpSpPr>
-      <p:grpSpPr>
-        <a:xfrm>
-          <a:off x="0" y="0"/>
-          <a:ext cx="0" cy="0"/>
-          <a:chOff x="0" y="0"/>
-          <a:chExt cx="0" cy="0"/>
-        </a:xfrm>
-      </p:grpSpPr>
-      <p:sp>
-        <p:nvSpPr>
-          <p:cNvPr id="22530" name="Rectangle 7"/>
-          <p:cNvSpPr>
-            <a:spLocks noGrp="1" noChangeArrowheads="1"/>
-          </p:cNvSpPr>
-          <p:nvPr>
-            <p:ph type="sldNum" sz="quarter" idx="5"/>
-          </p:nvPr>
-        </p:nvSpPr>
-        <p:spPr>
-          <a:noFill/>
-          <a:ln/>
-          <a:extLst>
-            <a:ext uri="{909E8E84-426E-40DD-AFC4-6F175D3DCCD1}">
-              <a14:hiddenFill xmlns:a14="http://schemas.microsoft.com/office/drawing/2010/main">
-                <a:solidFill>
-                  <a:srgbClr val="FFFFFF"/>
-                </a:solidFill>
-              </a14:hiddenFill>
-            </a:ext>
-            <a:ext uri="{91240B29-F687-4F45-9708-019B960494DF}">
-              <a14:hiddenLine xmlns:a14="http://schemas.microsoft.com/office/drawing/2010/main" w="9525">
-                <a:solidFill>
-                  <a:srgbClr val="000000"/>
-                </a:solidFill>
-                <a:miter lim="800000"/>
-                <a:headEnd/>
-                <a:tailEnd/>
-              </a14:hiddenLine>
-            </a:ext>
-          </a:extLst>
-        </p:spPr>
-        <p:txBody>
-          <a:bodyPr/>
-          <a:lstStyle>
-            <a:lvl1pPr defTabSz="928578" eaLnBrk="0" hangingPunct="0">
-              <a:spcBef>
-                <a:spcPct val="30000"/>
-              </a:spcBef>
-              <a:defRPr sz="1200">
-                <a:solidFill>
-                  <a:schemeClr val="tx1"/>
-                </a:solidFill>
-                <a:latin typeface="Times New Roman" pitchFamily="18" charset="0"/>
-                <a:ea typeface="ＭＳ Ｐゴシック" pitchFamily="34" charset="-128"/>
-              </a:defRPr>
-            </a:lvl1pPr>
-            <a:lvl2pPr marL="696434" indent="-267860" defTabSz="928578" eaLnBrk="0" hangingPunct="0">
-              <a:spcBef>
-                <a:spcPct val="30000"/>
-              </a:spcBef>
-              <a:defRPr sz="1200">
-                <a:solidFill>
-                  <a:schemeClr val="tx1"/>
-                </a:solidFill>
-                <a:latin typeface="Times New Roman" pitchFamily="18" charset="0"/>
-                <a:ea typeface="ＭＳ Ｐゴシック" pitchFamily="34" charset="-128"/>
-              </a:defRPr>
-            </a:lvl2pPr>
-            <a:lvl3pPr marL="1071437" indent="-214287" defTabSz="928578" eaLnBrk="0" hangingPunct="0">
-              <a:spcBef>
-                <a:spcPct val="30000"/>
-              </a:spcBef>
-              <a:defRPr sz="1200">
-                <a:solidFill>
-                  <a:schemeClr val="tx1"/>
-                </a:solidFill>
-                <a:latin typeface="Times New Roman" pitchFamily="18" charset="0"/>
-                <a:ea typeface="ＭＳ Ｐゴシック" pitchFamily="34" charset="-128"/>
-              </a:defRPr>
-            </a:lvl3pPr>
-            <a:lvl4pPr marL="1500012" indent="-214287" defTabSz="928578" eaLnBrk="0" hangingPunct="0">
-              <a:spcBef>
-                <a:spcPct val="30000"/>
-              </a:spcBef>
-              <a:defRPr sz="1200">
-                <a:solidFill>
-                  <a:schemeClr val="tx1"/>
-                </a:solidFill>
-                <a:latin typeface="Times New Roman" pitchFamily="18" charset="0"/>
-                <a:ea typeface="ＭＳ Ｐゴシック" pitchFamily="34" charset="-128"/>
-              </a:defRPr>
-            </a:lvl4pPr>
-            <a:lvl5pPr marL="1928587" indent="-214287" defTabSz="928578" eaLnBrk="0" hangingPunct="0">
-              <a:spcBef>
-                <a:spcPct val="30000"/>
-              </a:spcBef>
-              <a:defRPr sz="1200">
-                <a:solidFill>
-                  <a:schemeClr val="tx1"/>
-                </a:solidFill>
-                <a:latin typeface="Times New Roman" pitchFamily="18" charset="0"/>
-                <a:ea typeface="ＭＳ Ｐゴシック" pitchFamily="34" charset="-128"/>
-              </a:defRPr>
-            </a:lvl5pPr>
-            <a:lvl6pPr marL="2357162" indent="-214287" defTabSz="928578" eaLnBrk="0" fontAlgn="base" hangingPunct="0">
-              <a:spcBef>
-                <a:spcPct val="30000"/>
-              </a:spcBef>
-              <a:spcAft>
-                <a:spcPct val="0"/>
-              </a:spcAft>
-              <a:defRPr sz="1200">
-                <a:solidFill>
-                  <a:schemeClr val="tx1"/>
-                </a:solidFill>
-                <a:latin typeface="Times New Roman" pitchFamily="18" charset="0"/>
-                <a:ea typeface="ＭＳ Ｐゴシック" pitchFamily="34" charset="-128"/>
-              </a:defRPr>
-            </a:lvl6pPr>
-            <a:lvl7pPr marL="2785735" indent="-214287" defTabSz="928578" eaLnBrk="0" fontAlgn="base" hangingPunct="0">
-              <a:spcBef>
-                <a:spcPct val="30000"/>
-              </a:spcBef>
-              <a:spcAft>
-                <a:spcPct val="0"/>
-              </a:spcAft>
-              <a:defRPr sz="1200">
-                <a:solidFill>
-                  <a:schemeClr val="tx1"/>
-                </a:solidFill>
-                <a:latin typeface="Times New Roman" pitchFamily="18" charset="0"/>
-                <a:ea typeface="ＭＳ Ｐゴシック" pitchFamily="34" charset="-128"/>
-              </a:defRPr>
-            </a:lvl7pPr>
-            <a:lvl8pPr marL="3214310" indent="-214287" defTabSz="928578" eaLnBrk="0" fontAlgn="base" hangingPunct="0">
-              <a:spcBef>
-                <a:spcPct val="30000"/>
-              </a:spcBef>
-              <a:spcAft>
-                <a:spcPct val="0"/>
-              </a:spcAft>
-              <a:defRPr sz="1200">
-                <a:solidFill>
-                  <a:schemeClr val="tx1"/>
-                </a:solidFill>
-                <a:latin typeface="Times New Roman" pitchFamily="18" charset="0"/>
-                <a:ea typeface="ＭＳ Ｐゴシック" pitchFamily="34" charset="-128"/>
-              </a:defRPr>
-            </a:lvl8pPr>
-            <a:lvl9pPr marL="3642885" indent="-214287" defTabSz="928578" eaLnBrk="0" fontAlgn="base" hangingPunct="0">
-              <a:spcBef>
-                <a:spcPct val="30000"/>
-              </a:spcBef>
-              <a:spcAft>
-                <a:spcPct val="0"/>
-              </a:spcAft>
-              <a:defRPr sz="1200">
-                <a:solidFill>
-                  <a:schemeClr val="tx1"/>
-                </a:solidFill>
-                <a:latin typeface="Times New Roman" pitchFamily="18" charset="0"/>
-                <a:ea typeface="ＭＳ Ｐゴシック" pitchFamily="34" charset="-128"/>
-              </a:defRPr>
-            </a:lvl9pPr>
-          </a:lstStyle>
-          <a:p>
-            <a:pPr eaLnBrk="1" hangingPunct="1">
-              <a:spcBef>
-                <a:spcPct val="0"/>
-              </a:spcBef>
-            </a:pPr>
-            <a:fld id="{392CB419-FA32-4238-A473-EBED58FF00DE}" type="slidenum">
-              <a:rPr lang="da-DK" altLang="da-DK" sz="1300">
-                <a:solidFill>
-                  <a:srgbClr val="CC0000"/>
-                </a:solidFill>
-              </a:rPr>
-              <a:pPr eaLnBrk="1" hangingPunct="1">
-                <a:spcBef>
-                  <a:spcPct val="0"/>
-                </a:spcBef>
-              </a:pPr>
-              <a:t>3</a:t>
-            </a:fld>
-            <a:endParaRPr lang="da-DK" altLang="da-DK" sz="1300">
-              <a:solidFill>
-                <a:srgbClr val="CC0000"/>
-              </a:solidFill>
-            </a:endParaRPr>
-          </a:p>
-        </p:txBody>
-      </p:sp>
-      <p:sp>
-        <p:nvSpPr>
-          <p:cNvPr id="22531" name="Rectangle 2"/>
-          <p:cNvSpPr>
-            <a:spLocks noGrp="1" noRot="1" noChangeAspect="1" noChangeArrowheads="1" noTextEdit="1"/>
-          </p:cNvSpPr>
-          <p:nvPr>
-            <p:ph type="sldImg"/>
-          </p:nvPr>
-        </p:nvSpPr>
-        <p:spPr>
-          <a:xfrm>
-            <a:off x="842963" y="728663"/>
-            <a:ext cx="4852987" cy="3641725"/>
-          </a:xfrm>
-          <a:ln/>
-        </p:spPr>
-      </p:sp>
-      <p:sp>
-        <p:nvSpPr>
-          <p:cNvPr id="22532" name="Rectangle 3"/>
-          <p:cNvSpPr>
-            <a:spLocks noGrp="1" noChangeArrowheads="1"/>
-          </p:cNvSpPr>
-          <p:nvPr>
-            <p:ph type="body" idx="1"/>
-          </p:nvPr>
-        </p:nvSpPr>
-        <p:spPr>
-          <a:noFill/>
-          <a:ln/>
-          <a:extLst>
-            <a:ext uri="{909E8E84-426E-40DD-AFC4-6F175D3DCCD1}">
-              <a14:hiddenFill xmlns:a14="http://schemas.microsoft.com/office/drawing/2010/main">
-                <a:solidFill>
-                  <a:srgbClr val="FFFFFF"/>
-                </a:solidFill>
-              </a14:hiddenFill>
-            </a:ext>
-            <a:ext uri="{91240B29-F687-4F45-9708-019B960494DF}">
-              <a14:hiddenLine xmlns:a14="http://schemas.microsoft.com/office/drawing/2010/main" w="9525">
-                <a:solidFill>
-                  <a:srgbClr val="000000"/>
-                </a:solidFill>
-                <a:miter lim="800000"/>
-                <a:headEnd/>
-                <a:tailEnd/>
-              </a14:hiddenLine>
-            </a:ext>
-          </a:extLst>
-        </p:spPr>
-        <p:txBody>
-          <a:bodyPr/>
-          <a:lstStyle/>
-          <a:p>
-            <a:pPr eaLnBrk="1" hangingPunct="1"/>
-            <a:endParaRPr lang="en-US" altLang="da-DK" smtClean="0">
-              <a:latin typeface="Times New Roman" pitchFamily="18" charset="0"/>
-              <a:ea typeface="ＭＳ Ｐゴシック" pitchFamily="34" charset="-128"/>
-            </a:endParaRPr>
-          </a:p>
-        </p:txBody>
-      </p:sp>
-    </p:spTree>
-    <p:extLst>
-      <p:ext uri="{BB962C8B-B14F-4D97-AF65-F5344CB8AC3E}">
         <p14:creationId xmlns:p14="http://schemas.microsoft.com/office/powerpoint/2010/main" val="3158537911"/>
-      </p:ext>
-    </p:extLst>
-  </p:cSld>
-  <p:clrMapOvr>
-    <a:masterClrMapping/>
-  </p:clrMapOvr>
-</p:notes>
-</file>
-
-<file path=ppt/notesSlides/notesSlide4.xml><?xml version="1.0" encoding="utf-8"?>
-<p:notes xmlns:a="http://schemas.openxmlformats.org/drawingml/2006/main" xmlns:r="http://schemas.openxmlformats.org/officeDocument/2006/relationships" xmlns:p="http://schemas.openxmlformats.org/presentationml/2006/main">
-  <p:cSld>
-    <p:spTree>
-      <p:nvGrpSpPr>
-        <p:cNvPr id="1" name=""/>
-        <p:cNvGrpSpPr/>
-        <p:nvPr/>
-      </p:nvGrpSpPr>
-      <p:grpSpPr>
-        <a:xfrm>
-          <a:off x="0" y="0"/>
-          <a:ext cx="0" cy="0"/>
-          <a:chOff x="0" y="0"/>
-          <a:chExt cx="0" cy="0"/>
-        </a:xfrm>
-      </p:grpSpPr>
-      <p:sp>
-        <p:nvSpPr>
-          <p:cNvPr id="22530" name="Rectangle 7"/>
-          <p:cNvSpPr>
-            <a:spLocks noGrp="1" noChangeArrowheads="1"/>
-          </p:cNvSpPr>
-          <p:nvPr>
-            <p:ph type="sldNum" sz="quarter" idx="5"/>
-          </p:nvPr>
-        </p:nvSpPr>
-        <p:spPr>
-          <a:noFill/>
-          <a:ln/>
-          <a:extLst>
-            <a:ext uri="{909E8E84-426E-40DD-AFC4-6F175D3DCCD1}">
-              <a14:hiddenFill xmlns:a14="http://schemas.microsoft.com/office/drawing/2010/main">
-                <a:solidFill>
-                  <a:srgbClr val="FFFFFF"/>
-                </a:solidFill>
-              </a14:hiddenFill>
-            </a:ext>
-            <a:ext uri="{91240B29-F687-4F45-9708-019B960494DF}">
-              <a14:hiddenLine xmlns:a14="http://schemas.microsoft.com/office/drawing/2010/main" w="9525">
-                <a:solidFill>
-                  <a:srgbClr val="000000"/>
-                </a:solidFill>
-                <a:miter lim="800000"/>
-                <a:headEnd/>
-                <a:tailEnd/>
-              </a14:hiddenLine>
-            </a:ext>
-          </a:extLst>
-        </p:spPr>
-        <p:txBody>
-          <a:bodyPr/>
-          <a:lstStyle>
-            <a:lvl1pPr defTabSz="963586" eaLnBrk="0" hangingPunct="0">
-              <a:spcBef>
-                <a:spcPct val="30000"/>
-              </a:spcBef>
-              <a:defRPr sz="1200">
-                <a:solidFill>
-                  <a:schemeClr val="tx1"/>
-                </a:solidFill>
-                <a:latin typeface="Times New Roman" pitchFamily="18" charset="0"/>
-                <a:ea typeface="ＭＳ Ｐゴシック" pitchFamily="34" charset="-128"/>
-              </a:defRPr>
-            </a:lvl1pPr>
-            <a:lvl2pPr marL="722690" indent="-277958" defTabSz="963586" eaLnBrk="0" hangingPunct="0">
-              <a:spcBef>
-                <a:spcPct val="30000"/>
-              </a:spcBef>
-              <a:defRPr sz="1200">
-                <a:solidFill>
-                  <a:schemeClr val="tx1"/>
-                </a:solidFill>
-                <a:latin typeface="Times New Roman" pitchFamily="18" charset="0"/>
-                <a:ea typeface="ＭＳ Ｐゴシック" pitchFamily="34" charset="-128"/>
-              </a:defRPr>
-            </a:lvl2pPr>
-            <a:lvl3pPr marL="1111831" indent="-222367" defTabSz="963586" eaLnBrk="0" hangingPunct="0">
-              <a:spcBef>
-                <a:spcPct val="30000"/>
-              </a:spcBef>
-              <a:defRPr sz="1200">
-                <a:solidFill>
-                  <a:schemeClr val="tx1"/>
-                </a:solidFill>
-                <a:latin typeface="Times New Roman" pitchFamily="18" charset="0"/>
-                <a:ea typeface="ＭＳ Ｐゴシック" pitchFamily="34" charset="-128"/>
-              </a:defRPr>
-            </a:lvl3pPr>
-            <a:lvl4pPr marL="1556563" indent="-222367" defTabSz="963586" eaLnBrk="0" hangingPunct="0">
-              <a:spcBef>
-                <a:spcPct val="30000"/>
-              </a:spcBef>
-              <a:defRPr sz="1200">
-                <a:solidFill>
-                  <a:schemeClr val="tx1"/>
-                </a:solidFill>
-                <a:latin typeface="Times New Roman" pitchFamily="18" charset="0"/>
-                <a:ea typeface="ＭＳ Ｐゴシック" pitchFamily="34" charset="-128"/>
-              </a:defRPr>
-            </a:lvl4pPr>
-            <a:lvl5pPr marL="2001295" indent="-222367" defTabSz="963586" eaLnBrk="0" hangingPunct="0">
-              <a:spcBef>
-                <a:spcPct val="30000"/>
-              </a:spcBef>
-              <a:defRPr sz="1200">
-                <a:solidFill>
-                  <a:schemeClr val="tx1"/>
-                </a:solidFill>
-                <a:latin typeface="Times New Roman" pitchFamily="18" charset="0"/>
-                <a:ea typeface="ＭＳ Ｐゴシック" pitchFamily="34" charset="-128"/>
-              </a:defRPr>
-            </a:lvl5pPr>
-            <a:lvl6pPr marL="2446027" indent="-222367" defTabSz="963586" eaLnBrk="0" fontAlgn="base" hangingPunct="0">
-              <a:spcBef>
-                <a:spcPct val="30000"/>
-              </a:spcBef>
-              <a:spcAft>
-                <a:spcPct val="0"/>
-              </a:spcAft>
-              <a:defRPr sz="1200">
-                <a:solidFill>
-                  <a:schemeClr val="tx1"/>
-                </a:solidFill>
-                <a:latin typeface="Times New Roman" pitchFamily="18" charset="0"/>
-                <a:ea typeface="ＭＳ Ｐゴシック" pitchFamily="34" charset="-128"/>
-              </a:defRPr>
-            </a:lvl6pPr>
-            <a:lvl7pPr marL="2890758" indent="-222367" defTabSz="963586" eaLnBrk="0" fontAlgn="base" hangingPunct="0">
-              <a:spcBef>
-                <a:spcPct val="30000"/>
-              </a:spcBef>
-              <a:spcAft>
-                <a:spcPct val="0"/>
-              </a:spcAft>
-              <a:defRPr sz="1200">
-                <a:solidFill>
-                  <a:schemeClr val="tx1"/>
-                </a:solidFill>
-                <a:latin typeface="Times New Roman" pitchFamily="18" charset="0"/>
-                <a:ea typeface="ＭＳ Ｐゴシック" pitchFamily="34" charset="-128"/>
-              </a:defRPr>
-            </a:lvl7pPr>
-            <a:lvl8pPr marL="3335490" indent="-222367" defTabSz="963586" eaLnBrk="0" fontAlgn="base" hangingPunct="0">
-              <a:spcBef>
-                <a:spcPct val="30000"/>
-              </a:spcBef>
-              <a:spcAft>
-                <a:spcPct val="0"/>
-              </a:spcAft>
-              <a:defRPr sz="1200">
-                <a:solidFill>
-                  <a:schemeClr val="tx1"/>
-                </a:solidFill>
-                <a:latin typeface="Times New Roman" pitchFamily="18" charset="0"/>
-                <a:ea typeface="ＭＳ Ｐゴシック" pitchFamily="34" charset="-128"/>
-              </a:defRPr>
-            </a:lvl8pPr>
-            <a:lvl9pPr marL="3780222" indent="-222367" defTabSz="963586" eaLnBrk="0" fontAlgn="base" hangingPunct="0">
-              <a:spcBef>
-                <a:spcPct val="30000"/>
-              </a:spcBef>
-              <a:spcAft>
-                <a:spcPct val="0"/>
-              </a:spcAft>
-              <a:defRPr sz="1200">
-                <a:solidFill>
-                  <a:schemeClr val="tx1"/>
-                </a:solidFill>
-                <a:latin typeface="Times New Roman" pitchFamily="18" charset="0"/>
-                <a:ea typeface="ＭＳ Ｐゴシック" pitchFamily="34" charset="-128"/>
-              </a:defRPr>
-            </a:lvl9pPr>
-          </a:lstStyle>
-          <a:p>
-            <a:pPr eaLnBrk="1" hangingPunct="1">
-              <a:spcBef>
-                <a:spcPct val="0"/>
-              </a:spcBef>
-            </a:pPr>
-            <a:fld id="{392CB419-FA32-4238-A473-EBED58FF00DE}" type="slidenum">
-              <a:rPr lang="da-DK" altLang="da-DK" sz="1300">
-                <a:solidFill>
-                  <a:srgbClr val="CC0000"/>
-                </a:solidFill>
-              </a:rPr>
-              <a:pPr eaLnBrk="1" hangingPunct="1">
-                <a:spcBef>
-                  <a:spcPct val="0"/>
-                </a:spcBef>
-              </a:pPr>
-              <a:t>4</a:t>
-            </a:fld>
-            <a:endParaRPr lang="da-DK" altLang="da-DK" sz="1300">
-              <a:solidFill>
-                <a:srgbClr val="CC0000"/>
-              </a:solidFill>
-            </a:endParaRPr>
-          </a:p>
-        </p:txBody>
-      </p:sp>
-      <p:sp>
-        <p:nvSpPr>
-          <p:cNvPr id="22531" name="Rectangle 2"/>
-          <p:cNvSpPr>
-            <a:spLocks noGrp="1" noRot="1" noChangeAspect="1" noChangeArrowheads="1" noTextEdit="1"/>
-          </p:cNvSpPr>
-          <p:nvPr>
-            <p:ph type="sldImg"/>
-          </p:nvPr>
-        </p:nvSpPr>
-        <p:spPr>
-          <a:xfrm>
-            <a:off x="935038" y="750888"/>
-            <a:ext cx="4995862" cy="3748087"/>
-          </a:xfrm>
-          <a:ln/>
-        </p:spPr>
-      </p:sp>
-      <p:sp>
-        <p:nvSpPr>
-          <p:cNvPr id="22532" name="Rectangle 3"/>
-          <p:cNvSpPr>
-            <a:spLocks noGrp="1" noChangeArrowheads="1"/>
-          </p:cNvSpPr>
-          <p:nvPr>
-            <p:ph type="body" idx="1"/>
-          </p:nvPr>
-        </p:nvSpPr>
-        <p:spPr>
-          <a:noFill/>
-          <a:ln/>
-          <a:extLst>
-            <a:ext uri="{909E8E84-426E-40DD-AFC4-6F175D3DCCD1}">
-              <a14:hiddenFill xmlns:a14="http://schemas.microsoft.com/office/drawing/2010/main">
-                <a:solidFill>
-                  <a:srgbClr val="FFFFFF"/>
-                </a:solidFill>
-              </a14:hiddenFill>
-            </a:ext>
-            <a:ext uri="{91240B29-F687-4F45-9708-019B960494DF}">
-              <a14:hiddenLine xmlns:a14="http://schemas.microsoft.com/office/drawing/2010/main" w="9525">
-                <a:solidFill>
-                  <a:srgbClr val="000000"/>
-                </a:solidFill>
-                <a:miter lim="800000"/>
-                <a:headEnd/>
-                <a:tailEnd/>
-              </a14:hiddenLine>
-            </a:ext>
-          </a:extLst>
-        </p:spPr>
-        <p:txBody>
-          <a:bodyPr/>
-          <a:lstStyle/>
-          <a:p>
-            <a:pPr eaLnBrk="1" hangingPunct="1"/>
-            <a:endParaRPr lang="en-US" altLang="da-DK" smtClean="0">
-              <a:latin typeface="Times New Roman" pitchFamily="18" charset="0"/>
-              <a:ea typeface="ＭＳ Ｐゴシック" pitchFamily="34" charset="-128"/>
-            </a:endParaRPr>
-          </a:p>
-        </p:txBody>
-      </p:sp>
-    </p:spTree>
-    <p:extLst>
-      <p:ext uri="{BB962C8B-B14F-4D97-AF65-F5344CB8AC3E}">
-        <p14:creationId xmlns:p14="http://schemas.microsoft.com/office/powerpoint/2010/main" val="2666246785"/>
       </p:ext>
     </p:extLst>
   </p:cSld>
@@ -4229,8 +3671,12 @@
               </a:spcBef>
             </a:pPr>
             <a:r>
+              <a:rPr lang="da-DK" sz="1600" dirty="0" smtClean="0"/>
+              <a:t>9.15 </a:t>
+            </a:r>
+            <a:r>
               <a:rPr lang="da-DK" sz="1600" dirty="0"/>
-              <a:t>8.45 Status</a:t>
+              <a:t>Status</a:t>
             </a:r>
           </a:p>
           <a:p>
@@ -4240,8 +3686,12 @@
               </a:spcBef>
             </a:pPr>
             <a:r>
+              <a:rPr lang="da-DK" sz="1600" dirty="0" smtClean="0"/>
+              <a:t>9.30 </a:t>
+            </a:r>
+            <a:r>
               <a:rPr lang="da-DK" sz="1600" dirty="0"/>
-              <a:t>9.00 Forelæsning (med en kort pause midtvejs)</a:t>
+              <a:t>Forelæsning (med en kort pause midtvejs)</a:t>
             </a:r>
           </a:p>
           <a:p>
@@ -4251,8 +3701,12 @@
               </a:spcBef>
             </a:pPr>
             <a:r>
+              <a:rPr lang="da-DK" sz="1600" dirty="0" smtClean="0"/>
+              <a:t>11.15 </a:t>
+            </a:r>
+            <a:r>
               <a:rPr lang="da-DK" sz="1600" dirty="0"/>
-              <a:t>10.30 Øvelser omkring Computerspil 4 (2 timer)</a:t>
+              <a:t>Øvelser omkring Computerspil 4 (2 timer)</a:t>
             </a:r>
           </a:p>
           <a:p>
@@ -4262,8 +3716,12 @@
               </a:spcBef>
             </a:pPr>
             <a:r>
+              <a:rPr lang="da-DK" sz="1600" dirty="0" smtClean="0"/>
+              <a:t>12.45 </a:t>
+            </a:r>
+            <a:r>
               <a:rPr lang="da-DK" sz="1600" dirty="0"/>
-              <a:t>12.30 Frokostpause</a:t>
+              <a:t>Frokostpause</a:t>
             </a:r>
           </a:p>
           <a:p>
@@ -4273,8 +3731,12 @@
               </a:spcBef>
             </a:pPr>
             <a:r>
+              <a:rPr lang="da-DK" sz="1600" dirty="0" smtClean="0"/>
+              <a:t>13.15 </a:t>
+            </a:r>
+            <a:r>
               <a:rPr lang="da-DK" sz="1600" dirty="0"/>
-              <a:t>13.00 Forelæsning (med en kort pause midtvejs)</a:t>
+              <a:t>Forelæsning (med en kort pause midtvejs)</a:t>
             </a:r>
           </a:p>
           <a:p>
@@ -4284,8 +3746,8 @@
               </a:spcBef>
             </a:pPr>
             <a:r>
-              <a:rPr lang="da-DK" sz="1600" dirty="0"/>
-              <a:t>14.30 </a:t>
+              <a:rPr lang="da-DK" sz="1600" dirty="0" smtClean="0"/>
+              <a:t>14.00 </a:t>
             </a:r>
             <a:r>
               <a:rPr lang="da-DK" sz="1600" spc="-60" dirty="0"/>
@@ -4299,8 +3761,12 @@
               </a:spcBef>
             </a:pPr>
             <a:r>
+              <a:rPr lang="da-DK" sz="1600" dirty="0" smtClean="0"/>
+              <a:t>15.30 </a:t>
+            </a:r>
+            <a:r>
               <a:rPr lang="da-DK" sz="1600" dirty="0"/>
-              <a:t>16.15 Institut for Datalogi, (diverse tilbud, herunder besøgsordning)</a:t>
+              <a:t>Institut for Datalogi, (diverse tilbud, herunder besøgsordning)</a:t>
             </a:r>
           </a:p>
           <a:p>
@@ -4361,7 +3827,11 @@
             </a:pPr>
             <a:r>
               <a:rPr lang="da-DK" sz="1600" dirty="0" smtClean="0"/>
-              <a:t>De fleste har været i god tid med afleveringsopgaverne</a:t>
+              <a:t>Alle er </a:t>
+            </a:r>
+            <a:r>
+              <a:rPr lang="da-DK" sz="1600" dirty="0" smtClean="0"/>
+              <a:t>i god tid med afleveringsopgaverne</a:t>
             </a:r>
           </a:p>
           <a:p>
@@ -4377,15 +3847,7 @@
                   <a:srgbClr val="A50021"/>
                 </a:solidFill>
               </a:rPr>
-              <a:t>Computerspil </a:t>
-            </a:r>
-            <a:r>
-              <a:rPr lang="da-DK" sz="1800" b="1" dirty="0" smtClean="0">
-                <a:solidFill>
-                  <a:srgbClr val="A50021"/>
-                </a:solidFill>
-              </a:rPr>
-              <a:t>4 betragtes normalt som en forholdsvis let opgave</a:t>
+              <a:t>Computerspil 4 betragtes normalt som en forholdsvis let opgave</a:t>
             </a:r>
             <a:endParaRPr lang="da-DK" sz="1800" b="1" dirty="0">
               <a:solidFill>
@@ -4515,3342 +3977,6 @@
           <a:chExt cx="0" cy="0"/>
         </a:xfrm>
       </p:grpSpPr>
-      <p:pic>
-        <p:nvPicPr>
-          <p:cNvPr id="2" name="Picture 1"/>
-          <p:cNvPicPr>
-            <a:picLocks noChangeAspect="1"/>
-          </p:cNvPicPr>
-          <p:nvPr/>
-        </p:nvPicPr>
-        <p:blipFill>
-          <a:blip r:embed="rId3"/>
-          <a:stretch>
-            <a:fillRect/>
-          </a:stretch>
-        </p:blipFill>
-        <p:spPr>
-          <a:xfrm>
-            <a:off x="539552" y="2276872"/>
-            <a:ext cx="8136904" cy="2962275"/>
-          </a:xfrm>
-          <a:prstGeom prst="rect">
-            <a:avLst/>
-          </a:prstGeom>
-        </p:spPr>
-      </p:pic>
-      <p:sp>
-        <p:nvSpPr>
-          <p:cNvPr id="7" name="Text Box 21"/>
-          <p:cNvSpPr txBox="1">
-            <a:spLocks noChangeArrowheads="1"/>
-          </p:cNvSpPr>
-          <p:nvPr/>
-        </p:nvSpPr>
-        <p:spPr bwMode="auto">
-          <a:xfrm>
-            <a:off x="6695978" y="2451729"/>
-            <a:ext cx="1710315" cy="430887"/>
-          </a:xfrm>
-          <a:prstGeom prst="rect">
-            <a:avLst/>
-          </a:prstGeom>
-          <a:solidFill>
-            <a:schemeClr val="bg1"/>
-          </a:solidFill>
-          <a:ln>
-            <a:noFill/>
-          </a:ln>
-          <a:extLst/>
-        </p:spPr>
-        <p:txBody>
-          <a:bodyPr wrap="square">
-            <a:spAutoFit/>
-          </a:bodyPr>
-          <a:lstStyle>
-            <a:defPPr>
-              <a:defRPr lang="da-DK"/>
-            </a:defPPr>
-            <a:lvl1pPr algn="l" rtl="0" fontAlgn="base">
-              <a:spcBef>
-                <a:spcPct val="0"/>
-              </a:spcBef>
-              <a:spcAft>
-                <a:spcPct val="0"/>
-              </a:spcAft>
-              <a:defRPr sz="2000" kern="1200">
-                <a:solidFill>
-                  <a:srgbClr val="A50021"/>
-                </a:solidFill>
-                <a:latin typeface="Arial" pitchFamily="34" charset="0"/>
-                <a:ea typeface="ＭＳ Ｐゴシック" pitchFamily="34" charset="-128"/>
-                <a:cs typeface="+mn-cs"/>
-              </a:defRPr>
-            </a:lvl1pPr>
-            <a:lvl2pPr marL="457200" algn="l" rtl="0" fontAlgn="base">
-              <a:spcBef>
-                <a:spcPct val="0"/>
-              </a:spcBef>
-              <a:spcAft>
-                <a:spcPct val="0"/>
-              </a:spcAft>
-              <a:defRPr sz="2000" kern="1200">
-                <a:solidFill>
-                  <a:srgbClr val="A50021"/>
-                </a:solidFill>
-                <a:latin typeface="Arial" pitchFamily="34" charset="0"/>
-                <a:ea typeface="ＭＳ Ｐゴシック" pitchFamily="34" charset="-128"/>
-                <a:cs typeface="+mn-cs"/>
-              </a:defRPr>
-            </a:lvl2pPr>
-            <a:lvl3pPr marL="914400" algn="l" rtl="0" fontAlgn="base">
-              <a:spcBef>
-                <a:spcPct val="0"/>
-              </a:spcBef>
-              <a:spcAft>
-                <a:spcPct val="0"/>
-              </a:spcAft>
-              <a:defRPr sz="2000" kern="1200">
-                <a:solidFill>
-                  <a:srgbClr val="A50021"/>
-                </a:solidFill>
-                <a:latin typeface="Arial" pitchFamily="34" charset="0"/>
-                <a:ea typeface="ＭＳ Ｐゴシック" pitchFamily="34" charset="-128"/>
-                <a:cs typeface="+mn-cs"/>
-              </a:defRPr>
-            </a:lvl3pPr>
-            <a:lvl4pPr marL="1371600" algn="l" rtl="0" fontAlgn="base">
-              <a:spcBef>
-                <a:spcPct val="0"/>
-              </a:spcBef>
-              <a:spcAft>
-                <a:spcPct val="0"/>
-              </a:spcAft>
-              <a:defRPr sz="2000" kern="1200">
-                <a:solidFill>
-                  <a:srgbClr val="A50021"/>
-                </a:solidFill>
-                <a:latin typeface="Arial" pitchFamily="34" charset="0"/>
-                <a:ea typeface="ＭＳ Ｐゴシック" pitchFamily="34" charset="-128"/>
-                <a:cs typeface="+mn-cs"/>
-              </a:defRPr>
-            </a:lvl4pPr>
-            <a:lvl5pPr marL="1828800" algn="l" rtl="0" fontAlgn="base">
-              <a:spcBef>
-                <a:spcPct val="0"/>
-              </a:spcBef>
-              <a:spcAft>
-                <a:spcPct val="0"/>
-              </a:spcAft>
-              <a:defRPr sz="2000" kern="1200">
-                <a:solidFill>
-                  <a:srgbClr val="A50021"/>
-                </a:solidFill>
-                <a:latin typeface="Arial" pitchFamily="34" charset="0"/>
-                <a:ea typeface="ＭＳ Ｐゴシック" pitchFamily="34" charset="-128"/>
-                <a:cs typeface="+mn-cs"/>
-              </a:defRPr>
-            </a:lvl5pPr>
-            <a:lvl6pPr marL="2286000" algn="l" defTabSz="914400" rtl="0" eaLnBrk="1" latinLnBrk="0" hangingPunct="1">
-              <a:defRPr sz="2000" kern="1200">
-                <a:solidFill>
-                  <a:srgbClr val="A50021"/>
-                </a:solidFill>
-                <a:latin typeface="Arial" pitchFamily="34" charset="0"/>
-                <a:ea typeface="ＭＳ Ｐゴシック" pitchFamily="34" charset="-128"/>
-                <a:cs typeface="+mn-cs"/>
-              </a:defRPr>
-            </a:lvl6pPr>
-            <a:lvl7pPr marL="2743200" algn="l" defTabSz="914400" rtl="0" eaLnBrk="1" latinLnBrk="0" hangingPunct="1">
-              <a:defRPr sz="2000" kern="1200">
-                <a:solidFill>
-                  <a:srgbClr val="A50021"/>
-                </a:solidFill>
-                <a:latin typeface="Arial" pitchFamily="34" charset="0"/>
-                <a:ea typeface="ＭＳ Ｐゴシック" pitchFamily="34" charset="-128"/>
-                <a:cs typeface="+mn-cs"/>
-              </a:defRPr>
-            </a:lvl7pPr>
-            <a:lvl8pPr marL="3200400" algn="l" defTabSz="914400" rtl="0" eaLnBrk="1" latinLnBrk="0" hangingPunct="1">
-              <a:defRPr sz="2000" kern="1200">
-                <a:solidFill>
-                  <a:srgbClr val="A50021"/>
-                </a:solidFill>
-                <a:latin typeface="Arial" pitchFamily="34" charset="0"/>
-                <a:ea typeface="ＭＳ Ｐゴシック" pitchFamily="34" charset="-128"/>
-                <a:cs typeface="+mn-cs"/>
-              </a:defRPr>
-            </a:lvl8pPr>
-            <a:lvl9pPr marL="3657600" algn="l" defTabSz="914400" rtl="0" eaLnBrk="1" latinLnBrk="0" hangingPunct="1">
-              <a:defRPr sz="2000" kern="1200">
-                <a:solidFill>
-                  <a:srgbClr val="A50021"/>
-                </a:solidFill>
-                <a:latin typeface="Arial" pitchFamily="34" charset="0"/>
-                <a:ea typeface="ＭＳ Ｐゴシック" pitchFamily="34" charset="-128"/>
-                <a:cs typeface="+mn-cs"/>
-              </a:defRPr>
-            </a:lvl9pPr>
-          </a:lstStyle>
-          <a:p>
-            <a:pPr eaLnBrk="1" hangingPunct="1">
-              <a:spcBef>
-                <a:spcPct val="50000"/>
-              </a:spcBef>
-              <a:buFontTx/>
-              <a:buNone/>
-            </a:pPr>
-            <a:r>
-              <a:rPr lang="da-DK" altLang="da-DK" sz="1100" b="1" dirty="0" smtClean="0">
-                <a:solidFill>
-                  <a:schemeClr val="tx1"/>
-                </a:solidFill>
-              </a:rPr>
-              <a:t>1816 kørsler</a:t>
-            </a:r>
-            <a:br>
-              <a:rPr lang="da-DK" altLang="da-DK" sz="1100" b="1" dirty="0" smtClean="0">
-                <a:solidFill>
-                  <a:schemeClr val="tx1"/>
-                </a:solidFill>
-              </a:rPr>
-            </a:br>
-            <a:r>
-              <a:rPr lang="da-DK" altLang="da-DK" sz="1100" b="1" dirty="0" smtClean="0">
-                <a:solidFill>
-                  <a:schemeClr val="tx1"/>
-                </a:solidFill>
-              </a:rPr>
-              <a:t>(ca. 100 per student)</a:t>
-            </a:r>
-            <a:endParaRPr lang="da-DK" altLang="da-DK" sz="1100" b="1" dirty="0">
-              <a:solidFill>
-                <a:schemeClr val="tx1"/>
-              </a:solidFill>
-            </a:endParaRPr>
-          </a:p>
-        </p:txBody>
-      </p:sp>
-      <p:sp>
-        <p:nvSpPr>
-          <p:cNvPr id="9" name="Text Box 21"/>
-          <p:cNvSpPr txBox="1">
-            <a:spLocks noChangeArrowheads="1"/>
-          </p:cNvSpPr>
-          <p:nvPr/>
-        </p:nvSpPr>
-        <p:spPr bwMode="auto">
-          <a:xfrm>
-            <a:off x="533369" y="4479886"/>
-            <a:ext cx="373210" cy="246162"/>
-          </a:xfrm>
-          <a:prstGeom prst="rect">
-            <a:avLst/>
-          </a:prstGeom>
-          <a:noFill/>
-          <a:ln>
-            <a:noFill/>
-          </a:ln>
-          <a:extLst>
-            <a:ext uri="{909E8E84-426E-40DD-AFC4-6F175D3DCCD1}">
-              <a14:hiddenFill xmlns:a14="http://schemas.microsoft.com/office/drawing/2010/main">
-                <a:solidFill>
-                  <a:srgbClr val="FFFFFF"/>
-                </a:solidFill>
-              </a14:hiddenFill>
-            </a:ext>
-            <a:ext uri="{91240B29-F687-4F45-9708-019B960494DF}">
-              <a14:hiddenLine xmlns:a14="http://schemas.microsoft.com/office/drawing/2010/main" w="9525" algn="ctr">
-                <a:solidFill>
-                  <a:srgbClr val="000000"/>
-                </a:solidFill>
-                <a:miter lim="800000"/>
-                <a:headEnd/>
-                <a:tailEnd/>
-              </a14:hiddenLine>
-            </a:ext>
-          </a:extLst>
-        </p:spPr>
-        <p:txBody>
-          <a:bodyPr wrap="square">
-            <a:spAutoFit/>
-          </a:bodyPr>
-          <a:lstStyle>
-            <a:defPPr>
-              <a:defRPr lang="da-DK"/>
-            </a:defPPr>
-            <a:lvl1pPr algn="l" rtl="0" fontAlgn="base">
-              <a:spcBef>
-                <a:spcPct val="0"/>
-              </a:spcBef>
-              <a:spcAft>
-                <a:spcPct val="0"/>
-              </a:spcAft>
-              <a:defRPr sz="2000" kern="1200">
-                <a:solidFill>
-                  <a:srgbClr val="A50021"/>
-                </a:solidFill>
-                <a:latin typeface="Arial" pitchFamily="34" charset="0"/>
-                <a:ea typeface="ＭＳ Ｐゴシック" pitchFamily="34" charset="-128"/>
-                <a:cs typeface="+mn-cs"/>
-              </a:defRPr>
-            </a:lvl1pPr>
-            <a:lvl2pPr marL="457200" algn="l" rtl="0" fontAlgn="base">
-              <a:spcBef>
-                <a:spcPct val="0"/>
-              </a:spcBef>
-              <a:spcAft>
-                <a:spcPct val="0"/>
-              </a:spcAft>
-              <a:defRPr sz="2000" kern="1200">
-                <a:solidFill>
-                  <a:srgbClr val="A50021"/>
-                </a:solidFill>
-                <a:latin typeface="Arial" pitchFamily="34" charset="0"/>
-                <a:ea typeface="ＭＳ Ｐゴシック" pitchFamily="34" charset="-128"/>
-                <a:cs typeface="+mn-cs"/>
-              </a:defRPr>
-            </a:lvl2pPr>
-            <a:lvl3pPr marL="914400" algn="l" rtl="0" fontAlgn="base">
-              <a:spcBef>
-                <a:spcPct val="0"/>
-              </a:spcBef>
-              <a:spcAft>
-                <a:spcPct val="0"/>
-              </a:spcAft>
-              <a:defRPr sz="2000" kern="1200">
-                <a:solidFill>
-                  <a:srgbClr val="A50021"/>
-                </a:solidFill>
-                <a:latin typeface="Arial" pitchFamily="34" charset="0"/>
-                <a:ea typeface="ＭＳ Ｐゴシック" pitchFamily="34" charset="-128"/>
-                <a:cs typeface="+mn-cs"/>
-              </a:defRPr>
-            </a:lvl3pPr>
-            <a:lvl4pPr marL="1371600" algn="l" rtl="0" fontAlgn="base">
-              <a:spcBef>
-                <a:spcPct val="0"/>
-              </a:spcBef>
-              <a:spcAft>
-                <a:spcPct val="0"/>
-              </a:spcAft>
-              <a:defRPr sz="2000" kern="1200">
-                <a:solidFill>
-                  <a:srgbClr val="A50021"/>
-                </a:solidFill>
-                <a:latin typeface="Arial" pitchFamily="34" charset="0"/>
-                <a:ea typeface="ＭＳ Ｐゴシック" pitchFamily="34" charset="-128"/>
-                <a:cs typeface="+mn-cs"/>
-              </a:defRPr>
-            </a:lvl4pPr>
-            <a:lvl5pPr marL="1828800" algn="l" rtl="0" fontAlgn="base">
-              <a:spcBef>
-                <a:spcPct val="0"/>
-              </a:spcBef>
-              <a:spcAft>
-                <a:spcPct val="0"/>
-              </a:spcAft>
-              <a:defRPr sz="2000" kern="1200">
-                <a:solidFill>
-                  <a:srgbClr val="A50021"/>
-                </a:solidFill>
-                <a:latin typeface="Arial" pitchFamily="34" charset="0"/>
-                <a:ea typeface="ＭＳ Ｐゴシック" pitchFamily="34" charset="-128"/>
-                <a:cs typeface="+mn-cs"/>
-              </a:defRPr>
-            </a:lvl5pPr>
-            <a:lvl6pPr marL="2286000" algn="l" defTabSz="914400" rtl="0" eaLnBrk="1" latinLnBrk="0" hangingPunct="1">
-              <a:defRPr sz="2000" kern="1200">
-                <a:solidFill>
-                  <a:srgbClr val="A50021"/>
-                </a:solidFill>
-                <a:latin typeface="Arial" pitchFamily="34" charset="0"/>
-                <a:ea typeface="ＭＳ Ｐゴシック" pitchFamily="34" charset="-128"/>
-                <a:cs typeface="+mn-cs"/>
-              </a:defRPr>
-            </a:lvl6pPr>
-            <a:lvl7pPr marL="2743200" algn="l" defTabSz="914400" rtl="0" eaLnBrk="1" latinLnBrk="0" hangingPunct="1">
-              <a:defRPr sz="2000" kern="1200">
-                <a:solidFill>
-                  <a:srgbClr val="A50021"/>
-                </a:solidFill>
-                <a:latin typeface="Arial" pitchFamily="34" charset="0"/>
-                <a:ea typeface="ＭＳ Ｐゴシック" pitchFamily="34" charset="-128"/>
-                <a:cs typeface="+mn-cs"/>
-              </a:defRPr>
-            </a:lvl7pPr>
-            <a:lvl8pPr marL="3200400" algn="l" defTabSz="914400" rtl="0" eaLnBrk="1" latinLnBrk="0" hangingPunct="1">
-              <a:defRPr sz="2000" kern="1200">
-                <a:solidFill>
-                  <a:srgbClr val="A50021"/>
-                </a:solidFill>
-                <a:latin typeface="Arial" pitchFamily="34" charset="0"/>
-                <a:ea typeface="ＭＳ Ｐゴシック" pitchFamily="34" charset="-128"/>
-                <a:cs typeface="+mn-cs"/>
-              </a:defRPr>
-            </a:lvl8pPr>
-            <a:lvl9pPr marL="3657600" algn="l" defTabSz="914400" rtl="0" eaLnBrk="1" latinLnBrk="0" hangingPunct="1">
-              <a:defRPr sz="2000" kern="1200">
-                <a:solidFill>
-                  <a:srgbClr val="A50021"/>
-                </a:solidFill>
-                <a:latin typeface="Arial" pitchFamily="34" charset="0"/>
-                <a:ea typeface="ＭＳ Ｐゴシック" pitchFamily="34" charset="-128"/>
-                <a:cs typeface="+mn-cs"/>
-              </a:defRPr>
-            </a:lvl9pPr>
-          </a:lstStyle>
-          <a:p>
-            <a:pPr eaLnBrk="1" hangingPunct="1">
-              <a:spcBef>
-                <a:spcPct val="50000"/>
-              </a:spcBef>
-              <a:buFontTx/>
-              <a:buNone/>
-            </a:pPr>
-            <a:r>
-              <a:rPr lang="da-DK" altLang="da-DK" sz="1050" b="1" dirty="0" smtClean="0">
-                <a:solidFill>
-                  <a:schemeClr val="tx1"/>
-                </a:solidFill>
-              </a:rPr>
-              <a:t>25</a:t>
-            </a:r>
-            <a:endParaRPr lang="da-DK" altLang="da-DK" sz="1050" b="1" dirty="0">
-              <a:solidFill>
-                <a:schemeClr val="tx1"/>
-              </a:solidFill>
-            </a:endParaRPr>
-          </a:p>
-        </p:txBody>
-      </p:sp>
-      <p:sp>
-        <p:nvSpPr>
-          <p:cNvPr id="10" name="Text Box 21"/>
-          <p:cNvSpPr txBox="1">
-            <a:spLocks noChangeArrowheads="1"/>
-          </p:cNvSpPr>
-          <p:nvPr/>
-        </p:nvSpPr>
-        <p:spPr bwMode="auto">
-          <a:xfrm>
-            <a:off x="539616" y="3910682"/>
-            <a:ext cx="362275" cy="246162"/>
-          </a:xfrm>
-          <a:prstGeom prst="rect">
-            <a:avLst/>
-          </a:prstGeom>
-          <a:noFill/>
-          <a:ln>
-            <a:noFill/>
-          </a:ln>
-          <a:extLst>
-            <a:ext uri="{909E8E84-426E-40DD-AFC4-6F175D3DCCD1}">
-              <a14:hiddenFill xmlns:a14="http://schemas.microsoft.com/office/drawing/2010/main">
-                <a:solidFill>
-                  <a:srgbClr val="FFFFFF"/>
-                </a:solidFill>
-              </a14:hiddenFill>
-            </a:ext>
-            <a:ext uri="{91240B29-F687-4F45-9708-019B960494DF}">
-              <a14:hiddenLine xmlns:a14="http://schemas.microsoft.com/office/drawing/2010/main" w="9525" algn="ctr">
-                <a:solidFill>
-                  <a:srgbClr val="000000"/>
-                </a:solidFill>
-                <a:miter lim="800000"/>
-                <a:headEnd/>
-                <a:tailEnd/>
-              </a14:hiddenLine>
-            </a:ext>
-          </a:extLst>
-        </p:spPr>
-        <p:txBody>
-          <a:bodyPr wrap="square">
-            <a:spAutoFit/>
-          </a:bodyPr>
-          <a:lstStyle>
-            <a:defPPr>
-              <a:defRPr lang="da-DK"/>
-            </a:defPPr>
-            <a:lvl1pPr algn="l" rtl="0" fontAlgn="base">
-              <a:spcBef>
-                <a:spcPct val="0"/>
-              </a:spcBef>
-              <a:spcAft>
-                <a:spcPct val="0"/>
-              </a:spcAft>
-              <a:defRPr sz="2000" kern="1200">
-                <a:solidFill>
-                  <a:srgbClr val="A50021"/>
-                </a:solidFill>
-                <a:latin typeface="Arial" pitchFamily="34" charset="0"/>
-                <a:ea typeface="ＭＳ Ｐゴシック" pitchFamily="34" charset="-128"/>
-                <a:cs typeface="+mn-cs"/>
-              </a:defRPr>
-            </a:lvl1pPr>
-            <a:lvl2pPr marL="457200" algn="l" rtl="0" fontAlgn="base">
-              <a:spcBef>
-                <a:spcPct val="0"/>
-              </a:spcBef>
-              <a:spcAft>
-                <a:spcPct val="0"/>
-              </a:spcAft>
-              <a:defRPr sz="2000" kern="1200">
-                <a:solidFill>
-                  <a:srgbClr val="A50021"/>
-                </a:solidFill>
-                <a:latin typeface="Arial" pitchFamily="34" charset="0"/>
-                <a:ea typeface="ＭＳ Ｐゴシック" pitchFamily="34" charset="-128"/>
-                <a:cs typeface="+mn-cs"/>
-              </a:defRPr>
-            </a:lvl2pPr>
-            <a:lvl3pPr marL="914400" algn="l" rtl="0" fontAlgn="base">
-              <a:spcBef>
-                <a:spcPct val="0"/>
-              </a:spcBef>
-              <a:spcAft>
-                <a:spcPct val="0"/>
-              </a:spcAft>
-              <a:defRPr sz="2000" kern="1200">
-                <a:solidFill>
-                  <a:srgbClr val="A50021"/>
-                </a:solidFill>
-                <a:latin typeface="Arial" pitchFamily="34" charset="0"/>
-                <a:ea typeface="ＭＳ Ｐゴシック" pitchFamily="34" charset="-128"/>
-                <a:cs typeface="+mn-cs"/>
-              </a:defRPr>
-            </a:lvl3pPr>
-            <a:lvl4pPr marL="1371600" algn="l" rtl="0" fontAlgn="base">
-              <a:spcBef>
-                <a:spcPct val="0"/>
-              </a:spcBef>
-              <a:spcAft>
-                <a:spcPct val="0"/>
-              </a:spcAft>
-              <a:defRPr sz="2000" kern="1200">
-                <a:solidFill>
-                  <a:srgbClr val="A50021"/>
-                </a:solidFill>
-                <a:latin typeface="Arial" pitchFamily="34" charset="0"/>
-                <a:ea typeface="ＭＳ Ｐゴシック" pitchFamily="34" charset="-128"/>
-                <a:cs typeface="+mn-cs"/>
-              </a:defRPr>
-            </a:lvl4pPr>
-            <a:lvl5pPr marL="1828800" algn="l" rtl="0" fontAlgn="base">
-              <a:spcBef>
-                <a:spcPct val="0"/>
-              </a:spcBef>
-              <a:spcAft>
-                <a:spcPct val="0"/>
-              </a:spcAft>
-              <a:defRPr sz="2000" kern="1200">
-                <a:solidFill>
-                  <a:srgbClr val="A50021"/>
-                </a:solidFill>
-                <a:latin typeface="Arial" pitchFamily="34" charset="0"/>
-                <a:ea typeface="ＭＳ Ｐゴシック" pitchFamily="34" charset="-128"/>
-                <a:cs typeface="+mn-cs"/>
-              </a:defRPr>
-            </a:lvl5pPr>
-            <a:lvl6pPr marL="2286000" algn="l" defTabSz="914400" rtl="0" eaLnBrk="1" latinLnBrk="0" hangingPunct="1">
-              <a:defRPr sz="2000" kern="1200">
-                <a:solidFill>
-                  <a:srgbClr val="A50021"/>
-                </a:solidFill>
-                <a:latin typeface="Arial" pitchFamily="34" charset="0"/>
-                <a:ea typeface="ＭＳ Ｐゴシック" pitchFamily="34" charset="-128"/>
-                <a:cs typeface="+mn-cs"/>
-              </a:defRPr>
-            </a:lvl6pPr>
-            <a:lvl7pPr marL="2743200" algn="l" defTabSz="914400" rtl="0" eaLnBrk="1" latinLnBrk="0" hangingPunct="1">
-              <a:defRPr sz="2000" kern="1200">
-                <a:solidFill>
-                  <a:srgbClr val="A50021"/>
-                </a:solidFill>
-                <a:latin typeface="Arial" pitchFamily="34" charset="0"/>
-                <a:ea typeface="ＭＳ Ｐゴシック" pitchFamily="34" charset="-128"/>
-                <a:cs typeface="+mn-cs"/>
-              </a:defRPr>
-            </a:lvl7pPr>
-            <a:lvl8pPr marL="3200400" algn="l" defTabSz="914400" rtl="0" eaLnBrk="1" latinLnBrk="0" hangingPunct="1">
-              <a:defRPr sz="2000" kern="1200">
-                <a:solidFill>
-                  <a:srgbClr val="A50021"/>
-                </a:solidFill>
-                <a:latin typeface="Arial" pitchFamily="34" charset="0"/>
-                <a:ea typeface="ＭＳ Ｐゴシック" pitchFamily="34" charset="-128"/>
-                <a:cs typeface="+mn-cs"/>
-              </a:defRPr>
-            </a:lvl8pPr>
-            <a:lvl9pPr marL="3657600" algn="l" defTabSz="914400" rtl="0" eaLnBrk="1" latinLnBrk="0" hangingPunct="1">
-              <a:defRPr sz="2000" kern="1200">
-                <a:solidFill>
-                  <a:srgbClr val="A50021"/>
-                </a:solidFill>
-                <a:latin typeface="Arial" pitchFamily="34" charset="0"/>
-                <a:ea typeface="ＭＳ Ｐゴシック" pitchFamily="34" charset="-128"/>
-                <a:cs typeface="+mn-cs"/>
-              </a:defRPr>
-            </a:lvl9pPr>
-          </a:lstStyle>
-          <a:p>
-            <a:pPr eaLnBrk="1" hangingPunct="1">
-              <a:spcBef>
-                <a:spcPct val="50000"/>
-              </a:spcBef>
-              <a:buFontTx/>
-              <a:buNone/>
-            </a:pPr>
-            <a:r>
-              <a:rPr lang="da-DK" altLang="da-DK" sz="1050" b="1" dirty="0" smtClean="0">
-                <a:solidFill>
-                  <a:schemeClr val="tx1"/>
-                </a:solidFill>
-              </a:rPr>
-              <a:t>50</a:t>
-            </a:r>
-            <a:endParaRPr lang="da-DK" altLang="da-DK" sz="1050" b="1" dirty="0">
-              <a:solidFill>
-                <a:schemeClr val="tx1"/>
-              </a:solidFill>
-            </a:endParaRPr>
-          </a:p>
-        </p:txBody>
-      </p:sp>
-      <p:sp>
-        <p:nvSpPr>
-          <p:cNvPr id="11" name="Text Box 21"/>
-          <p:cNvSpPr txBox="1">
-            <a:spLocks noChangeArrowheads="1"/>
-          </p:cNvSpPr>
-          <p:nvPr/>
-        </p:nvSpPr>
-        <p:spPr bwMode="auto">
-          <a:xfrm>
-            <a:off x="547758" y="3345663"/>
-            <a:ext cx="361061" cy="246162"/>
-          </a:xfrm>
-          <a:prstGeom prst="rect">
-            <a:avLst/>
-          </a:prstGeom>
-          <a:noFill/>
-          <a:ln>
-            <a:noFill/>
-          </a:ln>
-          <a:extLst>
-            <a:ext uri="{909E8E84-426E-40DD-AFC4-6F175D3DCCD1}">
-              <a14:hiddenFill xmlns:a14="http://schemas.microsoft.com/office/drawing/2010/main">
-                <a:solidFill>
-                  <a:srgbClr val="FFFFFF"/>
-                </a:solidFill>
-              </a14:hiddenFill>
-            </a:ext>
-            <a:ext uri="{91240B29-F687-4F45-9708-019B960494DF}">
-              <a14:hiddenLine xmlns:a14="http://schemas.microsoft.com/office/drawing/2010/main" w="9525" algn="ctr">
-                <a:solidFill>
-                  <a:srgbClr val="000000"/>
-                </a:solidFill>
-                <a:miter lim="800000"/>
-                <a:headEnd/>
-                <a:tailEnd/>
-              </a14:hiddenLine>
-            </a:ext>
-          </a:extLst>
-        </p:spPr>
-        <p:txBody>
-          <a:bodyPr wrap="square">
-            <a:spAutoFit/>
-          </a:bodyPr>
-          <a:lstStyle>
-            <a:defPPr>
-              <a:defRPr lang="da-DK"/>
-            </a:defPPr>
-            <a:lvl1pPr algn="l" rtl="0" fontAlgn="base">
-              <a:spcBef>
-                <a:spcPct val="0"/>
-              </a:spcBef>
-              <a:spcAft>
-                <a:spcPct val="0"/>
-              </a:spcAft>
-              <a:defRPr sz="2000" kern="1200">
-                <a:solidFill>
-                  <a:srgbClr val="A50021"/>
-                </a:solidFill>
-                <a:latin typeface="Arial" pitchFamily="34" charset="0"/>
-                <a:ea typeface="ＭＳ Ｐゴシック" pitchFamily="34" charset="-128"/>
-                <a:cs typeface="+mn-cs"/>
-              </a:defRPr>
-            </a:lvl1pPr>
-            <a:lvl2pPr marL="457200" algn="l" rtl="0" fontAlgn="base">
-              <a:spcBef>
-                <a:spcPct val="0"/>
-              </a:spcBef>
-              <a:spcAft>
-                <a:spcPct val="0"/>
-              </a:spcAft>
-              <a:defRPr sz="2000" kern="1200">
-                <a:solidFill>
-                  <a:srgbClr val="A50021"/>
-                </a:solidFill>
-                <a:latin typeface="Arial" pitchFamily="34" charset="0"/>
-                <a:ea typeface="ＭＳ Ｐゴシック" pitchFamily="34" charset="-128"/>
-                <a:cs typeface="+mn-cs"/>
-              </a:defRPr>
-            </a:lvl2pPr>
-            <a:lvl3pPr marL="914400" algn="l" rtl="0" fontAlgn="base">
-              <a:spcBef>
-                <a:spcPct val="0"/>
-              </a:spcBef>
-              <a:spcAft>
-                <a:spcPct val="0"/>
-              </a:spcAft>
-              <a:defRPr sz="2000" kern="1200">
-                <a:solidFill>
-                  <a:srgbClr val="A50021"/>
-                </a:solidFill>
-                <a:latin typeface="Arial" pitchFamily="34" charset="0"/>
-                <a:ea typeface="ＭＳ Ｐゴシック" pitchFamily="34" charset="-128"/>
-                <a:cs typeface="+mn-cs"/>
-              </a:defRPr>
-            </a:lvl3pPr>
-            <a:lvl4pPr marL="1371600" algn="l" rtl="0" fontAlgn="base">
-              <a:spcBef>
-                <a:spcPct val="0"/>
-              </a:spcBef>
-              <a:spcAft>
-                <a:spcPct val="0"/>
-              </a:spcAft>
-              <a:defRPr sz="2000" kern="1200">
-                <a:solidFill>
-                  <a:srgbClr val="A50021"/>
-                </a:solidFill>
-                <a:latin typeface="Arial" pitchFamily="34" charset="0"/>
-                <a:ea typeface="ＭＳ Ｐゴシック" pitchFamily="34" charset="-128"/>
-                <a:cs typeface="+mn-cs"/>
-              </a:defRPr>
-            </a:lvl4pPr>
-            <a:lvl5pPr marL="1828800" algn="l" rtl="0" fontAlgn="base">
-              <a:spcBef>
-                <a:spcPct val="0"/>
-              </a:spcBef>
-              <a:spcAft>
-                <a:spcPct val="0"/>
-              </a:spcAft>
-              <a:defRPr sz="2000" kern="1200">
-                <a:solidFill>
-                  <a:srgbClr val="A50021"/>
-                </a:solidFill>
-                <a:latin typeface="Arial" pitchFamily="34" charset="0"/>
-                <a:ea typeface="ＭＳ Ｐゴシック" pitchFamily="34" charset="-128"/>
-                <a:cs typeface="+mn-cs"/>
-              </a:defRPr>
-            </a:lvl5pPr>
-            <a:lvl6pPr marL="2286000" algn="l" defTabSz="914400" rtl="0" eaLnBrk="1" latinLnBrk="0" hangingPunct="1">
-              <a:defRPr sz="2000" kern="1200">
-                <a:solidFill>
-                  <a:srgbClr val="A50021"/>
-                </a:solidFill>
-                <a:latin typeface="Arial" pitchFamily="34" charset="0"/>
-                <a:ea typeface="ＭＳ Ｐゴシック" pitchFamily="34" charset="-128"/>
-                <a:cs typeface="+mn-cs"/>
-              </a:defRPr>
-            </a:lvl6pPr>
-            <a:lvl7pPr marL="2743200" algn="l" defTabSz="914400" rtl="0" eaLnBrk="1" latinLnBrk="0" hangingPunct="1">
-              <a:defRPr sz="2000" kern="1200">
-                <a:solidFill>
-                  <a:srgbClr val="A50021"/>
-                </a:solidFill>
-                <a:latin typeface="Arial" pitchFamily="34" charset="0"/>
-                <a:ea typeface="ＭＳ Ｐゴシック" pitchFamily="34" charset="-128"/>
-                <a:cs typeface="+mn-cs"/>
-              </a:defRPr>
-            </a:lvl7pPr>
-            <a:lvl8pPr marL="3200400" algn="l" defTabSz="914400" rtl="0" eaLnBrk="1" latinLnBrk="0" hangingPunct="1">
-              <a:defRPr sz="2000" kern="1200">
-                <a:solidFill>
-                  <a:srgbClr val="A50021"/>
-                </a:solidFill>
-                <a:latin typeface="Arial" pitchFamily="34" charset="0"/>
-                <a:ea typeface="ＭＳ Ｐゴシック" pitchFamily="34" charset="-128"/>
-                <a:cs typeface="+mn-cs"/>
-              </a:defRPr>
-            </a:lvl8pPr>
-            <a:lvl9pPr marL="3657600" algn="l" defTabSz="914400" rtl="0" eaLnBrk="1" latinLnBrk="0" hangingPunct="1">
-              <a:defRPr sz="2000" kern="1200">
-                <a:solidFill>
-                  <a:srgbClr val="A50021"/>
-                </a:solidFill>
-                <a:latin typeface="Arial" pitchFamily="34" charset="0"/>
-                <a:ea typeface="ＭＳ Ｐゴシック" pitchFamily="34" charset="-128"/>
-                <a:cs typeface="+mn-cs"/>
-              </a:defRPr>
-            </a:lvl9pPr>
-          </a:lstStyle>
-          <a:p>
-            <a:pPr eaLnBrk="1" hangingPunct="1">
-              <a:spcBef>
-                <a:spcPct val="50000"/>
-              </a:spcBef>
-              <a:buFontTx/>
-              <a:buNone/>
-            </a:pPr>
-            <a:r>
-              <a:rPr lang="da-DK" altLang="da-DK" sz="1050" b="1" dirty="0">
-                <a:solidFill>
-                  <a:schemeClr val="tx1"/>
-                </a:solidFill>
-              </a:rPr>
-              <a:t>7</a:t>
-            </a:r>
-            <a:r>
-              <a:rPr lang="da-DK" altLang="da-DK" sz="1050" b="1" dirty="0" smtClean="0">
-                <a:solidFill>
-                  <a:schemeClr val="tx1"/>
-                </a:solidFill>
-              </a:rPr>
-              <a:t>5</a:t>
-            </a:r>
-            <a:endParaRPr lang="da-DK" altLang="da-DK" sz="1050" b="1" dirty="0">
-              <a:solidFill>
-                <a:schemeClr val="tx1"/>
-              </a:solidFill>
-            </a:endParaRPr>
-          </a:p>
-        </p:txBody>
-      </p:sp>
-      <p:sp>
-        <p:nvSpPr>
-          <p:cNvPr id="14" name="Text Box 21"/>
-          <p:cNvSpPr txBox="1">
-            <a:spLocks noChangeArrowheads="1"/>
-          </p:cNvSpPr>
-          <p:nvPr/>
-        </p:nvSpPr>
-        <p:spPr bwMode="auto">
-          <a:xfrm>
-            <a:off x="974336" y="2009761"/>
-            <a:ext cx="864095" cy="261610"/>
-          </a:xfrm>
-          <a:prstGeom prst="rect">
-            <a:avLst/>
-          </a:prstGeom>
-          <a:solidFill>
-            <a:schemeClr val="bg1"/>
-          </a:solidFill>
-          <a:ln>
-            <a:noFill/>
-          </a:ln>
-          <a:extLst/>
-        </p:spPr>
-        <p:txBody>
-          <a:bodyPr wrap="square">
-            <a:spAutoFit/>
-          </a:bodyPr>
-          <a:lstStyle>
-            <a:defPPr>
-              <a:defRPr lang="da-DK"/>
-            </a:defPPr>
-            <a:lvl1pPr algn="l" rtl="0" fontAlgn="base">
-              <a:spcBef>
-                <a:spcPct val="0"/>
-              </a:spcBef>
-              <a:spcAft>
-                <a:spcPct val="0"/>
-              </a:spcAft>
-              <a:defRPr sz="2000" kern="1200">
-                <a:solidFill>
-                  <a:srgbClr val="A50021"/>
-                </a:solidFill>
-                <a:latin typeface="Arial" pitchFamily="34" charset="0"/>
-                <a:ea typeface="ＭＳ Ｐゴシック" pitchFamily="34" charset="-128"/>
-                <a:cs typeface="+mn-cs"/>
-              </a:defRPr>
-            </a:lvl1pPr>
-            <a:lvl2pPr marL="457200" algn="l" rtl="0" fontAlgn="base">
-              <a:spcBef>
-                <a:spcPct val="0"/>
-              </a:spcBef>
-              <a:spcAft>
-                <a:spcPct val="0"/>
-              </a:spcAft>
-              <a:defRPr sz="2000" kern="1200">
-                <a:solidFill>
-                  <a:srgbClr val="A50021"/>
-                </a:solidFill>
-                <a:latin typeface="Arial" pitchFamily="34" charset="0"/>
-                <a:ea typeface="ＭＳ Ｐゴシック" pitchFamily="34" charset="-128"/>
-                <a:cs typeface="+mn-cs"/>
-              </a:defRPr>
-            </a:lvl2pPr>
-            <a:lvl3pPr marL="914400" algn="l" rtl="0" fontAlgn="base">
-              <a:spcBef>
-                <a:spcPct val="0"/>
-              </a:spcBef>
-              <a:spcAft>
-                <a:spcPct val="0"/>
-              </a:spcAft>
-              <a:defRPr sz="2000" kern="1200">
-                <a:solidFill>
-                  <a:srgbClr val="A50021"/>
-                </a:solidFill>
-                <a:latin typeface="Arial" pitchFamily="34" charset="0"/>
-                <a:ea typeface="ＭＳ Ｐゴシック" pitchFamily="34" charset="-128"/>
-                <a:cs typeface="+mn-cs"/>
-              </a:defRPr>
-            </a:lvl3pPr>
-            <a:lvl4pPr marL="1371600" algn="l" rtl="0" fontAlgn="base">
-              <a:spcBef>
-                <a:spcPct val="0"/>
-              </a:spcBef>
-              <a:spcAft>
-                <a:spcPct val="0"/>
-              </a:spcAft>
-              <a:defRPr sz="2000" kern="1200">
-                <a:solidFill>
-                  <a:srgbClr val="A50021"/>
-                </a:solidFill>
-                <a:latin typeface="Arial" pitchFamily="34" charset="0"/>
-                <a:ea typeface="ＭＳ Ｐゴシック" pitchFamily="34" charset="-128"/>
-                <a:cs typeface="+mn-cs"/>
-              </a:defRPr>
-            </a:lvl4pPr>
-            <a:lvl5pPr marL="1828800" algn="l" rtl="0" fontAlgn="base">
-              <a:spcBef>
-                <a:spcPct val="0"/>
-              </a:spcBef>
-              <a:spcAft>
-                <a:spcPct val="0"/>
-              </a:spcAft>
-              <a:defRPr sz="2000" kern="1200">
-                <a:solidFill>
-                  <a:srgbClr val="A50021"/>
-                </a:solidFill>
-                <a:latin typeface="Arial" pitchFamily="34" charset="0"/>
-                <a:ea typeface="ＭＳ Ｐゴシック" pitchFamily="34" charset="-128"/>
-                <a:cs typeface="+mn-cs"/>
-              </a:defRPr>
-            </a:lvl5pPr>
-            <a:lvl6pPr marL="2286000" algn="l" defTabSz="914400" rtl="0" eaLnBrk="1" latinLnBrk="0" hangingPunct="1">
-              <a:defRPr sz="2000" kern="1200">
-                <a:solidFill>
-                  <a:srgbClr val="A50021"/>
-                </a:solidFill>
-                <a:latin typeface="Arial" pitchFamily="34" charset="0"/>
-                <a:ea typeface="ＭＳ Ｐゴシック" pitchFamily="34" charset="-128"/>
-                <a:cs typeface="+mn-cs"/>
-              </a:defRPr>
-            </a:lvl6pPr>
-            <a:lvl7pPr marL="2743200" algn="l" defTabSz="914400" rtl="0" eaLnBrk="1" latinLnBrk="0" hangingPunct="1">
-              <a:defRPr sz="2000" kern="1200">
-                <a:solidFill>
-                  <a:srgbClr val="A50021"/>
-                </a:solidFill>
-                <a:latin typeface="Arial" pitchFamily="34" charset="0"/>
-                <a:ea typeface="ＭＳ Ｐゴシック" pitchFamily="34" charset="-128"/>
-                <a:cs typeface="+mn-cs"/>
-              </a:defRPr>
-            </a:lvl7pPr>
-            <a:lvl8pPr marL="3200400" algn="l" defTabSz="914400" rtl="0" eaLnBrk="1" latinLnBrk="0" hangingPunct="1">
-              <a:defRPr sz="2000" kern="1200">
-                <a:solidFill>
-                  <a:srgbClr val="A50021"/>
-                </a:solidFill>
-                <a:latin typeface="Arial" pitchFamily="34" charset="0"/>
-                <a:ea typeface="ＭＳ Ｐゴシック" pitchFamily="34" charset="-128"/>
-                <a:cs typeface="+mn-cs"/>
-              </a:defRPr>
-            </a:lvl8pPr>
-            <a:lvl9pPr marL="3657600" algn="l" defTabSz="914400" rtl="0" eaLnBrk="1" latinLnBrk="0" hangingPunct="1">
-              <a:defRPr sz="2000" kern="1200">
-                <a:solidFill>
-                  <a:srgbClr val="A50021"/>
-                </a:solidFill>
-                <a:latin typeface="Arial" pitchFamily="34" charset="0"/>
-                <a:ea typeface="ＭＳ Ｐゴシック" pitchFamily="34" charset="-128"/>
-                <a:cs typeface="+mn-cs"/>
-              </a:defRPr>
-            </a:lvl9pPr>
-          </a:lstStyle>
-          <a:p>
-            <a:pPr eaLnBrk="1" hangingPunct="1">
-              <a:spcBef>
-                <a:spcPct val="50000"/>
-              </a:spcBef>
-              <a:buFontTx/>
-              <a:buNone/>
-            </a:pPr>
-            <a:r>
-              <a:rPr lang="da-DK" altLang="da-DK" sz="1100" b="1" dirty="0" smtClean="0">
-                <a:solidFill>
-                  <a:srgbClr val="0000CC"/>
-                </a:solidFill>
-              </a:rPr>
-              <a:t>Seminar 6</a:t>
-            </a:r>
-            <a:endParaRPr lang="da-DK" altLang="da-DK" sz="1100" b="1" dirty="0">
-              <a:solidFill>
-                <a:srgbClr val="0000CC"/>
-              </a:solidFill>
-            </a:endParaRPr>
-          </a:p>
-        </p:txBody>
-      </p:sp>
-      <p:sp>
-        <p:nvSpPr>
-          <p:cNvPr id="15" name="Line 22"/>
-          <p:cNvSpPr>
-            <a:spLocks noChangeShapeType="1"/>
-          </p:cNvSpPr>
-          <p:nvPr/>
-        </p:nvSpPr>
-        <p:spPr bwMode="auto">
-          <a:xfrm flipH="1">
-            <a:off x="1475656" y="2276872"/>
-            <a:ext cx="0" cy="482331"/>
-          </a:xfrm>
-          <a:prstGeom prst="line">
-            <a:avLst/>
-          </a:prstGeom>
-          <a:noFill/>
-          <a:ln w="28575">
-            <a:solidFill>
-              <a:srgbClr val="0000FF"/>
-            </a:solidFill>
-            <a:round/>
-            <a:headEnd/>
-            <a:tailEnd type="triangle" w="lg" len="lg"/>
-          </a:ln>
-          <a:extLst>
-            <a:ext uri="{909E8E84-426E-40DD-AFC4-6F175D3DCCD1}">
-              <a14:hiddenFill xmlns:a14="http://schemas.microsoft.com/office/drawing/2010/main">
-                <a:noFill/>
-              </a14:hiddenFill>
-            </a:ext>
-          </a:extLst>
-        </p:spPr>
-        <p:txBody>
-          <a:bodyPr/>
-          <a:lstStyle>
-            <a:defPPr>
-              <a:defRPr lang="da-DK"/>
-            </a:defPPr>
-            <a:lvl1pPr algn="l" rtl="0" fontAlgn="base">
-              <a:spcBef>
-                <a:spcPct val="0"/>
-              </a:spcBef>
-              <a:spcAft>
-                <a:spcPct val="0"/>
-              </a:spcAft>
-              <a:defRPr sz="2000" kern="1200">
-                <a:solidFill>
-                  <a:srgbClr val="A50021"/>
-                </a:solidFill>
-                <a:latin typeface="Arial" pitchFamily="34" charset="0"/>
-                <a:ea typeface="ＭＳ Ｐゴシック" pitchFamily="34" charset="-128"/>
-                <a:cs typeface="+mn-cs"/>
-              </a:defRPr>
-            </a:lvl1pPr>
-            <a:lvl2pPr marL="457200" algn="l" rtl="0" fontAlgn="base">
-              <a:spcBef>
-                <a:spcPct val="0"/>
-              </a:spcBef>
-              <a:spcAft>
-                <a:spcPct val="0"/>
-              </a:spcAft>
-              <a:defRPr sz="2000" kern="1200">
-                <a:solidFill>
-                  <a:srgbClr val="A50021"/>
-                </a:solidFill>
-                <a:latin typeface="Arial" pitchFamily="34" charset="0"/>
-                <a:ea typeface="ＭＳ Ｐゴシック" pitchFamily="34" charset="-128"/>
-                <a:cs typeface="+mn-cs"/>
-              </a:defRPr>
-            </a:lvl2pPr>
-            <a:lvl3pPr marL="914400" algn="l" rtl="0" fontAlgn="base">
-              <a:spcBef>
-                <a:spcPct val="0"/>
-              </a:spcBef>
-              <a:spcAft>
-                <a:spcPct val="0"/>
-              </a:spcAft>
-              <a:defRPr sz="2000" kern="1200">
-                <a:solidFill>
-                  <a:srgbClr val="A50021"/>
-                </a:solidFill>
-                <a:latin typeface="Arial" pitchFamily="34" charset="0"/>
-                <a:ea typeface="ＭＳ Ｐゴシック" pitchFamily="34" charset="-128"/>
-                <a:cs typeface="+mn-cs"/>
-              </a:defRPr>
-            </a:lvl3pPr>
-            <a:lvl4pPr marL="1371600" algn="l" rtl="0" fontAlgn="base">
-              <a:spcBef>
-                <a:spcPct val="0"/>
-              </a:spcBef>
-              <a:spcAft>
-                <a:spcPct val="0"/>
-              </a:spcAft>
-              <a:defRPr sz="2000" kern="1200">
-                <a:solidFill>
-                  <a:srgbClr val="A50021"/>
-                </a:solidFill>
-                <a:latin typeface="Arial" pitchFamily="34" charset="0"/>
-                <a:ea typeface="ＭＳ Ｐゴシック" pitchFamily="34" charset="-128"/>
-                <a:cs typeface="+mn-cs"/>
-              </a:defRPr>
-            </a:lvl4pPr>
-            <a:lvl5pPr marL="1828800" algn="l" rtl="0" fontAlgn="base">
-              <a:spcBef>
-                <a:spcPct val="0"/>
-              </a:spcBef>
-              <a:spcAft>
-                <a:spcPct val="0"/>
-              </a:spcAft>
-              <a:defRPr sz="2000" kern="1200">
-                <a:solidFill>
-                  <a:srgbClr val="A50021"/>
-                </a:solidFill>
-                <a:latin typeface="Arial" pitchFamily="34" charset="0"/>
-                <a:ea typeface="ＭＳ Ｐゴシック" pitchFamily="34" charset="-128"/>
-                <a:cs typeface="+mn-cs"/>
-              </a:defRPr>
-            </a:lvl5pPr>
-            <a:lvl6pPr marL="2286000" algn="l" defTabSz="914400" rtl="0" eaLnBrk="1" latinLnBrk="0" hangingPunct="1">
-              <a:defRPr sz="2000" kern="1200">
-                <a:solidFill>
-                  <a:srgbClr val="A50021"/>
-                </a:solidFill>
-                <a:latin typeface="Arial" pitchFamily="34" charset="0"/>
-                <a:ea typeface="ＭＳ Ｐゴシック" pitchFamily="34" charset="-128"/>
-                <a:cs typeface="+mn-cs"/>
-              </a:defRPr>
-            </a:lvl6pPr>
-            <a:lvl7pPr marL="2743200" algn="l" defTabSz="914400" rtl="0" eaLnBrk="1" latinLnBrk="0" hangingPunct="1">
-              <a:defRPr sz="2000" kern="1200">
-                <a:solidFill>
-                  <a:srgbClr val="A50021"/>
-                </a:solidFill>
-                <a:latin typeface="Arial" pitchFamily="34" charset="0"/>
-                <a:ea typeface="ＭＳ Ｐゴシック" pitchFamily="34" charset="-128"/>
-                <a:cs typeface="+mn-cs"/>
-              </a:defRPr>
-            </a:lvl7pPr>
-            <a:lvl8pPr marL="3200400" algn="l" defTabSz="914400" rtl="0" eaLnBrk="1" latinLnBrk="0" hangingPunct="1">
-              <a:defRPr sz="2000" kern="1200">
-                <a:solidFill>
-                  <a:srgbClr val="A50021"/>
-                </a:solidFill>
-                <a:latin typeface="Arial" pitchFamily="34" charset="0"/>
-                <a:ea typeface="ＭＳ Ｐゴシック" pitchFamily="34" charset="-128"/>
-                <a:cs typeface="+mn-cs"/>
-              </a:defRPr>
-            </a:lvl8pPr>
-            <a:lvl9pPr marL="3657600" algn="l" defTabSz="914400" rtl="0" eaLnBrk="1" latinLnBrk="0" hangingPunct="1">
-              <a:defRPr sz="2000" kern="1200">
-                <a:solidFill>
-                  <a:srgbClr val="A50021"/>
-                </a:solidFill>
-                <a:latin typeface="Arial" pitchFamily="34" charset="0"/>
-                <a:ea typeface="ＭＳ Ｐゴシック" pitchFamily="34" charset="-128"/>
-                <a:cs typeface="+mn-cs"/>
-              </a:defRPr>
-            </a:lvl9pPr>
-          </a:lstStyle>
-          <a:p>
-            <a:endParaRPr lang="da-DK">
-              <a:solidFill>
-                <a:srgbClr val="FF0000"/>
-              </a:solidFill>
-            </a:endParaRPr>
-          </a:p>
-        </p:txBody>
-      </p:sp>
-      <p:sp>
-        <p:nvSpPr>
-          <p:cNvPr id="4" name="Title 1"/>
-          <p:cNvSpPr txBox="1">
-            <a:spLocks/>
-          </p:cNvSpPr>
-          <p:nvPr/>
-        </p:nvSpPr>
-        <p:spPr bwMode="auto">
-          <a:xfrm>
-            <a:off x="396693" y="218508"/>
-            <a:ext cx="6551572" cy="682625"/>
-          </a:xfrm>
-          <a:prstGeom prst="rect">
-            <a:avLst/>
-          </a:prstGeom>
-          <a:noFill/>
-          <a:ln>
-            <a:noFill/>
-          </a:ln>
-          <a:extLst>
-            <a:ext uri="{909E8E84-426E-40DD-AFC4-6F175D3DCCD1}">
-              <a14:hiddenFill xmlns:a14="http://schemas.microsoft.com/office/drawing/2010/main">
-                <a:solidFill>
-                  <a:srgbClr val="FFFFFF"/>
-                </a:solidFill>
-              </a14:hiddenFill>
-            </a:ext>
-            <a:ext uri="{91240B29-F687-4F45-9708-019B960494DF}">
-              <a14:hiddenLine xmlns:a14="http://schemas.microsoft.com/office/drawing/2010/main" w="9525">
-                <a:solidFill>
-                  <a:srgbClr val="000000"/>
-                </a:solidFill>
-                <a:miter lim="800000"/>
-                <a:headEnd/>
-                <a:tailEnd/>
-              </a14:hiddenLine>
-            </a:ext>
-          </a:extLst>
-        </p:spPr>
-        <p:txBody>
-          <a:bodyPr anchor="ctr"/>
-          <a:lstStyle>
-            <a:lvl1pPr algn="l" rtl="0" eaLnBrk="0" fontAlgn="base" hangingPunct="0">
-              <a:spcBef>
-                <a:spcPct val="0"/>
-              </a:spcBef>
-              <a:spcAft>
-                <a:spcPct val="0"/>
-              </a:spcAft>
-              <a:defRPr sz="3600" b="1">
-                <a:solidFill>
-                  <a:srgbClr val="000066"/>
-                </a:solidFill>
-                <a:latin typeface="+mj-lt"/>
-                <a:ea typeface="ＭＳ Ｐゴシック" pitchFamily="-107" charset="-128"/>
-                <a:cs typeface="ＭＳ Ｐゴシック" pitchFamily="-107" charset="-128"/>
-              </a:defRPr>
-            </a:lvl1pPr>
-            <a:lvl2pPr algn="l" rtl="0" eaLnBrk="0" fontAlgn="base" hangingPunct="0">
-              <a:spcBef>
-                <a:spcPct val="0"/>
-              </a:spcBef>
-              <a:spcAft>
-                <a:spcPct val="0"/>
-              </a:spcAft>
-              <a:defRPr sz="3600" b="1">
-                <a:solidFill>
-                  <a:srgbClr val="000066"/>
-                </a:solidFill>
-                <a:latin typeface="Arial" charset="0"/>
-                <a:ea typeface="ＭＳ Ｐゴシック" pitchFamily="-107" charset="-128"/>
-                <a:cs typeface="ＭＳ Ｐゴシック" pitchFamily="-107" charset="-128"/>
-              </a:defRPr>
-            </a:lvl2pPr>
-            <a:lvl3pPr algn="l" rtl="0" eaLnBrk="0" fontAlgn="base" hangingPunct="0">
-              <a:spcBef>
-                <a:spcPct val="0"/>
-              </a:spcBef>
-              <a:spcAft>
-                <a:spcPct val="0"/>
-              </a:spcAft>
-              <a:defRPr sz="3600" b="1">
-                <a:solidFill>
-                  <a:srgbClr val="000066"/>
-                </a:solidFill>
-                <a:latin typeface="Arial" charset="0"/>
-                <a:ea typeface="ＭＳ Ｐゴシック" pitchFamily="-107" charset="-128"/>
-                <a:cs typeface="ＭＳ Ｐゴシック" pitchFamily="-107" charset="-128"/>
-              </a:defRPr>
-            </a:lvl3pPr>
-            <a:lvl4pPr algn="l" rtl="0" eaLnBrk="0" fontAlgn="base" hangingPunct="0">
-              <a:spcBef>
-                <a:spcPct val="0"/>
-              </a:spcBef>
-              <a:spcAft>
-                <a:spcPct val="0"/>
-              </a:spcAft>
-              <a:defRPr sz="3600" b="1">
-                <a:solidFill>
-                  <a:srgbClr val="000066"/>
-                </a:solidFill>
-                <a:latin typeface="Arial" charset="0"/>
-                <a:ea typeface="ＭＳ Ｐゴシック" pitchFamily="-107" charset="-128"/>
-                <a:cs typeface="ＭＳ Ｐゴシック" pitchFamily="-107" charset="-128"/>
-              </a:defRPr>
-            </a:lvl4pPr>
-            <a:lvl5pPr algn="l" rtl="0" eaLnBrk="0" fontAlgn="base" hangingPunct="0">
-              <a:spcBef>
-                <a:spcPct val="0"/>
-              </a:spcBef>
-              <a:spcAft>
-                <a:spcPct val="0"/>
-              </a:spcAft>
-              <a:defRPr sz="3600" b="1">
-                <a:solidFill>
-                  <a:srgbClr val="000066"/>
-                </a:solidFill>
-                <a:latin typeface="Arial" charset="0"/>
-                <a:ea typeface="ＭＳ Ｐゴシック" pitchFamily="-107" charset="-128"/>
-                <a:cs typeface="ＭＳ Ｐゴシック" pitchFamily="-107" charset="-128"/>
-              </a:defRPr>
-            </a:lvl5pPr>
-            <a:lvl6pPr marL="457200" algn="l" rtl="0" fontAlgn="base">
-              <a:spcBef>
-                <a:spcPct val="0"/>
-              </a:spcBef>
-              <a:spcAft>
-                <a:spcPct val="0"/>
-              </a:spcAft>
-              <a:defRPr sz="3600" b="1">
-                <a:solidFill>
-                  <a:srgbClr val="000066"/>
-                </a:solidFill>
-                <a:latin typeface="Arial" charset="0"/>
-              </a:defRPr>
-            </a:lvl6pPr>
-            <a:lvl7pPr marL="914400" algn="l" rtl="0" fontAlgn="base">
-              <a:spcBef>
-                <a:spcPct val="0"/>
-              </a:spcBef>
-              <a:spcAft>
-                <a:spcPct val="0"/>
-              </a:spcAft>
-              <a:defRPr sz="3600" b="1">
-                <a:solidFill>
-                  <a:srgbClr val="000066"/>
-                </a:solidFill>
-                <a:latin typeface="Arial" charset="0"/>
-              </a:defRPr>
-            </a:lvl7pPr>
-            <a:lvl8pPr marL="1371600" algn="l" rtl="0" fontAlgn="base">
-              <a:spcBef>
-                <a:spcPct val="0"/>
-              </a:spcBef>
-              <a:spcAft>
-                <a:spcPct val="0"/>
-              </a:spcAft>
-              <a:defRPr sz="3600" b="1">
-                <a:solidFill>
-                  <a:srgbClr val="000066"/>
-                </a:solidFill>
-                <a:latin typeface="Arial" charset="0"/>
-              </a:defRPr>
-            </a:lvl8pPr>
-            <a:lvl9pPr marL="1828800" algn="l" rtl="0" fontAlgn="base">
-              <a:spcBef>
-                <a:spcPct val="0"/>
-              </a:spcBef>
-              <a:spcAft>
-                <a:spcPct val="0"/>
-              </a:spcAft>
-              <a:defRPr sz="3600" b="1">
-                <a:solidFill>
-                  <a:srgbClr val="000066"/>
-                </a:solidFill>
-                <a:latin typeface="Arial" charset="0"/>
-              </a:defRPr>
-            </a:lvl9pPr>
-          </a:lstStyle>
-          <a:p>
-            <a:pPr>
-              <a:defRPr/>
-            </a:pPr>
-            <a:r>
-              <a:rPr lang="da-DK" sz="3200" dirty="0" smtClean="0"/>
-              <a:t>Brug af testserveren</a:t>
-            </a:r>
-            <a:endParaRPr lang="da-DK" altLang="da-DK" sz="3200" kern="0" dirty="0" smtClean="0">
-              <a:ea typeface="ＭＳ Ｐゴシック" pitchFamily="34" charset="-128"/>
-            </a:endParaRPr>
-          </a:p>
-        </p:txBody>
-      </p:sp>
-      <p:sp>
-        <p:nvSpPr>
-          <p:cNvPr id="16" name="Text Box 21"/>
-          <p:cNvSpPr txBox="1">
-            <a:spLocks noChangeArrowheads="1"/>
-          </p:cNvSpPr>
-          <p:nvPr/>
-        </p:nvSpPr>
-        <p:spPr bwMode="auto">
-          <a:xfrm>
-            <a:off x="4929305" y="2397689"/>
-            <a:ext cx="864095" cy="261610"/>
-          </a:xfrm>
-          <a:prstGeom prst="rect">
-            <a:avLst/>
-          </a:prstGeom>
-          <a:solidFill>
-            <a:schemeClr val="bg1"/>
-          </a:solidFill>
-          <a:ln>
-            <a:noFill/>
-          </a:ln>
-          <a:extLst/>
-        </p:spPr>
-        <p:txBody>
-          <a:bodyPr wrap="square">
-            <a:spAutoFit/>
-          </a:bodyPr>
-          <a:lstStyle>
-            <a:defPPr>
-              <a:defRPr lang="da-DK"/>
-            </a:defPPr>
-            <a:lvl1pPr algn="l" rtl="0" fontAlgn="base">
-              <a:spcBef>
-                <a:spcPct val="0"/>
-              </a:spcBef>
-              <a:spcAft>
-                <a:spcPct val="0"/>
-              </a:spcAft>
-              <a:defRPr sz="2000" kern="1200">
-                <a:solidFill>
-                  <a:srgbClr val="A50021"/>
-                </a:solidFill>
-                <a:latin typeface="Arial" pitchFamily="34" charset="0"/>
-                <a:ea typeface="ＭＳ Ｐゴシック" pitchFamily="34" charset="-128"/>
-                <a:cs typeface="+mn-cs"/>
-              </a:defRPr>
-            </a:lvl1pPr>
-            <a:lvl2pPr marL="457200" algn="l" rtl="0" fontAlgn="base">
-              <a:spcBef>
-                <a:spcPct val="0"/>
-              </a:spcBef>
-              <a:spcAft>
-                <a:spcPct val="0"/>
-              </a:spcAft>
-              <a:defRPr sz="2000" kern="1200">
-                <a:solidFill>
-                  <a:srgbClr val="A50021"/>
-                </a:solidFill>
-                <a:latin typeface="Arial" pitchFamily="34" charset="0"/>
-                <a:ea typeface="ＭＳ Ｐゴシック" pitchFamily="34" charset="-128"/>
-                <a:cs typeface="+mn-cs"/>
-              </a:defRPr>
-            </a:lvl2pPr>
-            <a:lvl3pPr marL="914400" algn="l" rtl="0" fontAlgn="base">
-              <a:spcBef>
-                <a:spcPct val="0"/>
-              </a:spcBef>
-              <a:spcAft>
-                <a:spcPct val="0"/>
-              </a:spcAft>
-              <a:defRPr sz="2000" kern="1200">
-                <a:solidFill>
-                  <a:srgbClr val="A50021"/>
-                </a:solidFill>
-                <a:latin typeface="Arial" pitchFamily="34" charset="0"/>
-                <a:ea typeface="ＭＳ Ｐゴシック" pitchFamily="34" charset="-128"/>
-                <a:cs typeface="+mn-cs"/>
-              </a:defRPr>
-            </a:lvl3pPr>
-            <a:lvl4pPr marL="1371600" algn="l" rtl="0" fontAlgn="base">
-              <a:spcBef>
-                <a:spcPct val="0"/>
-              </a:spcBef>
-              <a:spcAft>
-                <a:spcPct val="0"/>
-              </a:spcAft>
-              <a:defRPr sz="2000" kern="1200">
-                <a:solidFill>
-                  <a:srgbClr val="A50021"/>
-                </a:solidFill>
-                <a:latin typeface="Arial" pitchFamily="34" charset="0"/>
-                <a:ea typeface="ＭＳ Ｐゴシック" pitchFamily="34" charset="-128"/>
-                <a:cs typeface="+mn-cs"/>
-              </a:defRPr>
-            </a:lvl4pPr>
-            <a:lvl5pPr marL="1828800" algn="l" rtl="0" fontAlgn="base">
-              <a:spcBef>
-                <a:spcPct val="0"/>
-              </a:spcBef>
-              <a:spcAft>
-                <a:spcPct val="0"/>
-              </a:spcAft>
-              <a:defRPr sz="2000" kern="1200">
-                <a:solidFill>
-                  <a:srgbClr val="A50021"/>
-                </a:solidFill>
-                <a:latin typeface="Arial" pitchFamily="34" charset="0"/>
-                <a:ea typeface="ＭＳ Ｐゴシック" pitchFamily="34" charset="-128"/>
-                <a:cs typeface="+mn-cs"/>
-              </a:defRPr>
-            </a:lvl5pPr>
-            <a:lvl6pPr marL="2286000" algn="l" defTabSz="914400" rtl="0" eaLnBrk="1" latinLnBrk="0" hangingPunct="1">
-              <a:defRPr sz="2000" kern="1200">
-                <a:solidFill>
-                  <a:srgbClr val="A50021"/>
-                </a:solidFill>
-                <a:latin typeface="Arial" pitchFamily="34" charset="0"/>
-                <a:ea typeface="ＭＳ Ｐゴシック" pitchFamily="34" charset="-128"/>
-                <a:cs typeface="+mn-cs"/>
-              </a:defRPr>
-            </a:lvl6pPr>
-            <a:lvl7pPr marL="2743200" algn="l" defTabSz="914400" rtl="0" eaLnBrk="1" latinLnBrk="0" hangingPunct="1">
-              <a:defRPr sz="2000" kern="1200">
-                <a:solidFill>
-                  <a:srgbClr val="A50021"/>
-                </a:solidFill>
-                <a:latin typeface="Arial" pitchFamily="34" charset="0"/>
-                <a:ea typeface="ＭＳ Ｐゴシック" pitchFamily="34" charset="-128"/>
-                <a:cs typeface="+mn-cs"/>
-              </a:defRPr>
-            </a:lvl7pPr>
-            <a:lvl8pPr marL="3200400" algn="l" defTabSz="914400" rtl="0" eaLnBrk="1" latinLnBrk="0" hangingPunct="1">
-              <a:defRPr sz="2000" kern="1200">
-                <a:solidFill>
-                  <a:srgbClr val="A50021"/>
-                </a:solidFill>
-                <a:latin typeface="Arial" pitchFamily="34" charset="0"/>
-                <a:ea typeface="ＭＳ Ｐゴシック" pitchFamily="34" charset="-128"/>
-                <a:cs typeface="+mn-cs"/>
-              </a:defRPr>
-            </a:lvl8pPr>
-            <a:lvl9pPr marL="3657600" algn="l" defTabSz="914400" rtl="0" eaLnBrk="1" latinLnBrk="0" hangingPunct="1">
-              <a:defRPr sz="2000" kern="1200">
-                <a:solidFill>
-                  <a:srgbClr val="A50021"/>
-                </a:solidFill>
-                <a:latin typeface="Arial" pitchFamily="34" charset="0"/>
-                <a:ea typeface="ＭＳ Ｐゴシック" pitchFamily="34" charset="-128"/>
-                <a:cs typeface="+mn-cs"/>
-              </a:defRPr>
-            </a:lvl9pPr>
-          </a:lstStyle>
-          <a:p>
-            <a:pPr eaLnBrk="1" hangingPunct="1">
-              <a:spcBef>
-                <a:spcPct val="50000"/>
-              </a:spcBef>
-              <a:buFontTx/>
-              <a:buNone/>
-            </a:pPr>
-            <a:r>
-              <a:rPr lang="da-DK" altLang="da-DK" sz="1100" b="1" dirty="0" smtClean="0">
-                <a:solidFill>
-                  <a:srgbClr val="0000CC"/>
-                </a:solidFill>
-              </a:rPr>
-              <a:t>Seminar 7</a:t>
-            </a:r>
-            <a:endParaRPr lang="da-DK" altLang="da-DK" sz="1100" b="1" dirty="0">
-              <a:solidFill>
-                <a:srgbClr val="0000CC"/>
-              </a:solidFill>
-            </a:endParaRPr>
-          </a:p>
-        </p:txBody>
-      </p:sp>
-      <p:sp>
-        <p:nvSpPr>
-          <p:cNvPr id="17" name="Line 22"/>
-          <p:cNvSpPr>
-            <a:spLocks noChangeShapeType="1"/>
-          </p:cNvSpPr>
-          <p:nvPr/>
-        </p:nvSpPr>
-        <p:spPr bwMode="auto">
-          <a:xfrm flipH="1">
-            <a:off x="5430625" y="2664800"/>
-            <a:ext cx="0" cy="482331"/>
-          </a:xfrm>
-          <a:prstGeom prst="line">
-            <a:avLst/>
-          </a:prstGeom>
-          <a:noFill/>
-          <a:ln w="28575">
-            <a:solidFill>
-              <a:srgbClr val="0000FF"/>
-            </a:solidFill>
-            <a:round/>
-            <a:headEnd/>
-            <a:tailEnd type="triangle" w="lg" len="lg"/>
-          </a:ln>
-          <a:extLst>
-            <a:ext uri="{909E8E84-426E-40DD-AFC4-6F175D3DCCD1}">
-              <a14:hiddenFill xmlns:a14="http://schemas.microsoft.com/office/drawing/2010/main">
-                <a:noFill/>
-              </a14:hiddenFill>
-            </a:ext>
-          </a:extLst>
-        </p:spPr>
-        <p:txBody>
-          <a:bodyPr/>
-          <a:lstStyle>
-            <a:defPPr>
-              <a:defRPr lang="da-DK"/>
-            </a:defPPr>
-            <a:lvl1pPr algn="l" rtl="0" fontAlgn="base">
-              <a:spcBef>
-                <a:spcPct val="0"/>
-              </a:spcBef>
-              <a:spcAft>
-                <a:spcPct val="0"/>
-              </a:spcAft>
-              <a:defRPr sz="2000" kern="1200">
-                <a:solidFill>
-                  <a:srgbClr val="A50021"/>
-                </a:solidFill>
-                <a:latin typeface="Arial" pitchFamily="34" charset="0"/>
-                <a:ea typeface="ＭＳ Ｐゴシック" pitchFamily="34" charset="-128"/>
-                <a:cs typeface="+mn-cs"/>
-              </a:defRPr>
-            </a:lvl1pPr>
-            <a:lvl2pPr marL="457200" algn="l" rtl="0" fontAlgn="base">
-              <a:spcBef>
-                <a:spcPct val="0"/>
-              </a:spcBef>
-              <a:spcAft>
-                <a:spcPct val="0"/>
-              </a:spcAft>
-              <a:defRPr sz="2000" kern="1200">
-                <a:solidFill>
-                  <a:srgbClr val="A50021"/>
-                </a:solidFill>
-                <a:latin typeface="Arial" pitchFamily="34" charset="0"/>
-                <a:ea typeface="ＭＳ Ｐゴシック" pitchFamily="34" charset="-128"/>
-                <a:cs typeface="+mn-cs"/>
-              </a:defRPr>
-            </a:lvl2pPr>
-            <a:lvl3pPr marL="914400" algn="l" rtl="0" fontAlgn="base">
-              <a:spcBef>
-                <a:spcPct val="0"/>
-              </a:spcBef>
-              <a:spcAft>
-                <a:spcPct val="0"/>
-              </a:spcAft>
-              <a:defRPr sz="2000" kern="1200">
-                <a:solidFill>
-                  <a:srgbClr val="A50021"/>
-                </a:solidFill>
-                <a:latin typeface="Arial" pitchFamily="34" charset="0"/>
-                <a:ea typeface="ＭＳ Ｐゴシック" pitchFamily="34" charset="-128"/>
-                <a:cs typeface="+mn-cs"/>
-              </a:defRPr>
-            </a:lvl3pPr>
-            <a:lvl4pPr marL="1371600" algn="l" rtl="0" fontAlgn="base">
-              <a:spcBef>
-                <a:spcPct val="0"/>
-              </a:spcBef>
-              <a:spcAft>
-                <a:spcPct val="0"/>
-              </a:spcAft>
-              <a:defRPr sz="2000" kern="1200">
-                <a:solidFill>
-                  <a:srgbClr val="A50021"/>
-                </a:solidFill>
-                <a:latin typeface="Arial" pitchFamily="34" charset="0"/>
-                <a:ea typeface="ＭＳ Ｐゴシック" pitchFamily="34" charset="-128"/>
-                <a:cs typeface="+mn-cs"/>
-              </a:defRPr>
-            </a:lvl4pPr>
-            <a:lvl5pPr marL="1828800" algn="l" rtl="0" fontAlgn="base">
-              <a:spcBef>
-                <a:spcPct val="0"/>
-              </a:spcBef>
-              <a:spcAft>
-                <a:spcPct val="0"/>
-              </a:spcAft>
-              <a:defRPr sz="2000" kern="1200">
-                <a:solidFill>
-                  <a:srgbClr val="A50021"/>
-                </a:solidFill>
-                <a:latin typeface="Arial" pitchFamily="34" charset="0"/>
-                <a:ea typeface="ＭＳ Ｐゴシック" pitchFamily="34" charset="-128"/>
-                <a:cs typeface="+mn-cs"/>
-              </a:defRPr>
-            </a:lvl5pPr>
-            <a:lvl6pPr marL="2286000" algn="l" defTabSz="914400" rtl="0" eaLnBrk="1" latinLnBrk="0" hangingPunct="1">
-              <a:defRPr sz="2000" kern="1200">
-                <a:solidFill>
-                  <a:srgbClr val="A50021"/>
-                </a:solidFill>
-                <a:latin typeface="Arial" pitchFamily="34" charset="0"/>
-                <a:ea typeface="ＭＳ Ｐゴシック" pitchFamily="34" charset="-128"/>
-                <a:cs typeface="+mn-cs"/>
-              </a:defRPr>
-            </a:lvl6pPr>
-            <a:lvl7pPr marL="2743200" algn="l" defTabSz="914400" rtl="0" eaLnBrk="1" latinLnBrk="0" hangingPunct="1">
-              <a:defRPr sz="2000" kern="1200">
-                <a:solidFill>
-                  <a:srgbClr val="A50021"/>
-                </a:solidFill>
-                <a:latin typeface="Arial" pitchFamily="34" charset="0"/>
-                <a:ea typeface="ＭＳ Ｐゴシック" pitchFamily="34" charset="-128"/>
-                <a:cs typeface="+mn-cs"/>
-              </a:defRPr>
-            </a:lvl7pPr>
-            <a:lvl8pPr marL="3200400" algn="l" defTabSz="914400" rtl="0" eaLnBrk="1" latinLnBrk="0" hangingPunct="1">
-              <a:defRPr sz="2000" kern="1200">
-                <a:solidFill>
-                  <a:srgbClr val="A50021"/>
-                </a:solidFill>
-                <a:latin typeface="Arial" pitchFamily="34" charset="0"/>
-                <a:ea typeface="ＭＳ Ｐゴシック" pitchFamily="34" charset="-128"/>
-                <a:cs typeface="+mn-cs"/>
-              </a:defRPr>
-            </a:lvl8pPr>
-            <a:lvl9pPr marL="3657600" algn="l" defTabSz="914400" rtl="0" eaLnBrk="1" latinLnBrk="0" hangingPunct="1">
-              <a:defRPr sz="2000" kern="1200">
-                <a:solidFill>
-                  <a:srgbClr val="A50021"/>
-                </a:solidFill>
-                <a:latin typeface="Arial" pitchFamily="34" charset="0"/>
-                <a:ea typeface="ＭＳ Ｐゴシック" pitchFamily="34" charset="-128"/>
-                <a:cs typeface="+mn-cs"/>
-              </a:defRPr>
-            </a:lvl9pPr>
-          </a:lstStyle>
-          <a:p>
-            <a:endParaRPr lang="da-DK">
-              <a:solidFill>
-                <a:srgbClr val="FF0000"/>
-              </a:solidFill>
-            </a:endParaRPr>
-          </a:p>
-        </p:txBody>
-      </p:sp>
-      <p:sp>
-        <p:nvSpPr>
-          <p:cNvPr id="18" name="Content Placeholder 2"/>
-          <p:cNvSpPr txBox="1">
-            <a:spLocks/>
-          </p:cNvSpPr>
-          <p:nvPr/>
-        </p:nvSpPr>
-        <p:spPr bwMode="auto">
-          <a:xfrm>
-            <a:off x="564814" y="1052737"/>
-            <a:ext cx="8399674" cy="736458"/>
-          </a:xfrm>
-          <a:prstGeom prst="rect">
-            <a:avLst/>
-          </a:prstGeom>
-          <a:noFill/>
-          <a:ln>
-            <a:noFill/>
-          </a:ln>
-          <a:extLst>
-            <a:ext uri="{909E8E84-426E-40DD-AFC4-6F175D3DCCD1}">
-              <a14:hiddenFill xmlns:a14="http://schemas.microsoft.com/office/drawing/2010/main">
-                <a:solidFill>
-                  <a:srgbClr val="FFFFFF"/>
-                </a:solidFill>
-              </a14:hiddenFill>
-            </a:ext>
-            <a:ext uri="{91240B29-F687-4F45-9708-019B960494DF}">
-              <a14:hiddenLine xmlns:a14="http://schemas.microsoft.com/office/drawing/2010/main" w="9525">
-                <a:solidFill>
-                  <a:srgbClr val="000000"/>
-                </a:solidFill>
-                <a:miter lim="800000"/>
-                <a:headEnd/>
-                <a:tailEnd/>
-              </a14:hiddenLine>
-            </a:ext>
-          </a:extLst>
-        </p:spPr>
-        <p:txBody>
-          <a:bodyPr/>
-          <a:lstStyle>
-            <a:lvl1pPr eaLnBrk="0" hangingPunct="0">
-              <a:spcBef>
-                <a:spcPct val="20000"/>
-              </a:spcBef>
-              <a:buChar char="•"/>
-              <a:defRPr sz="2400" b="1">
-                <a:solidFill>
-                  <a:srgbClr val="A50021"/>
-                </a:solidFill>
-                <a:latin typeface="Arial" pitchFamily="34" charset="0"/>
-                <a:ea typeface="ＭＳ Ｐゴシック" pitchFamily="34" charset="-128"/>
-              </a:defRPr>
-            </a:lvl1pPr>
-            <a:lvl2pPr eaLnBrk="0" hangingPunct="0">
-              <a:spcBef>
-                <a:spcPct val="20000"/>
-              </a:spcBef>
-              <a:buChar char="–"/>
-              <a:defRPr sz="2000">
-                <a:solidFill>
-                  <a:srgbClr val="000066"/>
-                </a:solidFill>
-                <a:latin typeface="Arial" pitchFamily="34" charset="0"/>
-                <a:ea typeface="ＭＳ Ｐゴシック" pitchFamily="34" charset="-128"/>
-              </a:defRPr>
-            </a:lvl2pPr>
-            <a:lvl3pPr eaLnBrk="0" hangingPunct="0">
-              <a:spcBef>
-                <a:spcPct val="20000"/>
-              </a:spcBef>
-              <a:buChar char="•"/>
-              <a:defRPr sz="1600">
-                <a:solidFill>
-                  <a:schemeClr val="tx1"/>
-                </a:solidFill>
-                <a:latin typeface="Arial" pitchFamily="34" charset="0"/>
-                <a:ea typeface="ＭＳ Ｐゴシック" pitchFamily="34" charset="-128"/>
-              </a:defRPr>
-            </a:lvl3pPr>
-            <a:lvl4pPr eaLnBrk="0" hangingPunct="0">
-              <a:spcBef>
-                <a:spcPct val="20000"/>
-              </a:spcBef>
-              <a:buChar char="–"/>
-              <a:defRPr sz="1600">
-                <a:solidFill>
-                  <a:schemeClr val="tx1"/>
-                </a:solidFill>
-                <a:latin typeface="Times New Roman" pitchFamily="18" charset="0"/>
-                <a:ea typeface="ＭＳ Ｐゴシック" pitchFamily="34" charset="-128"/>
-              </a:defRPr>
-            </a:lvl4pPr>
-            <a:lvl5pPr eaLnBrk="0" hangingPunct="0">
-              <a:spcBef>
-                <a:spcPct val="20000"/>
-              </a:spcBef>
-              <a:buChar char="»"/>
-              <a:defRPr sz="1200">
-                <a:solidFill>
-                  <a:schemeClr val="tx1"/>
-                </a:solidFill>
-                <a:latin typeface="Times New Roman" pitchFamily="18" charset="0"/>
-                <a:ea typeface="ＭＳ Ｐゴシック" pitchFamily="34" charset="-128"/>
-              </a:defRPr>
-            </a:lvl5pPr>
-            <a:lvl6pPr eaLnBrk="0" fontAlgn="base" hangingPunct="0">
-              <a:spcBef>
-                <a:spcPct val="20000"/>
-              </a:spcBef>
-              <a:spcAft>
-                <a:spcPct val="0"/>
-              </a:spcAft>
-              <a:buChar char="»"/>
-              <a:defRPr sz="1200">
-                <a:solidFill>
-                  <a:schemeClr val="tx1"/>
-                </a:solidFill>
-                <a:latin typeface="Times New Roman" pitchFamily="18" charset="0"/>
-                <a:ea typeface="ＭＳ Ｐゴシック" pitchFamily="34" charset="-128"/>
-              </a:defRPr>
-            </a:lvl6pPr>
-            <a:lvl7pPr eaLnBrk="0" fontAlgn="base" hangingPunct="0">
-              <a:spcBef>
-                <a:spcPct val="20000"/>
-              </a:spcBef>
-              <a:spcAft>
-                <a:spcPct val="0"/>
-              </a:spcAft>
-              <a:buChar char="»"/>
-              <a:defRPr sz="1200">
-                <a:solidFill>
-                  <a:schemeClr val="tx1"/>
-                </a:solidFill>
-                <a:latin typeface="Times New Roman" pitchFamily="18" charset="0"/>
-                <a:ea typeface="ＭＳ Ｐゴシック" pitchFamily="34" charset="-128"/>
-              </a:defRPr>
-            </a:lvl7pPr>
-            <a:lvl8pPr eaLnBrk="0" fontAlgn="base" hangingPunct="0">
-              <a:spcBef>
-                <a:spcPct val="20000"/>
-              </a:spcBef>
-              <a:spcAft>
-                <a:spcPct val="0"/>
-              </a:spcAft>
-              <a:buChar char="»"/>
-              <a:defRPr sz="1200">
-                <a:solidFill>
-                  <a:schemeClr val="tx1"/>
-                </a:solidFill>
-                <a:latin typeface="Times New Roman" pitchFamily="18" charset="0"/>
-                <a:ea typeface="ＭＳ Ｐゴシック" pitchFamily="34" charset="-128"/>
-              </a:defRPr>
-            </a:lvl8pPr>
-            <a:lvl9pPr eaLnBrk="0" fontAlgn="base" hangingPunct="0">
-              <a:spcBef>
-                <a:spcPct val="20000"/>
-              </a:spcBef>
-              <a:spcAft>
-                <a:spcPct val="0"/>
-              </a:spcAft>
-              <a:buChar char="»"/>
-              <a:defRPr sz="1200">
-                <a:solidFill>
-                  <a:schemeClr val="tx1"/>
-                </a:solidFill>
-                <a:latin typeface="Times New Roman" pitchFamily="18" charset="0"/>
-                <a:ea typeface="ＭＳ Ｐゴシック" pitchFamily="34" charset="-128"/>
-              </a:defRPr>
-            </a:lvl9pPr>
-          </a:lstStyle>
-          <a:p>
-            <a:pPr marL="285750" lvl="0" indent="-285750">
-              <a:spcBef>
-                <a:spcPts val="1800"/>
-              </a:spcBef>
-            </a:pPr>
-            <a:r>
-              <a:rPr lang="da-DK" sz="1800" dirty="0" smtClean="0"/>
-              <a:t>I bruger fortsat testserveren særdeles flittigt</a:t>
-            </a:r>
-          </a:p>
-          <a:p>
-            <a:pPr marL="742950" lvl="1" indent="-285750">
-              <a:spcBef>
-                <a:spcPts val="600"/>
-              </a:spcBef>
-            </a:pPr>
-            <a:r>
-              <a:rPr lang="da-DK" sz="1600" spc="-30" dirty="0"/>
-              <a:t>Sommetider ville det </a:t>
-            </a:r>
-            <a:r>
-              <a:rPr lang="da-DK" sz="1600" spc="-30" dirty="0" smtClean="0"/>
-              <a:t>nok </a:t>
-            </a:r>
-            <a:r>
-              <a:rPr lang="da-DK" sz="1600" spc="-30" dirty="0"/>
-              <a:t>spare </a:t>
-            </a:r>
-            <a:r>
-              <a:rPr lang="da-DK" sz="1600" spc="-30" dirty="0" smtClean="0"/>
-              <a:t>jer lidt </a:t>
-            </a:r>
-            <a:r>
-              <a:rPr lang="da-DK" sz="1600" spc="-30" dirty="0"/>
-              <a:t>tid, at tænke </a:t>
-            </a:r>
-            <a:r>
-              <a:rPr lang="da-DK" sz="1600" spc="-30" dirty="0" smtClean="0"/>
-              <a:t>lidt mere mellem </a:t>
-            </a:r>
-            <a:r>
-              <a:rPr lang="da-DK" sz="1600" spc="-30" dirty="0"/>
-              <a:t>de </a:t>
-            </a:r>
-            <a:r>
-              <a:rPr lang="da-DK" sz="1600" spc="-30" dirty="0" smtClean="0"/>
-              <a:t>enkelte kørsler</a:t>
-            </a:r>
-            <a:endParaRPr lang="da-DK" sz="1600" spc="-30" dirty="0"/>
-          </a:p>
-        </p:txBody>
-      </p:sp>
-      <p:sp>
-        <p:nvSpPr>
-          <p:cNvPr id="19" name="Text Box 21"/>
-          <p:cNvSpPr txBox="1">
-            <a:spLocks noChangeArrowheads="1"/>
-          </p:cNvSpPr>
-          <p:nvPr/>
-        </p:nvSpPr>
-        <p:spPr bwMode="auto">
-          <a:xfrm>
-            <a:off x="3101396" y="5478325"/>
-            <a:ext cx="488744" cy="261610"/>
-          </a:xfrm>
-          <a:prstGeom prst="rect">
-            <a:avLst/>
-          </a:prstGeom>
-          <a:solidFill>
-            <a:schemeClr val="bg1"/>
-          </a:solidFill>
-          <a:ln>
-            <a:noFill/>
-          </a:ln>
-          <a:extLst/>
-        </p:spPr>
-        <p:txBody>
-          <a:bodyPr wrap="square">
-            <a:spAutoFit/>
-          </a:bodyPr>
-          <a:lstStyle>
-            <a:defPPr>
-              <a:defRPr lang="da-DK"/>
-            </a:defPPr>
-            <a:lvl1pPr algn="l" rtl="0" fontAlgn="base">
-              <a:spcBef>
-                <a:spcPct val="0"/>
-              </a:spcBef>
-              <a:spcAft>
-                <a:spcPct val="0"/>
-              </a:spcAft>
-              <a:defRPr sz="2000" kern="1200">
-                <a:solidFill>
-                  <a:srgbClr val="A50021"/>
-                </a:solidFill>
-                <a:latin typeface="Arial" pitchFamily="34" charset="0"/>
-                <a:ea typeface="ＭＳ Ｐゴシック" pitchFamily="34" charset="-128"/>
-                <a:cs typeface="+mn-cs"/>
-              </a:defRPr>
-            </a:lvl1pPr>
-            <a:lvl2pPr marL="457200" algn="l" rtl="0" fontAlgn="base">
-              <a:spcBef>
-                <a:spcPct val="0"/>
-              </a:spcBef>
-              <a:spcAft>
-                <a:spcPct val="0"/>
-              </a:spcAft>
-              <a:defRPr sz="2000" kern="1200">
-                <a:solidFill>
-                  <a:srgbClr val="A50021"/>
-                </a:solidFill>
-                <a:latin typeface="Arial" pitchFamily="34" charset="0"/>
-                <a:ea typeface="ＭＳ Ｐゴシック" pitchFamily="34" charset="-128"/>
-                <a:cs typeface="+mn-cs"/>
-              </a:defRPr>
-            </a:lvl2pPr>
-            <a:lvl3pPr marL="914400" algn="l" rtl="0" fontAlgn="base">
-              <a:spcBef>
-                <a:spcPct val="0"/>
-              </a:spcBef>
-              <a:spcAft>
-                <a:spcPct val="0"/>
-              </a:spcAft>
-              <a:defRPr sz="2000" kern="1200">
-                <a:solidFill>
-                  <a:srgbClr val="A50021"/>
-                </a:solidFill>
-                <a:latin typeface="Arial" pitchFamily="34" charset="0"/>
-                <a:ea typeface="ＭＳ Ｐゴシック" pitchFamily="34" charset="-128"/>
-                <a:cs typeface="+mn-cs"/>
-              </a:defRPr>
-            </a:lvl3pPr>
-            <a:lvl4pPr marL="1371600" algn="l" rtl="0" fontAlgn="base">
-              <a:spcBef>
-                <a:spcPct val="0"/>
-              </a:spcBef>
-              <a:spcAft>
-                <a:spcPct val="0"/>
-              </a:spcAft>
-              <a:defRPr sz="2000" kern="1200">
-                <a:solidFill>
-                  <a:srgbClr val="A50021"/>
-                </a:solidFill>
-                <a:latin typeface="Arial" pitchFamily="34" charset="0"/>
-                <a:ea typeface="ＭＳ Ｐゴシック" pitchFamily="34" charset="-128"/>
-                <a:cs typeface="+mn-cs"/>
-              </a:defRPr>
-            </a:lvl4pPr>
-            <a:lvl5pPr marL="1828800" algn="l" rtl="0" fontAlgn="base">
-              <a:spcBef>
-                <a:spcPct val="0"/>
-              </a:spcBef>
-              <a:spcAft>
-                <a:spcPct val="0"/>
-              </a:spcAft>
-              <a:defRPr sz="2000" kern="1200">
-                <a:solidFill>
-                  <a:srgbClr val="A50021"/>
-                </a:solidFill>
-                <a:latin typeface="Arial" pitchFamily="34" charset="0"/>
-                <a:ea typeface="ＭＳ Ｐゴシック" pitchFamily="34" charset="-128"/>
-                <a:cs typeface="+mn-cs"/>
-              </a:defRPr>
-            </a:lvl5pPr>
-            <a:lvl6pPr marL="2286000" algn="l" defTabSz="914400" rtl="0" eaLnBrk="1" latinLnBrk="0" hangingPunct="1">
-              <a:defRPr sz="2000" kern="1200">
-                <a:solidFill>
-                  <a:srgbClr val="A50021"/>
-                </a:solidFill>
-                <a:latin typeface="Arial" pitchFamily="34" charset="0"/>
-                <a:ea typeface="ＭＳ Ｐゴシック" pitchFamily="34" charset="-128"/>
-                <a:cs typeface="+mn-cs"/>
-              </a:defRPr>
-            </a:lvl6pPr>
-            <a:lvl7pPr marL="2743200" algn="l" defTabSz="914400" rtl="0" eaLnBrk="1" latinLnBrk="0" hangingPunct="1">
-              <a:defRPr sz="2000" kern="1200">
-                <a:solidFill>
-                  <a:srgbClr val="A50021"/>
-                </a:solidFill>
-                <a:latin typeface="Arial" pitchFamily="34" charset="0"/>
-                <a:ea typeface="ＭＳ Ｐゴシック" pitchFamily="34" charset="-128"/>
-                <a:cs typeface="+mn-cs"/>
-              </a:defRPr>
-            </a:lvl7pPr>
-            <a:lvl8pPr marL="3200400" algn="l" defTabSz="914400" rtl="0" eaLnBrk="1" latinLnBrk="0" hangingPunct="1">
-              <a:defRPr sz="2000" kern="1200">
-                <a:solidFill>
-                  <a:srgbClr val="A50021"/>
-                </a:solidFill>
-                <a:latin typeface="Arial" pitchFamily="34" charset="0"/>
-                <a:ea typeface="ＭＳ Ｐゴシック" pitchFamily="34" charset="-128"/>
-                <a:cs typeface="+mn-cs"/>
-              </a:defRPr>
-            </a:lvl8pPr>
-            <a:lvl9pPr marL="3657600" algn="l" defTabSz="914400" rtl="0" eaLnBrk="1" latinLnBrk="0" hangingPunct="1">
-              <a:defRPr sz="2000" kern="1200">
-                <a:solidFill>
-                  <a:srgbClr val="A50021"/>
-                </a:solidFill>
-                <a:latin typeface="Arial" pitchFamily="34" charset="0"/>
-                <a:ea typeface="ＭＳ Ｐゴシック" pitchFamily="34" charset="-128"/>
-                <a:cs typeface="+mn-cs"/>
-              </a:defRPr>
-            </a:lvl9pPr>
-          </a:lstStyle>
-          <a:p>
-            <a:pPr eaLnBrk="1" hangingPunct="1">
-              <a:spcBef>
-                <a:spcPct val="50000"/>
-              </a:spcBef>
-              <a:buFontTx/>
-              <a:buNone/>
-            </a:pPr>
-            <a:r>
-              <a:rPr lang="da-DK" altLang="da-DK" sz="1100" b="1" dirty="0" err="1" smtClean="0">
-                <a:solidFill>
-                  <a:srgbClr val="0000CC"/>
-                </a:solidFill>
-              </a:rPr>
-              <a:t>RB4</a:t>
-            </a:r>
-            <a:endParaRPr lang="da-DK" altLang="da-DK" sz="1100" b="1" dirty="0">
-              <a:solidFill>
-                <a:srgbClr val="0000CC"/>
-              </a:solidFill>
-            </a:endParaRPr>
-          </a:p>
-        </p:txBody>
-      </p:sp>
-      <p:sp>
-        <p:nvSpPr>
-          <p:cNvPr id="20" name="Line 22"/>
-          <p:cNvSpPr>
-            <a:spLocks noChangeShapeType="1"/>
-          </p:cNvSpPr>
-          <p:nvPr/>
-        </p:nvSpPr>
-        <p:spPr bwMode="auto">
-          <a:xfrm flipH="1" flipV="1">
-            <a:off x="3339480" y="5207119"/>
-            <a:ext cx="0" cy="309757"/>
-          </a:xfrm>
-          <a:prstGeom prst="line">
-            <a:avLst/>
-          </a:prstGeom>
-          <a:noFill/>
-          <a:ln w="28575">
-            <a:solidFill>
-              <a:srgbClr val="0000FF"/>
-            </a:solidFill>
-            <a:round/>
-            <a:headEnd/>
-            <a:tailEnd type="triangle" w="lg" len="lg"/>
-          </a:ln>
-          <a:extLst>
-            <a:ext uri="{909E8E84-426E-40DD-AFC4-6F175D3DCCD1}">
-              <a14:hiddenFill xmlns:a14="http://schemas.microsoft.com/office/drawing/2010/main">
-                <a:noFill/>
-              </a14:hiddenFill>
-            </a:ext>
-          </a:extLst>
-        </p:spPr>
-        <p:txBody>
-          <a:bodyPr/>
-          <a:lstStyle>
-            <a:defPPr>
-              <a:defRPr lang="da-DK"/>
-            </a:defPPr>
-            <a:lvl1pPr algn="l" rtl="0" fontAlgn="base">
-              <a:spcBef>
-                <a:spcPct val="0"/>
-              </a:spcBef>
-              <a:spcAft>
-                <a:spcPct val="0"/>
-              </a:spcAft>
-              <a:defRPr sz="2000" kern="1200">
-                <a:solidFill>
-                  <a:srgbClr val="A50021"/>
-                </a:solidFill>
-                <a:latin typeface="Arial" pitchFamily="34" charset="0"/>
-                <a:ea typeface="ＭＳ Ｐゴシック" pitchFamily="34" charset="-128"/>
-                <a:cs typeface="+mn-cs"/>
-              </a:defRPr>
-            </a:lvl1pPr>
-            <a:lvl2pPr marL="457200" algn="l" rtl="0" fontAlgn="base">
-              <a:spcBef>
-                <a:spcPct val="0"/>
-              </a:spcBef>
-              <a:spcAft>
-                <a:spcPct val="0"/>
-              </a:spcAft>
-              <a:defRPr sz="2000" kern="1200">
-                <a:solidFill>
-                  <a:srgbClr val="A50021"/>
-                </a:solidFill>
-                <a:latin typeface="Arial" pitchFamily="34" charset="0"/>
-                <a:ea typeface="ＭＳ Ｐゴシック" pitchFamily="34" charset="-128"/>
-                <a:cs typeface="+mn-cs"/>
-              </a:defRPr>
-            </a:lvl2pPr>
-            <a:lvl3pPr marL="914400" algn="l" rtl="0" fontAlgn="base">
-              <a:spcBef>
-                <a:spcPct val="0"/>
-              </a:spcBef>
-              <a:spcAft>
-                <a:spcPct val="0"/>
-              </a:spcAft>
-              <a:defRPr sz="2000" kern="1200">
-                <a:solidFill>
-                  <a:srgbClr val="A50021"/>
-                </a:solidFill>
-                <a:latin typeface="Arial" pitchFamily="34" charset="0"/>
-                <a:ea typeface="ＭＳ Ｐゴシック" pitchFamily="34" charset="-128"/>
-                <a:cs typeface="+mn-cs"/>
-              </a:defRPr>
-            </a:lvl3pPr>
-            <a:lvl4pPr marL="1371600" algn="l" rtl="0" fontAlgn="base">
-              <a:spcBef>
-                <a:spcPct val="0"/>
-              </a:spcBef>
-              <a:spcAft>
-                <a:spcPct val="0"/>
-              </a:spcAft>
-              <a:defRPr sz="2000" kern="1200">
-                <a:solidFill>
-                  <a:srgbClr val="A50021"/>
-                </a:solidFill>
-                <a:latin typeface="Arial" pitchFamily="34" charset="0"/>
-                <a:ea typeface="ＭＳ Ｐゴシック" pitchFamily="34" charset="-128"/>
-                <a:cs typeface="+mn-cs"/>
-              </a:defRPr>
-            </a:lvl4pPr>
-            <a:lvl5pPr marL="1828800" algn="l" rtl="0" fontAlgn="base">
-              <a:spcBef>
-                <a:spcPct val="0"/>
-              </a:spcBef>
-              <a:spcAft>
-                <a:spcPct val="0"/>
-              </a:spcAft>
-              <a:defRPr sz="2000" kern="1200">
-                <a:solidFill>
-                  <a:srgbClr val="A50021"/>
-                </a:solidFill>
-                <a:latin typeface="Arial" pitchFamily="34" charset="0"/>
-                <a:ea typeface="ＭＳ Ｐゴシック" pitchFamily="34" charset="-128"/>
-                <a:cs typeface="+mn-cs"/>
-              </a:defRPr>
-            </a:lvl5pPr>
-            <a:lvl6pPr marL="2286000" algn="l" defTabSz="914400" rtl="0" eaLnBrk="1" latinLnBrk="0" hangingPunct="1">
-              <a:defRPr sz="2000" kern="1200">
-                <a:solidFill>
-                  <a:srgbClr val="A50021"/>
-                </a:solidFill>
-                <a:latin typeface="Arial" pitchFamily="34" charset="0"/>
-                <a:ea typeface="ＭＳ Ｐゴシック" pitchFamily="34" charset="-128"/>
-                <a:cs typeface="+mn-cs"/>
-              </a:defRPr>
-            </a:lvl6pPr>
-            <a:lvl7pPr marL="2743200" algn="l" defTabSz="914400" rtl="0" eaLnBrk="1" latinLnBrk="0" hangingPunct="1">
-              <a:defRPr sz="2000" kern="1200">
-                <a:solidFill>
-                  <a:srgbClr val="A50021"/>
-                </a:solidFill>
-                <a:latin typeface="Arial" pitchFamily="34" charset="0"/>
-                <a:ea typeface="ＭＳ Ｐゴシック" pitchFamily="34" charset="-128"/>
-                <a:cs typeface="+mn-cs"/>
-              </a:defRPr>
-            </a:lvl7pPr>
-            <a:lvl8pPr marL="3200400" algn="l" defTabSz="914400" rtl="0" eaLnBrk="1" latinLnBrk="0" hangingPunct="1">
-              <a:defRPr sz="2000" kern="1200">
-                <a:solidFill>
-                  <a:srgbClr val="A50021"/>
-                </a:solidFill>
-                <a:latin typeface="Arial" pitchFamily="34" charset="0"/>
-                <a:ea typeface="ＭＳ Ｐゴシック" pitchFamily="34" charset="-128"/>
-                <a:cs typeface="+mn-cs"/>
-              </a:defRPr>
-            </a:lvl8pPr>
-            <a:lvl9pPr marL="3657600" algn="l" defTabSz="914400" rtl="0" eaLnBrk="1" latinLnBrk="0" hangingPunct="1">
-              <a:defRPr sz="2000" kern="1200">
-                <a:solidFill>
-                  <a:srgbClr val="A50021"/>
-                </a:solidFill>
-                <a:latin typeface="Arial" pitchFamily="34" charset="0"/>
-                <a:ea typeface="ＭＳ Ｐゴシック" pitchFamily="34" charset="-128"/>
-                <a:cs typeface="+mn-cs"/>
-              </a:defRPr>
-            </a:lvl9pPr>
-          </a:lstStyle>
-          <a:p>
-            <a:endParaRPr lang="da-DK">
-              <a:solidFill>
-                <a:srgbClr val="FF0000"/>
-              </a:solidFill>
-            </a:endParaRPr>
-          </a:p>
-        </p:txBody>
-      </p:sp>
-      <p:sp>
-        <p:nvSpPr>
-          <p:cNvPr id="21" name="Text Box 21"/>
-          <p:cNvSpPr txBox="1">
-            <a:spLocks noChangeArrowheads="1"/>
-          </p:cNvSpPr>
-          <p:nvPr/>
-        </p:nvSpPr>
-        <p:spPr bwMode="auto">
-          <a:xfrm>
-            <a:off x="4452214" y="5471398"/>
-            <a:ext cx="488744" cy="261610"/>
-          </a:xfrm>
-          <a:prstGeom prst="rect">
-            <a:avLst/>
-          </a:prstGeom>
-          <a:solidFill>
-            <a:schemeClr val="bg1"/>
-          </a:solidFill>
-          <a:ln>
-            <a:noFill/>
-          </a:ln>
-          <a:extLst/>
-        </p:spPr>
-        <p:txBody>
-          <a:bodyPr wrap="square">
-            <a:spAutoFit/>
-          </a:bodyPr>
-          <a:lstStyle>
-            <a:defPPr>
-              <a:defRPr lang="da-DK"/>
-            </a:defPPr>
-            <a:lvl1pPr algn="l" rtl="0" fontAlgn="base">
-              <a:spcBef>
-                <a:spcPct val="0"/>
-              </a:spcBef>
-              <a:spcAft>
-                <a:spcPct val="0"/>
-              </a:spcAft>
-              <a:defRPr sz="2000" kern="1200">
-                <a:solidFill>
-                  <a:srgbClr val="A50021"/>
-                </a:solidFill>
-                <a:latin typeface="Arial" pitchFamily="34" charset="0"/>
-                <a:ea typeface="ＭＳ Ｐゴシック" pitchFamily="34" charset="-128"/>
-                <a:cs typeface="+mn-cs"/>
-              </a:defRPr>
-            </a:lvl1pPr>
-            <a:lvl2pPr marL="457200" algn="l" rtl="0" fontAlgn="base">
-              <a:spcBef>
-                <a:spcPct val="0"/>
-              </a:spcBef>
-              <a:spcAft>
-                <a:spcPct val="0"/>
-              </a:spcAft>
-              <a:defRPr sz="2000" kern="1200">
-                <a:solidFill>
-                  <a:srgbClr val="A50021"/>
-                </a:solidFill>
-                <a:latin typeface="Arial" pitchFamily="34" charset="0"/>
-                <a:ea typeface="ＭＳ Ｐゴシック" pitchFamily="34" charset="-128"/>
-                <a:cs typeface="+mn-cs"/>
-              </a:defRPr>
-            </a:lvl2pPr>
-            <a:lvl3pPr marL="914400" algn="l" rtl="0" fontAlgn="base">
-              <a:spcBef>
-                <a:spcPct val="0"/>
-              </a:spcBef>
-              <a:spcAft>
-                <a:spcPct val="0"/>
-              </a:spcAft>
-              <a:defRPr sz="2000" kern="1200">
-                <a:solidFill>
-                  <a:srgbClr val="A50021"/>
-                </a:solidFill>
-                <a:latin typeface="Arial" pitchFamily="34" charset="0"/>
-                <a:ea typeface="ＭＳ Ｐゴシック" pitchFamily="34" charset="-128"/>
-                <a:cs typeface="+mn-cs"/>
-              </a:defRPr>
-            </a:lvl3pPr>
-            <a:lvl4pPr marL="1371600" algn="l" rtl="0" fontAlgn="base">
-              <a:spcBef>
-                <a:spcPct val="0"/>
-              </a:spcBef>
-              <a:spcAft>
-                <a:spcPct val="0"/>
-              </a:spcAft>
-              <a:defRPr sz="2000" kern="1200">
-                <a:solidFill>
-                  <a:srgbClr val="A50021"/>
-                </a:solidFill>
-                <a:latin typeface="Arial" pitchFamily="34" charset="0"/>
-                <a:ea typeface="ＭＳ Ｐゴシック" pitchFamily="34" charset="-128"/>
-                <a:cs typeface="+mn-cs"/>
-              </a:defRPr>
-            </a:lvl4pPr>
-            <a:lvl5pPr marL="1828800" algn="l" rtl="0" fontAlgn="base">
-              <a:spcBef>
-                <a:spcPct val="0"/>
-              </a:spcBef>
-              <a:spcAft>
-                <a:spcPct val="0"/>
-              </a:spcAft>
-              <a:defRPr sz="2000" kern="1200">
-                <a:solidFill>
-                  <a:srgbClr val="A50021"/>
-                </a:solidFill>
-                <a:latin typeface="Arial" pitchFamily="34" charset="0"/>
-                <a:ea typeface="ＭＳ Ｐゴシック" pitchFamily="34" charset="-128"/>
-                <a:cs typeface="+mn-cs"/>
-              </a:defRPr>
-            </a:lvl5pPr>
-            <a:lvl6pPr marL="2286000" algn="l" defTabSz="914400" rtl="0" eaLnBrk="1" latinLnBrk="0" hangingPunct="1">
-              <a:defRPr sz="2000" kern="1200">
-                <a:solidFill>
-                  <a:srgbClr val="A50021"/>
-                </a:solidFill>
-                <a:latin typeface="Arial" pitchFamily="34" charset="0"/>
-                <a:ea typeface="ＭＳ Ｐゴシック" pitchFamily="34" charset="-128"/>
-                <a:cs typeface="+mn-cs"/>
-              </a:defRPr>
-            </a:lvl6pPr>
-            <a:lvl7pPr marL="2743200" algn="l" defTabSz="914400" rtl="0" eaLnBrk="1" latinLnBrk="0" hangingPunct="1">
-              <a:defRPr sz="2000" kern="1200">
-                <a:solidFill>
-                  <a:srgbClr val="A50021"/>
-                </a:solidFill>
-                <a:latin typeface="Arial" pitchFamily="34" charset="0"/>
-                <a:ea typeface="ＭＳ Ｐゴシック" pitchFamily="34" charset="-128"/>
-                <a:cs typeface="+mn-cs"/>
-              </a:defRPr>
-            </a:lvl7pPr>
-            <a:lvl8pPr marL="3200400" algn="l" defTabSz="914400" rtl="0" eaLnBrk="1" latinLnBrk="0" hangingPunct="1">
-              <a:defRPr sz="2000" kern="1200">
-                <a:solidFill>
-                  <a:srgbClr val="A50021"/>
-                </a:solidFill>
-                <a:latin typeface="Arial" pitchFamily="34" charset="0"/>
-                <a:ea typeface="ＭＳ Ｐゴシック" pitchFamily="34" charset="-128"/>
-                <a:cs typeface="+mn-cs"/>
-              </a:defRPr>
-            </a:lvl8pPr>
-            <a:lvl9pPr marL="3657600" algn="l" defTabSz="914400" rtl="0" eaLnBrk="1" latinLnBrk="0" hangingPunct="1">
-              <a:defRPr sz="2000" kern="1200">
-                <a:solidFill>
-                  <a:srgbClr val="A50021"/>
-                </a:solidFill>
-                <a:latin typeface="Arial" pitchFamily="34" charset="0"/>
-                <a:ea typeface="ＭＳ Ｐゴシック" pitchFamily="34" charset="-128"/>
-                <a:cs typeface="+mn-cs"/>
-              </a:defRPr>
-            </a:lvl9pPr>
-          </a:lstStyle>
-          <a:p>
-            <a:pPr eaLnBrk="1" hangingPunct="1">
-              <a:spcBef>
-                <a:spcPct val="50000"/>
-              </a:spcBef>
-              <a:buFontTx/>
-              <a:buNone/>
-            </a:pPr>
-            <a:r>
-              <a:rPr lang="da-DK" altLang="da-DK" sz="1100" b="1" dirty="0" err="1" smtClean="0">
-                <a:solidFill>
-                  <a:srgbClr val="0000CC"/>
-                </a:solidFill>
-              </a:rPr>
-              <a:t>CG1</a:t>
-            </a:r>
-            <a:endParaRPr lang="da-DK" altLang="da-DK" sz="1100" b="1" dirty="0">
-              <a:solidFill>
-                <a:srgbClr val="0000CC"/>
-              </a:solidFill>
-            </a:endParaRPr>
-          </a:p>
-        </p:txBody>
-      </p:sp>
-      <p:sp>
-        <p:nvSpPr>
-          <p:cNvPr id="22" name="Line 22"/>
-          <p:cNvSpPr>
-            <a:spLocks noChangeShapeType="1"/>
-          </p:cNvSpPr>
-          <p:nvPr/>
-        </p:nvSpPr>
-        <p:spPr bwMode="auto">
-          <a:xfrm flipH="1" flipV="1">
-            <a:off x="4690298" y="5200192"/>
-            <a:ext cx="0" cy="309757"/>
-          </a:xfrm>
-          <a:prstGeom prst="line">
-            <a:avLst/>
-          </a:prstGeom>
-          <a:noFill/>
-          <a:ln w="28575">
-            <a:solidFill>
-              <a:srgbClr val="0000FF"/>
-            </a:solidFill>
-            <a:round/>
-            <a:headEnd/>
-            <a:tailEnd type="triangle" w="lg" len="lg"/>
-          </a:ln>
-          <a:extLst>
-            <a:ext uri="{909E8E84-426E-40DD-AFC4-6F175D3DCCD1}">
-              <a14:hiddenFill xmlns:a14="http://schemas.microsoft.com/office/drawing/2010/main">
-                <a:noFill/>
-              </a14:hiddenFill>
-            </a:ext>
-          </a:extLst>
-        </p:spPr>
-        <p:txBody>
-          <a:bodyPr/>
-          <a:lstStyle>
-            <a:defPPr>
-              <a:defRPr lang="da-DK"/>
-            </a:defPPr>
-            <a:lvl1pPr algn="l" rtl="0" fontAlgn="base">
-              <a:spcBef>
-                <a:spcPct val="0"/>
-              </a:spcBef>
-              <a:spcAft>
-                <a:spcPct val="0"/>
-              </a:spcAft>
-              <a:defRPr sz="2000" kern="1200">
-                <a:solidFill>
-                  <a:srgbClr val="A50021"/>
-                </a:solidFill>
-                <a:latin typeface="Arial" pitchFamily="34" charset="0"/>
-                <a:ea typeface="ＭＳ Ｐゴシック" pitchFamily="34" charset="-128"/>
-                <a:cs typeface="+mn-cs"/>
-              </a:defRPr>
-            </a:lvl1pPr>
-            <a:lvl2pPr marL="457200" algn="l" rtl="0" fontAlgn="base">
-              <a:spcBef>
-                <a:spcPct val="0"/>
-              </a:spcBef>
-              <a:spcAft>
-                <a:spcPct val="0"/>
-              </a:spcAft>
-              <a:defRPr sz="2000" kern="1200">
-                <a:solidFill>
-                  <a:srgbClr val="A50021"/>
-                </a:solidFill>
-                <a:latin typeface="Arial" pitchFamily="34" charset="0"/>
-                <a:ea typeface="ＭＳ Ｐゴシック" pitchFamily="34" charset="-128"/>
-                <a:cs typeface="+mn-cs"/>
-              </a:defRPr>
-            </a:lvl2pPr>
-            <a:lvl3pPr marL="914400" algn="l" rtl="0" fontAlgn="base">
-              <a:spcBef>
-                <a:spcPct val="0"/>
-              </a:spcBef>
-              <a:spcAft>
-                <a:spcPct val="0"/>
-              </a:spcAft>
-              <a:defRPr sz="2000" kern="1200">
-                <a:solidFill>
-                  <a:srgbClr val="A50021"/>
-                </a:solidFill>
-                <a:latin typeface="Arial" pitchFamily="34" charset="0"/>
-                <a:ea typeface="ＭＳ Ｐゴシック" pitchFamily="34" charset="-128"/>
-                <a:cs typeface="+mn-cs"/>
-              </a:defRPr>
-            </a:lvl3pPr>
-            <a:lvl4pPr marL="1371600" algn="l" rtl="0" fontAlgn="base">
-              <a:spcBef>
-                <a:spcPct val="0"/>
-              </a:spcBef>
-              <a:spcAft>
-                <a:spcPct val="0"/>
-              </a:spcAft>
-              <a:defRPr sz="2000" kern="1200">
-                <a:solidFill>
-                  <a:srgbClr val="A50021"/>
-                </a:solidFill>
-                <a:latin typeface="Arial" pitchFamily="34" charset="0"/>
-                <a:ea typeface="ＭＳ Ｐゴシック" pitchFamily="34" charset="-128"/>
-                <a:cs typeface="+mn-cs"/>
-              </a:defRPr>
-            </a:lvl4pPr>
-            <a:lvl5pPr marL="1828800" algn="l" rtl="0" fontAlgn="base">
-              <a:spcBef>
-                <a:spcPct val="0"/>
-              </a:spcBef>
-              <a:spcAft>
-                <a:spcPct val="0"/>
-              </a:spcAft>
-              <a:defRPr sz="2000" kern="1200">
-                <a:solidFill>
-                  <a:srgbClr val="A50021"/>
-                </a:solidFill>
-                <a:latin typeface="Arial" pitchFamily="34" charset="0"/>
-                <a:ea typeface="ＭＳ Ｐゴシック" pitchFamily="34" charset="-128"/>
-                <a:cs typeface="+mn-cs"/>
-              </a:defRPr>
-            </a:lvl5pPr>
-            <a:lvl6pPr marL="2286000" algn="l" defTabSz="914400" rtl="0" eaLnBrk="1" latinLnBrk="0" hangingPunct="1">
-              <a:defRPr sz="2000" kern="1200">
-                <a:solidFill>
-                  <a:srgbClr val="A50021"/>
-                </a:solidFill>
-                <a:latin typeface="Arial" pitchFamily="34" charset="0"/>
-                <a:ea typeface="ＭＳ Ｐゴシック" pitchFamily="34" charset="-128"/>
-                <a:cs typeface="+mn-cs"/>
-              </a:defRPr>
-            </a:lvl6pPr>
-            <a:lvl7pPr marL="2743200" algn="l" defTabSz="914400" rtl="0" eaLnBrk="1" latinLnBrk="0" hangingPunct="1">
-              <a:defRPr sz="2000" kern="1200">
-                <a:solidFill>
-                  <a:srgbClr val="A50021"/>
-                </a:solidFill>
-                <a:latin typeface="Arial" pitchFamily="34" charset="0"/>
-                <a:ea typeface="ＭＳ Ｐゴシック" pitchFamily="34" charset="-128"/>
-                <a:cs typeface="+mn-cs"/>
-              </a:defRPr>
-            </a:lvl7pPr>
-            <a:lvl8pPr marL="3200400" algn="l" defTabSz="914400" rtl="0" eaLnBrk="1" latinLnBrk="0" hangingPunct="1">
-              <a:defRPr sz="2000" kern="1200">
-                <a:solidFill>
-                  <a:srgbClr val="A50021"/>
-                </a:solidFill>
-                <a:latin typeface="Arial" pitchFamily="34" charset="0"/>
-                <a:ea typeface="ＭＳ Ｐゴシック" pitchFamily="34" charset="-128"/>
-                <a:cs typeface="+mn-cs"/>
-              </a:defRPr>
-            </a:lvl8pPr>
-            <a:lvl9pPr marL="3657600" algn="l" defTabSz="914400" rtl="0" eaLnBrk="1" latinLnBrk="0" hangingPunct="1">
-              <a:defRPr sz="2000" kern="1200">
-                <a:solidFill>
-                  <a:srgbClr val="A50021"/>
-                </a:solidFill>
-                <a:latin typeface="Arial" pitchFamily="34" charset="0"/>
-                <a:ea typeface="ＭＳ Ｐゴシック" pitchFamily="34" charset="-128"/>
-                <a:cs typeface="+mn-cs"/>
-              </a:defRPr>
-            </a:lvl9pPr>
-          </a:lstStyle>
-          <a:p>
-            <a:endParaRPr lang="da-DK">
-              <a:solidFill>
-                <a:srgbClr val="FF0000"/>
-              </a:solidFill>
-            </a:endParaRPr>
-          </a:p>
-        </p:txBody>
-      </p:sp>
-      <p:sp>
-        <p:nvSpPr>
-          <p:cNvPr id="23" name="Text Box 21"/>
-          <p:cNvSpPr txBox="1">
-            <a:spLocks noChangeArrowheads="1"/>
-          </p:cNvSpPr>
-          <p:nvPr/>
-        </p:nvSpPr>
-        <p:spPr bwMode="auto">
-          <a:xfrm>
-            <a:off x="7077650" y="5471398"/>
-            <a:ext cx="488744" cy="261610"/>
-          </a:xfrm>
-          <a:prstGeom prst="rect">
-            <a:avLst/>
-          </a:prstGeom>
-          <a:solidFill>
-            <a:schemeClr val="bg1"/>
-          </a:solidFill>
-          <a:ln>
-            <a:noFill/>
-          </a:ln>
-          <a:extLst/>
-        </p:spPr>
-        <p:txBody>
-          <a:bodyPr wrap="square">
-            <a:spAutoFit/>
-          </a:bodyPr>
-          <a:lstStyle>
-            <a:defPPr>
-              <a:defRPr lang="da-DK"/>
-            </a:defPPr>
-            <a:lvl1pPr algn="l" rtl="0" fontAlgn="base">
-              <a:spcBef>
-                <a:spcPct val="0"/>
-              </a:spcBef>
-              <a:spcAft>
-                <a:spcPct val="0"/>
-              </a:spcAft>
-              <a:defRPr sz="2000" kern="1200">
-                <a:solidFill>
-                  <a:srgbClr val="A50021"/>
-                </a:solidFill>
-                <a:latin typeface="Arial" pitchFamily="34" charset="0"/>
-                <a:ea typeface="ＭＳ Ｐゴシック" pitchFamily="34" charset="-128"/>
-                <a:cs typeface="+mn-cs"/>
-              </a:defRPr>
-            </a:lvl1pPr>
-            <a:lvl2pPr marL="457200" algn="l" rtl="0" fontAlgn="base">
-              <a:spcBef>
-                <a:spcPct val="0"/>
-              </a:spcBef>
-              <a:spcAft>
-                <a:spcPct val="0"/>
-              </a:spcAft>
-              <a:defRPr sz="2000" kern="1200">
-                <a:solidFill>
-                  <a:srgbClr val="A50021"/>
-                </a:solidFill>
-                <a:latin typeface="Arial" pitchFamily="34" charset="0"/>
-                <a:ea typeface="ＭＳ Ｐゴシック" pitchFamily="34" charset="-128"/>
-                <a:cs typeface="+mn-cs"/>
-              </a:defRPr>
-            </a:lvl2pPr>
-            <a:lvl3pPr marL="914400" algn="l" rtl="0" fontAlgn="base">
-              <a:spcBef>
-                <a:spcPct val="0"/>
-              </a:spcBef>
-              <a:spcAft>
-                <a:spcPct val="0"/>
-              </a:spcAft>
-              <a:defRPr sz="2000" kern="1200">
-                <a:solidFill>
-                  <a:srgbClr val="A50021"/>
-                </a:solidFill>
-                <a:latin typeface="Arial" pitchFamily="34" charset="0"/>
-                <a:ea typeface="ＭＳ Ｐゴシック" pitchFamily="34" charset="-128"/>
-                <a:cs typeface="+mn-cs"/>
-              </a:defRPr>
-            </a:lvl3pPr>
-            <a:lvl4pPr marL="1371600" algn="l" rtl="0" fontAlgn="base">
-              <a:spcBef>
-                <a:spcPct val="0"/>
-              </a:spcBef>
-              <a:spcAft>
-                <a:spcPct val="0"/>
-              </a:spcAft>
-              <a:defRPr sz="2000" kern="1200">
-                <a:solidFill>
-                  <a:srgbClr val="A50021"/>
-                </a:solidFill>
-                <a:latin typeface="Arial" pitchFamily="34" charset="0"/>
-                <a:ea typeface="ＭＳ Ｐゴシック" pitchFamily="34" charset="-128"/>
-                <a:cs typeface="+mn-cs"/>
-              </a:defRPr>
-            </a:lvl4pPr>
-            <a:lvl5pPr marL="1828800" algn="l" rtl="0" fontAlgn="base">
-              <a:spcBef>
-                <a:spcPct val="0"/>
-              </a:spcBef>
-              <a:spcAft>
-                <a:spcPct val="0"/>
-              </a:spcAft>
-              <a:defRPr sz="2000" kern="1200">
-                <a:solidFill>
-                  <a:srgbClr val="A50021"/>
-                </a:solidFill>
-                <a:latin typeface="Arial" pitchFamily="34" charset="0"/>
-                <a:ea typeface="ＭＳ Ｐゴシック" pitchFamily="34" charset="-128"/>
-                <a:cs typeface="+mn-cs"/>
-              </a:defRPr>
-            </a:lvl5pPr>
-            <a:lvl6pPr marL="2286000" algn="l" defTabSz="914400" rtl="0" eaLnBrk="1" latinLnBrk="0" hangingPunct="1">
-              <a:defRPr sz="2000" kern="1200">
-                <a:solidFill>
-                  <a:srgbClr val="A50021"/>
-                </a:solidFill>
-                <a:latin typeface="Arial" pitchFamily="34" charset="0"/>
-                <a:ea typeface="ＭＳ Ｐゴシック" pitchFamily="34" charset="-128"/>
-                <a:cs typeface="+mn-cs"/>
-              </a:defRPr>
-            </a:lvl6pPr>
-            <a:lvl7pPr marL="2743200" algn="l" defTabSz="914400" rtl="0" eaLnBrk="1" latinLnBrk="0" hangingPunct="1">
-              <a:defRPr sz="2000" kern="1200">
-                <a:solidFill>
-                  <a:srgbClr val="A50021"/>
-                </a:solidFill>
-                <a:latin typeface="Arial" pitchFamily="34" charset="0"/>
-                <a:ea typeface="ＭＳ Ｐゴシック" pitchFamily="34" charset="-128"/>
-                <a:cs typeface="+mn-cs"/>
-              </a:defRPr>
-            </a:lvl7pPr>
-            <a:lvl8pPr marL="3200400" algn="l" defTabSz="914400" rtl="0" eaLnBrk="1" latinLnBrk="0" hangingPunct="1">
-              <a:defRPr sz="2000" kern="1200">
-                <a:solidFill>
-                  <a:srgbClr val="A50021"/>
-                </a:solidFill>
-                <a:latin typeface="Arial" pitchFamily="34" charset="0"/>
-                <a:ea typeface="ＭＳ Ｐゴシック" pitchFamily="34" charset="-128"/>
-                <a:cs typeface="+mn-cs"/>
-              </a:defRPr>
-            </a:lvl8pPr>
-            <a:lvl9pPr marL="3657600" algn="l" defTabSz="914400" rtl="0" eaLnBrk="1" latinLnBrk="0" hangingPunct="1">
-              <a:defRPr sz="2000" kern="1200">
-                <a:solidFill>
-                  <a:srgbClr val="A50021"/>
-                </a:solidFill>
-                <a:latin typeface="Arial" pitchFamily="34" charset="0"/>
-                <a:ea typeface="ＭＳ Ｐゴシック" pitchFamily="34" charset="-128"/>
-                <a:cs typeface="+mn-cs"/>
-              </a:defRPr>
-            </a:lvl9pPr>
-          </a:lstStyle>
-          <a:p>
-            <a:pPr eaLnBrk="1" hangingPunct="1">
-              <a:spcBef>
-                <a:spcPct val="50000"/>
-              </a:spcBef>
-              <a:buFontTx/>
-              <a:buNone/>
-            </a:pPr>
-            <a:r>
-              <a:rPr lang="da-DK" altLang="da-DK" sz="1100" b="1" dirty="0" err="1" smtClean="0">
-                <a:solidFill>
-                  <a:srgbClr val="0000CC"/>
-                </a:solidFill>
-              </a:rPr>
-              <a:t>CG2</a:t>
-            </a:r>
-            <a:endParaRPr lang="da-DK" altLang="da-DK" sz="1100" b="1" dirty="0">
-              <a:solidFill>
-                <a:srgbClr val="0000CC"/>
-              </a:solidFill>
-            </a:endParaRPr>
-          </a:p>
-        </p:txBody>
-      </p:sp>
-      <p:sp>
-        <p:nvSpPr>
-          <p:cNvPr id="24" name="Line 22"/>
-          <p:cNvSpPr>
-            <a:spLocks noChangeShapeType="1"/>
-          </p:cNvSpPr>
-          <p:nvPr/>
-        </p:nvSpPr>
-        <p:spPr bwMode="auto">
-          <a:xfrm flipH="1" flipV="1">
-            <a:off x="7315734" y="5200192"/>
-            <a:ext cx="0" cy="309757"/>
-          </a:xfrm>
-          <a:prstGeom prst="line">
-            <a:avLst/>
-          </a:prstGeom>
-          <a:noFill/>
-          <a:ln w="28575">
-            <a:solidFill>
-              <a:srgbClr val="0000FF"/>
-            </a:solidFill>
-            <a:round/>
-            <a:headEnd/>
-            <a:tailEnd type="triangle" w="lg" len="lg"/>
-          </a:ln>
-          <a:extLst>
-            <a:ext uri="{909E8E84-426E-40DD-AFC4-6F175D3DCCD1}">
-              <a14:hiddenFill xmlns:a14="http://schemas.microsoft.com/office/drawing/2010/main">
-                <a:noFill/>
-              </a14:hiddenFill>
-            </a:ext>
-          </a:extLst>
-        </p:spPr>
-        <p:txBody>
-          <a:bodyPr/>
-          <a:lstStyle>
-            <a:defPPr>
-              <a:defRPr lang="da-DK"/>
-            </a:defPPr>
-            <a:lvl1pPr algn="l" rtl="0" fontAlgn="base">
-              <a:spcBef>
-                <a:spcPct val="0"/>
-              </a:spcBef>
-              <a:spcAft>
-                <a:spcPct val="0"/>
-              </a:spcAft>
-              <a:defRPr sz="2000" kern="1200">
-                <a:solidFill>
-                  <a:srgbClr val="A50021"/>
-                </a:solidFill>
-                <a:latin typeface="Arial" pitchFamily="34" charset="0"/>
-                <a:ea typeface="ＭＳ Ｐゴシック" pitchFamily="34" charset="-128"/>
-                <a:cs typeface="+mn-cs"/>
-              </a:defRPr>
-            </a:lvl1pPr>
-            <a:lvl2pPr marL="457200" algn="l" rtl="0" fontAlgn="base">
-              <a:spcBef>
-                <a:spcPct val="0"/>
-              </a:spcBef>
-              <a:spcAft>
-                <a:spcPct val="0"/>
-              </a:spcAft>
-              <a:defRPr sz="2000" kern="1200">
-                <a:solidFill>
-                  <a:srgbClr val="A50021"/>
-                </a:solidFill>
-                <a:latin typeface="Arial" pitchFamily="34" charset="0"/>
-                <a:ea typeface="ＭＳ Ｐゴシック" pitchFamily="34" charset="-128"/>
-                <a:cs typeface="+mn-cs"/>
-              </a:defRPr>
-            </a:lvl2pPr>
-            <a:lvl3pPr marL="914400" algn="l" rtl="0" fontAlgn="base">
-              <a:spcBef>
-                <a:spcPct val="0"/>
-              </a:spcBef>
-              <a:spcAft>
-                <a:spcPct val="0"/>
-              </a:spcAft>
-              <a:defRPr sz="2000" kern="1200">
-                <a:solidFill>
-                  <a:srgbClr val="A50021"/>
-                </a:solidFill>
-                <a:latin typeface="Arial" pitchFamily="34" charset="0"/>
-                <a:ea typeface="ＭＳ Ｐゴシック" pitchFamily="34" charset="-128"/>
-                <a:cs typeface="+mn-cs"/>
-              </a:defRPr>
-            </a:lvl3pPr>
-            <a:lvl4pPr marL="1371600" algn="l" rtl="0" fontAlgn="base">
-              <a:spcBef>
-                <a:spcPct val="0"/>
-              </a:spcBef>
-              <a:spcAft>
-                <a:spcPct val="0"/>
-              </a:spcAft>
-              <a:defRPr sz="2000" kern="1200">
-                <a:solidFill>
-                  <a:srgbClr val="A50021"/>
-                </a:solidFill>
-                <a:latin typeface="Arial" pitchFamily="34" charset="0"/>
-                <a:ea typeface="ＭＳ Ｐゴシック" pitchFamily="34" charset="-128"/>
-                <a:cs typeface="+mn-cs"/>
-              </a:defRPr>
-            </a:lvl4pPr>
-            <a:lvl5pPr marL="1828800" algn="l" rtl="0" fontAlgn="base">
-              <a:spcBef>
-                <a:spcPct val="0"/>
-              </a:spcBef>
-              <a:spcAft>
-                <a:spcPct val="0"/>
-              </a:spcAft>
-              <a:defRPr sz="2000" kern="1200">
-                <a:solidFill>
-                  <a:srgbClr val="A50021"/>
-                </a:solidFill>
-                <a:latin typeface="Arial" pitchFamily="34" charset="0"/>
-                <a:ea typeface="ＭＳ Ｐゴシック" pitchFamily="34" charset="-128"/>
-                <a:cs typeface="+mn-cs"/>
-              </a:defRPr>
-            </a:lvl5pPr>
-            <a:lvl6pPr marL="2286000" algn="l" defTabSz="914400" rtl="0" eaLnBrk="1" latinLnBrk="0" hangingPunct="1">
-              <a:defRPr sz="2000" kern="1200">
-                <a:solidFill>
-                  <a:srgbClr val="A50021"/>
-                </a:solidFill>
-                <a:latin typeface="Arial" pitchFamily="34" charset="0"/>
-                <a:ea typeface="ＭＳ Ｐゴシック" pitchFamily="34" charset="-128"/>
-                <a:cs typeface="+mn-cs"/>
-              </a:defRPr>
-            </a:lvl6pPr>
-            <a:lvl7pPr marL="2743200" algn="l" defTabSz="914400" rtl="0" eaLnBrk="1" latinLnBrk="0" hangingPunct="1">
-              <a:defRPr sz="2000" kern="1200">
-                <a:solidFill>
-                  <a:srgbClr val="A50021"/>
-                </a:solidFill>
-                <a:latin typeface="Arial" pitchFamily="34" charset="0"/>
-                <a:ea typeface="ＭＳ Ｐゴシック" pitchFamily="34" charset="-128"/>
-                <a:cs typeface="+mn-cs"/>
-              </a:defRPr>
-            </a:lvl7pPr>
-            <a:lvl8pPr marL="3200400" algn="l" defTabSz="914400" rtl="0" eaLnBrk="1" latinLnBrk="0" hangingPunct="1">
-              <a:defRPr sz="2000" kern="1200">
-                <a:solidFill>
-                  <a:srgbClr val="A50021"/>
-                </a:solidFill>
-                <a:latin typeface="Arial" pitchFamily="34" charset="0"/>
-                <a:ea typeface="ＭＳ Ｐゴシック" pitchFamily="34" charset="-128"/>
-                <a:cs typeface="+mn-cs"/>
-              </a:defRPr>
-            </a:lvl8pPr>
-            <a:lvl9pPr marL="3657600" algn="l" defTabSz="914400" rtl="0" eaLnBrk="1" latinLnBrk="0" hangingPunct="1">
-              <a:defRPr sz="2000" kern="1200">
-                <a:solidFill>
-                  <a:srgbClr val="A50021"/>
-                </a:solidFill>
-                <a:latin typeface="Arial" pitchFamily="34" charset="0"/>
-                <a:ea typeface="ＭＳ Ｐゴシック" pitchFamily="34" charset="-128"/>
-                <a:cs typeface="+mn-cs"/>
-              </a:defRPr>
-            </a:lvl9pPr>
-          </a:lstStyle>
-          <a:p>
-            <a:endParaRPr lang="da-DK">
-              <a:solidFill>
-                <a:srgbClr val="FF0000"/>
-              </a:solidFill>
-            </a:endParaRPr>
-          </a:p>
-        </p:txBody>
-      </p:sp>
-      <p:sp>
-        <p:nvSpPr>
-          <p:cNvPr id="25" name="Text Box 21"/>
-          <p:cNvSpPr txBox="1">
-            <a:spLocks noChangeArrowheads="1"/>
-          </p:cNvSpPr>
-          <p:nvPr/>
-        </p:nvSpPr>
-        <p:spPr bwMode="auto">
-          <a:xfrm>
-            <a:off x="8504668" y="5450616"/>
-            <a:ext cx="488744" cy="261610"/>
-          </a:xfrm>
-          <a:prstGeom prst="rect">
-            <a:avLst/>
-          </a:prstGeom>
-          <a:solidFill>
-            <a:schemeClr val="bg1"/>
-          </a:solidFill>
-          <a:ln>
-            <a:noFill/>
-          </a:ln>
-          <a:extLst/>
-        </p:spPr>
-        <p:txBody>
-          <a:bodyPr wrap="square">
-            <a:spAutoFit/>
-          </a:bodyPr>
-          <a:lstStyle>
-            <a:defPPr>
-              <a:defRPr lang="da-DK"/>
-            </a:defPPr>
-            <a:lvl1pPr algn="l" rtl="0" fontAlgn="base">
-              <a:spcBef>
-                <a:spcPct val="0"/>
-              </a:spcBef>
-              <a:spcAft>
-                <a:spcPct val="0"/>
-              </a:spcAft>
-              <a:defRPr sz="2000" kern="1200">
-                <a:solidFill>
-                  <a:srgbClr val="A50021"/>
-                </a:solidFill>
-                <a:latin typeface="Arial" pitchFamily="34" charset="0"/>
-                <a:ea typeface="ＭＳ Ｐゴシック" pitchFamily="34" charset="-128"/>
-                <a:cs typeface="+mn-cs"/>
-              </a:defRPr>
-            </a:lvl1pPr>
-            <a:lvl2pPr marL="457200" algn="l" rtl="0" fontAlgn="base">
-              <a:spcBef>
-                <a:spcPct val="0"/>
-              </a:spcBef>
-              <a:spcAft>
-                <a:spcPct val="0"/>
-              </a:spcAft>
-              <a:defRPr sz="2000" kern="1200">
-                <a:solidFill>
-                  <a:srgbClr val="A50021"/>
-                </a:solidFill>
-                <a:latin typeface="Arial" pitchFamily="34" charset="0"/>
-                <a:ea typeface="ＭＳ Ｐゴシック" pitchFamily="34" charset="-128"/>
-                <a:cs typeface="+mn-cs"/>
-              </a:defRPr>
-            </a:lvl2pPr>
-            <a:lvl3pPr marL="914400" algn="l" rtl="0" fontAlgn="base">
-              <a:spcBef>
-                <a:spcPct val="0"/>
-              </a:spcBef>
-              <a:spcAft>
-                <a:spcPct val="0"/>
-              </a:spcAft>
-              <a:defRPr sz="2000" kern="1200">
-                <a:solidFill>
-                  <a:srgbClr val="A50021"/>
-                </a:solidFill>
-                <a:latin typeface="Arial" pitchFamily="34" charset="0"/>
-                <a:ea typeface="ＭＳ Ｐゴシック" pitchFamily="34" charset="-128"/>
-                <a:cs typeface="+mn-cs"/>
-              </a:defRPr>
-            </a:lvl3pPr>
-            <a:lvl4pPr marL="1371600" algn="l" rtl="0" fontAlgn="base">
-              <a:spcBef>
-                <a:spcPct val="0"/>
-              </a:spcBef>
-              <a:spcAft>
-                <a:spcPct val="0"/>
-              </a:spcAft>
-              <a:defRPr sz="2000" kern="1200">
-                <a:solidFill>
-                  <a:srgbClr val="A50021"/>
-                </a:solidFill>
-                <a:latin typeface="Arial" pitchFamily="34" charset="0"/>
-                <a:ea typeface="ＭＳ Ｐゴシック" pitchFamily="34" charset="-128"/>
-                <a:cs typeface="+mn-cs"/>
-              </a:defRPr>
-            </a:lvl4pPr>
-            <a:lvl5pPr marL="1828800" algn="l" rtl="0" fontAlgn="base">
-              <a:spcBef>
-                <a:spcPct val="0"/>
-              </a:spcBef>
-              <a:spcAft>
-                <a:spcPct val="0"/>
-              </a:spcAft>
-              <a:defRPr sz="2000" kern="1200">
-                <a:solidFill>
-                  <a:srgbClr val="A50021"/>
-                </a:solidFill>
-                <a:latin typeface="Arial" pitchFamily="34" charset="0"/>
-                <a:ea typeface="ＭＳ Ｐゴシック" pitchFamily="34" charset="-128"/>
-                <a:cs typeface="+mn-cs"/>
-              </a:defRPr>
-            </a:lvl5pPr>
-            <a:lvl6pPr marL="2286000" algn="l" defTabSz="914400" rtl="0" eaLnBrk="1" latinLnBrk="0" hangingPunct="1">
-              <a:defRPr sz="2000" kern="1200">
-                <a:solidFill>
-                  <a:srgbClr val="A50021"/>
-                </a:solidFill>
-                <a:latin typeface="Arial" pitchFamily="34" charset="0"/>
-                <a:ea typeface="ＭＳ Ｐゴシック" pitchFamily="34" charset="-128"/>
-                <a:cs typeface="+mn-cs"/>
-              </a:defRPr>
-            </a:lvl6pPr>
-            <a:lvl7pPr marL="2743200" algn="l" defTabSz="914400" rtl="0" eaLnBrk="1" latinLnBrk="0" hangingPunct="1">
-              <a:defRPr sz="2000" kern="1200">
-                <a:solidFill>
-                  <a:srgbClr val="A50021"/>
-                </a:solidFill>
-                <a:latin typeface="Arial" pitchFamily="34" charset="0"/>
-                <a:ea typeface="ＭＳ Ｐゴシック" pitchFamily="34" charset="-128"/>
-                <a:cs typeface="+mn-cs"/>
-              </a:defRPr>
-            </a:lvl7pPr>
-            <a:lvl8pPr marL="3200400" algn="l" defTabSz="914400" rtl="0" eaLnBrk="1" latinLnBrk="0" hangingPunct="1">
-              <a:defRPr sz="2000" kern="1200">
-                <a:solidFill>
-                  <a:srgbClr val="A50021"/>
-                </a:solidFill>
-                <a:latin typeface="Arial" pitchFamily="34" charset="0"/>
-                <a:ea typeface="ＭＳ Ｐゴシック" pitchFamily="34" charset="-128"/>
-                <a:cs typeface="+mn-cs"/>
-              </a:defRPr>
-            </a:lvl8pPr>
-            <a:lvl9pPr marL="3657600" algn="l" defTabSz="914400" rtl="0" eaLnBrk="1" latinLnBrk="0" hangingPunct="1">
-              <a:defRPr sz="2000" kern="1200">
-                <a:solidFill>
-                  <a:srgbClr val="A50021"/>
-                </a:solidFill>
-                <a:latin typeface="Arial" pitchFamily="34" charset="0"/>
-                <a:ea typeface="ＭＳ Ｐゴシック" pitchFamily="34" charset="-128"/>
-                <a:cs typeface="+mn-cs"/>
-              </a:defRPr>
-            </a:lvl9pPr>
-          </a:lstStyle>
-          <a:p>
-            <a:pPr eaLnBrk="1" hangingPunct="1">
-              <a:spcBef>
-                <a:spcPct val="50000"/>
-              </a:spcBef>
-              <a:buFontTx/>
-              <a:buNone/>
-            </a:pPr>
-            <a:r>
-              <a:rPr lang="da-DK" altLang="da-DK" sz="1100" b="1" dirty="0" err="1" smtClean="0">
-                <a:solidFill>
-                  <a:srgbClr val="0000CC"/>
-                </a:solidFill>
-              </a:rPr>
-              <a:t>CG3</a:t>
-            </a:r>
-            <a:endParaRPr lang="da-DK" altLang="da-DK" sz="1100" b="1" dirty="0">
-              <a:solidFill>
-                <a:srgbClr val="0000CC"/>
-              </a:solidFill>
-            </a:endParaRPr>
-          </a:p>
-        </p:txBody>
-      </p:sp>
-      <p:sp>
-        <p:nvSpPr>
-          <p:cNvPr id="26" name="Line 22"/>
-          <p:cNvSpPr>
-            <a:spLocks noChangeShapeType="1"/>
-          </p:cNvSpPr>
-          <p:nvPr/>
-        </p:nvSpPr>
-        <p:spPr bwMode="auto">
-          <a:xfrm flipH="1" flipV="1">
-            <a:off x="8742752" y="5179410"/>
-            <a:ext cx="0" cy="309757"/>
-          </a:xfrm>
-          <a:prstGeom prst="line">
-            <a:avLst/>
-          </a:prstGeom>
-          <a:noFill/>
-          <a:ln w="28575">
-            <a:solidFill>
-              <a:srgbClr val="0000FF"/>
-            </a:solidFill>
-            <a:round/>
-            <a:headEnd/>
-            <a:tailEnd type="triangle" w="lg" len="lg"/>
-          </a:ln>
-          <a:extLst>
-            <a:ext uri="{909E8E84-426E-40DD-AFC4-6F175D3DCCD1}">
-              <a14:hiddenFill xmlns:a14="http://schemas.microsoft.com/office/drawing/2010/main">
-                <a:noFill/>
-              </a14:hiddenFill>
-            </a:ext>
-          </a:extLst>
-        </p:spPr>
-        <p:txBody>
-          <a:bodyPr/>
-          <a:lstStyle>
-            <a:defPPr>
-              <a:defRPr lang="da-DK"/>
-            </a:defPPr>
-            <a:lvl1pPr algn="l" rtl="0" fontAlgn="base">
-              <a:spcBef>
-                <a:spcPct val="0"/>
-              </a:spcBef>
-              <a:spcAft>
-                <a:spcPct val="0"/>
-              </a:spcAft>
-              <a:defRPr sz="2000" kern="1200">
-                <a:solidFill>
-                  <a:srgbClr val="A50021"/>
-                </a:solidFill>
-                <a:latin typeface="Arial" pitchFamily="34" charset="0"/>
-                <a:ea typeface="ＭＳ Ｐゴシック" pitchFamily="34" charset="-128"/>
-                <a:cs typeface="+mn-cs"/>
-              </a:defRPr>
-            </a:lvl1pPr>
-            <a:lvl2pPr marL="457200" algn="l" rtl="0" fontAlgn="base">
-              <a:spcBef>
-                <a:spcPct val="0"/>
-              </a:spcBef>
-              <a:spcAft>
-                <a:spcPct val="0"/>
-              </a:spcAft>
-              <a:defRPr sz="2000" kern="1200">
-                <a:solidFill>
-                  <a:srgbClr val="A50021"/>
-                </a:solidFill>
-                <a:latin typeface="Arial" pitchFamily="34" charset="0"/>
-                <a:ea typeface="ＭＳ Ｐゴシック" pitchFamily="34" charset="-128"/>
-                <a:cs typeface="+mn-cs"/>
-              </a:defRPr>
-            </a:lvl2pPr>
-            <a:lvl3pPr marL="914400" algn="l" rtl="0" fontAlgn="base">
-              <a:spcBef>
-                <a:spcPct val="0"/>
-              </a:spcBef>
-              <a:spcAft>
-                <a:spcPct val="0"/>
-              </a:spcAft>
-              <a:defRPr sz="2000" kern="1200">
-                <a:solidFill>
-                  <a:srgbClr val="A50021"/>
-                </a:solidFill>
-                <a:latin typeface="Arial" pitchFamily="34" charset="0"/>
-                <a:ea typeface="ＭＳ Ｐゴシック" pitchFamily="34" charset="-128"/>
-                <a:cs typeface="+mn-cs"/>
-              </a:defRPr>
-            </a:lvl3pPr>
-            <a:lvl4pPr marL="1371600" algn="l" rtl="0" fontAlgn="base">
-              <a:spcBef>
-                <a:spcPct val="0"/>
-              </a:spcBef>
-              <a:spcAft>
-                <a:spcPct val="0"/>
-              </a:spcAft>
-              <a:defRPr sz="2000" kern="1200">
-                <a:solidFill>
-                  <a:srgbClr val="A50021"/>
-                </a:solidFill>
-                <a:latin typeface="Arial" pitchFamily="34" charset="0"/>
-                <a:ea typeface="ＭＳ Ｐゴシック" pitchFamily="34" charset="-128"/>
-                <a:cs typeface="+mn-cs"/>
-              </a:defRPr>
-            </a:lvl4pPr>
-            <a:lvl5pPr marL="1828800" algn="l" rtl="0" fontAlgn="base">
-              <a:spcBef>
-                <a:spcPct val="0"/>
-              </a:spcBef>
-              <a:spcAft>
-                <a:spcPct val="0"/>
-              </a:spcAft>
-              <a:defRPr sz="2000" kern="1200">
-                <a:solidFill>
-                  <a:srgbClr val="A50021"/>
-                </a:solidFill>
-                <a:latin typeface="Arial" pitchFamily="34" charset="0"/>
-                <a:ea typeface="ＭＳ Ｐゴシック" pitchFamily="34" charset="-128"/>
-                <a:cs typeface="+mn-cs"/>
-              </a:defRPr>
-            </a:lvl5pPr>
-            <a:lvl6pPr marL="2286000" algn="l" defTabSz="914400" rtl="0" eaLnBrk="1" latinLnBrk="0" hangingPunct="1">
-              <a:defRPr sz="2000" kern="1200">
-                <a:solidFill>
-                  <a:srgbClr val="A50021"/>
-                </a:solidFill>
-                <a:latin typeface="Arial" pitchFamily="34" charset="0"/>
-                <a:ea typeface="ＭＳ Ｐゴシック" pitchFamily="34" charset="-128"/>
-                <a:cs typeface="+mn-cs"/>
-              </a:defRPr>
-            </a:lvl6pPr>
-            <a:lvl7pPr marL="2743200" algn="l" defTabSz="914400" rtl="0" eaLnBrk="1" latinLnBrk="0" hangingPunct="1">
-              <a:defRPr sz="2000" kern="1200">
-                <a:solidFill>
-                  <a:srgbClr val="A50021"/>
-                </a:solidFill>
-                <a:latin typeface="Arial" pitchFamily="34" charset="0"/>
-                <a:ea typeface="ＭＳ Ｐゴシック" pitchFamily="34" charset="-128"/>
-                <a:cs typeface="+mn-cs"/>
-              </a:defRPr>
-            </a:lvl7pPr>
-            <a:lvl8pPr marL="3200400" algn="l" defTabSz="914400" rtl="0" eaLnBrk="1" latinLnBrk="0" hangingPunct="1">
-              <a:defRPr sz="2000" kern="1200">
-                <a:solidFill>
-                  <a:srgbClr val="A50021"/>
-                </a:solidFill>
-                <a:latin typeface="Arial" pitchFamily="34" charset="0"/>
-                <a:ea typeface="ＭＳ Ｐゴシック" pitchFamily="34" charset="-128"/>
-                <a:cs typeface="+mn-cs"/>
-              </a:defRPr>
-            </a:lvl8pPr>
-            <a:lvl9pPr marL="3657600" algn="l" defTabSz="914400" rtl="0" eaLnBrk="1" latinLnBrk="0" hangingPunct="1">
-              <a:defRPr sz="2000" kern="1200">
-                <a:solidFill>
-                  <a:srgbClr val="A50021"/>
-                </a:solidFill>
-                <a:latin typeface="Arial" pitchFamily="34" charset="0"/>
-                <a:ea typeface="ＭＳ Ｐゴシック" pitchFamily="34" charset="-128"/>
-                <a:cs typeface="+mn-cs"/>
-              </a:defRPr>
-            </a:lvl9pPr>
-          </a:lstStyle>
-          <a:p>
-            <a:endParaRPr lang="da-DK">
-              <a:solidFill>
-                <a:srgbClr val="FF0000"/>
-              </a:solidFill>
-            </a:endParaRPr>
-          </a:p>
-        </p:txBody>
-      </p:sp>
-    </p:spTree>
-    <p:extLst>
-      <p:ext uri="{BB962C8B-B14F-4D97-AF65-F5344CB8AC3E}">
-        <p14:creationId xmlns:p14="http://schemas.microsoft.com/office/powerpoint/2010/main" val="1384807588"/>
-      </p:ext>
-    </p:extLst>
-  </p:cSld>
-  <p:clrMapOvr>
-    <a:masterClrMapping/>
-  </p:clrMapOvr>
-  <p:timing>
-    <p:tnLst>
-      <p:par>
-        <p:cTn id="1" dur="indefinite" restart="never" nodeType="tmRoot"/>
-      </p:par>
-    </p:tnLst>
-  </p:timing>
-</p:sld>
-</file>
-
-<file path=ppt/slides/slide3.xml><?xml version="1.0" encoding="utf-8"?>
-<p:sld xmlns:a="http://schemas.openxmlformats.org/drawingml/2006/main" xmlns:r="http://schemas.openxmlformats.org/officeDocument/2006/relationships" xmlns:p="http://schemas.openxmlformats.org/presentationml/2006/main">
-  <p:cSld>
-    <p:spTree>
-      <p:nvGrpSpPr>
-        <p:cNvPr id="1" name=""/>
-        <p:cNvGrpSpPr/>
-        <p:nvPr/>
-      </p:nvGrpSpPr>
-      <p:grpSpPr>
-        <a:xfrm>
-          <a:off x="0" y="0"/>
-          <a:ext cx="0" cy="0"/>
-          <a:chOff x="0" y="0"/>
-          <a:chExt cx="0" cy="0"/>
-        </a:xfrm>
-      </p:grpSpPr>
       <p:sp>
         <p:nvSpPr>
           <p:cNvPr id="4" name="Title 1"/>
@@ -8229,7 +4355,23 @@
                   <a:srgbClr val="A50021"/>
                 </a:solidFill>
               </a:rPr>
-              <a:t>Frister for de sidste afleveringsopgaver</a:t>
+              <a:t>Frister for </a:t>
+            </a:r>
+            <a:r>
+              <a:rPr lang="da-DK" sz="1800" b="1" dirty="0" smtClean="0">
+                <a:solidFill>
+                  <a:srgbClr val="A50021"/>
+                </a:solidFill>
+              </a:rPr>
+              <a:t>den </a:t>
+            </a:r>
+            <a:r>
+              <a:rPr lang="da-DK" sz="1800" b="1" dirty="0" smtClean="0">
+                <a:solidFill>
+                  <a:srgbClr val="A50021"/>
+                </a:solidFill>
+              </a:rPr>
+              <a:t>sidste afleveringsopgaver</a:t>
             </a:r>
             <a:endParaRPr lang="da-DK" sz="1800" b="1" dirty="0">
               <a:solidFill>
@@ -8249,36 +4391,26 @@
             </a:r>
             <a:r>
               <a:rPr lang="da-DK" sz="1600" dirty="0" smtClean="0"/>
-              <a:t>omputerspil 4 skal afleveres senest mandag den 17. maj</a:t>
-            </a:r>
-          </a:p>
-          <a:p>
-            <a:pPr marL="728663" lvl="1" indent="-271463">
-              <a:spcBef>
-                <a:spcPts val="400"/>
-              </a:spcBef>
-            </a:pPr>
+              <a:t>omputerspil 4 skal afleveres senest mandag den </a:t>
+            </a:r>
             <a:r>
               <a:rPr lang="da-DK" sz="1600" dirty="0" smtClean="0"/>
-              <a:t>Denne dag er også fristen for eventuelle genafleveringer af andre opgaver</a:t>
+              <a:t>23. maj (eventuel genaflevering sene</a:t>
+            </a:r>
+            <a:r>
+              <a:rPr lang="da-DK" sz="1600" dirty="0"/>
+              <a:t>st fredag den 27. </a:t>
+            </a:r>
+            <a:r>
+              <a:rPr lang="da-DK" sz="1600" dirty="0" smtClean="0"/>
+              <a:t>maj)</a:t>
             </a:r>
             <a:endParaRPr lang="da-DK" sz="1600" dirty="0"/>
           </a:p>
           <a:p>
-            <a:pPr marL="728663" lvl="1" indent="-271463">
-              <a:spcBef>
-                <a:spcPts val="400"/>
-              </a:spcBef>
-            </a:pPr>
-            <a:r>
-              <a:rPr lang="da-DK" sz="1600" spc="-30" dirty="0" smtClean="0"/>
-              <a:t>Hvis I får genaflevering af Computerspil 4 skal dette ske senest mandag den 24. maj  (2. pinsedag)</a:t>
-            </a:r>
-          </a:p>
-          <a:p>
             <a:pPr marL="271463" lvl="1" indent="-271463">
               <a:spcBef>
-                <a:spcPts val="1000"/>
+                <a:spcPts val="1800"/>
               </a:spcBef>
               <a:buChar char="•"/>
             </a:pPr>
@@ -8288,7 +4420,15 @@
                   <a:srgbClr val="A50021"/>
                 </a:solidFill>
               </a:rPr>
-              <a:t>Ordinær eksamen </a:t>
+              <a:t>Mundtlig </a:t>
+            </a:r>
+            <a:r>
+              <a:rPr lang="da-DK" sz="1800" b="1" dirty="0" smtClean="0">
+                <a:solidFill>
+                  <a:srgbClr val="A50021"/>
+                </a:solidFill>
+              </a:rPr>
+              <a:t>eksamen </a:t>
             </a:r>
             <a:r>
               <a:rPr lang="da-DK" sz="1800" b="1" dirty="0">
@@ -8296,7 +4436,7 @@
                   <a:srgbClr val="A50021"/>
                 </a:solidFill>
               </a:rPr>
-              <a:t>finder sted den </a:t>
+              <a:t>finder sted </a:t>
             </a:r>
             <a:r>
               <a:rPr lang="da-DK" sz="1800" b="1" dirty="0" smtClean="0">
@@ -8304,16 +4444,52 @@
                   <a:srgbClr val="A50021"/>
                 </a:solidFill>
               </a:rPr>
-              <a:t>27.-28. </a:t>
-            </a:r>
-            <a:r>
-              <a:rPr lang="da-DK" sz="1800" b="1" dirty="0">
-                <a:solidFill>
-                  <a:srgbClr val="A50021"/>
-                </a:solidFill>
-              </a:rPr>
+              <a:t>tirsdag den 31. maj og onsdag den 1. juni</a:t>
+            </a:r>
+            <a:endParaRPr lang="da-DK" sz="1800" b="1" dirty="0">
+              <a:solidFill>
+                <a:srgbClr val="A50021"/>
+              </a:solidFill>
+            </a:endParaRPr>
+          </a:p>
+          <a:p>
+            <a:pPr marL="742950" lvl="1" indent="-285750">
+              <a:spcBef>
+                <a:spcPts val="600"/>
+              </a:spcBef>
+            </a:pPr>
+            <a:r>
+              <a:rPr lang="da-DK" sz="1600" spc="-10" dirty="0" smtClean="0"/>
+              <a:t>Der </a:t>
+            </a:r>
+            <a:r>
+              <a:rPr lang="da-DK" sz="1600" spc="-10" dirty="0" smtClean="0"/>
+              <a:t>er nogle </a:t>
+            </a:r>
+            <a:r>
+              <a:rPr lang="da-DK" sz="1600" spc="-10" dirty="0" smtClean="0"/>
+              <a:t>af jer, </a:t>
+            </a:r>
+            <a:r>
+              <a:rPr lang="da-DK" sz="1600" spc="-10" dirty="0" smtClean="0"/>
+              <a:t>der endnu mangler at vælge tidspunkt</a:t>
+            </a:r>
+            <a:r>
+              <a:rPr lang="da-DK" sz="1600" spc="-10" dirty="0"/>
+              <a:t> (skal ske senest </a:t>
+            </a:r>
+            <a:r>
+              <a:rPr lang="da-DK" sz="1600" spc="-10" dirty="0" smtClean="0"/>
+              <a:t>23. </a:t>
+            </a:r>
+            <a:r>
+              <a:rPr lang="da-DK" sz="1600" spc="-10" dirty="0"/>
               <a:t>maj</a:t>
             </a:r>
+            <a:r>
+              <a:rPr lang="da-DK" sz="1600" spc="-10" dirty="0" smtClean="0"/>
+              <a:t>)</a:t>
+            </a:r>
           </a:p>
           <a:p>
             <a:pPr marL="742950" lvl="1" indent="-285750">
@@ -8322,39 +4498,36 @@
               </a:spcBef>
             </a:pPr>
             <a:r>
+              <a:rPr lang="da-DK" sz="1600" spc="-10" dirty="0" smtClean="0"/>
+              <a:t>Detaljeret tidsplan publiceres umiddelbart herefter</a:t>
+            </a:r>
+            <a:endParaRPr lang="da-DK" sz="1600" spc="-10" dirty="0"/>
+          </a:p>
+          <a:p>
+            <a:pPr marL="742950" lvl="1" indent="-285750">
+              <a:spcBef>
+                <a:spcPts val="600"/>
+              </a:spcBef>
+            </a:pPr>
+            <a:r>
+              <a:rPr lang="da-DK" sz="1600" dirty="0"/>
+              <a:t>I kan se spørgsmål, pensum </a:t>
+            </a:r>
+            <a:r>
               <a:rPr lang="da-DK" sz="1600" dirty="0" smtClean="0"/>
-              <a:t>Foreløbig tidsplan er publiceret</a:t>
-            </a:r>
-          </a:p>
-          <a:p>
-            <a:pPr marL="742950" lvl="1" indent="-285750">
-              <a:spcBef>
-                <a:spcPts val="600"/>
-              </a:spcBef>
-            </a:pPr>
-            <a:r>
-              <a:rPr lang="da-DK" sz="1600" spc="-10" dirty="0"/>
-              <a:t>D</a:t>
-            </a:r>
-            <a:r>
-              <a:rPr lang="da-DK" sz="1600" spc="-10" dirty="0" smtClean="0"/>
-              <a:t>er er nogle få af jer der endnu mangler at vælge tidspunkt</a:t>
-            </a:r>
-            <a:r>
-              <a:rPr lang="da-DK" sz="1600" spc="-10" dirty="0"/>
-              <a:t> (skal ske senest 14. maj)</a:t>
-            </a:r>
-            <a:endParaRPr lang="da-DK" sz="1600" spc="-10" dirty="0"/>
-          </a:p>
-          <a:p>
-            <a:pPr marL="742950" lvl="1" indent="-285750">
-              <a:spcBef>
-                <a:spcPts val="600"/>
-              </a:spcBef>
-            </a:pPr>
+              <a:t>mv. </a:t>
+            </a:r>
             <a:r>
               <a:rPr lang="da-DK" sz="1600" dirty="0"/>
-              <a:t>I kan se spørgsmål, pensum mv på Blackboard siden ”Eksamen og køreprøve”</a:t>
+              <a:t>på </a:t>
+            </a:r>
+            <a:r>
+              <a:rPr lang="da-DK" sz="1600" dirty="0" smtClean="0"/>
+              <a:t>Brightspace </a:t>
+            </a:r>
+            <a:r>
+              <a:rPr lang="da-DK" sz="1600" dirty="0"/>
+              <a:t>siden ”Eksamen og køreprøve”</a:t>
             </a:r>
           </a:p>
           <a:p>
@@ -8373,39 +4546,28 @@
             </a:r>
             <a:r>
               <a:rPr lang="da-DK" sz="1600" spc="-60" dirty="0"/>
-              <a:t>præsentation (under Seminar 8)</a:t>
+              <a:t>præsentation (under Seminar 8</a:t>
+            </a:r>
+            <a:r>
+              <a:rPr lang="da-DK" sz="1600" spc="-60" dirty="0" smtClean="0"/>
+              <a:t>)</a:t>
             </a:r>
           </a:p>
           <a:p>
             <a:pPr marL="271463" lvl="1" indent="-271463">
               <a:spcBef>
-                <a:spcPts val="1000"/>
-              </a:spcBef>
+                <a:spcPts val="1800"/>
+              </a:spcBef>
+              <a:buFontTx/>
               <a:buChar char="•"/>
             </a:pPr>
             <a:r>
-              <a:rPr lang="da-DK" sz="1800" b="1" dirty="0">
+              <a:rPr lang="da-DK" altLang="da-DK" sz="1800" b="1" spc="-40" dirty="0">
                 <a:solidFill>
                   <a:srgbClr val="A50021"/>
                 </a:solidFill>
               </a:rPr>
-              <a:t>Der </a:t>
-            </a:r>
-            <a:r>
-              <a:rPr lang="da-DK" sz="1800" b="1" dirty="0" smtClean="0">
-                <a:solidFill>
-                  <a:srgbClr val="A50021"/>
-                </a:solidFill>
-              </a:rPr>
-              <a:t>eksamineres </a:t>
-            </a:r>
-            <a:r>
-              <a:rPr lang="da-DK" sz="1800" b="1" dirty="0">
-                <a:solidFill>
-                  <a:srgbClr val="A50021"/>
-                </a:solidFill>
-              </a:rPr>
-              <a:t>via Zoom</a:t>
+              <a:t>Fredag den 20. maj er der studiecafé 15.30 – ca. 17.00</a:t>
             </a:r>
           </a:p>
           <a:p>
@@ -8415,20 +4577,8 @@
               </a:spcBef>
             </a:pPr>
             <a:r>
-              <a:rPr lang="da-DK" sz="1600" dirty="0" smtClean="0"/>
-              <a:t>På </a:t>
-            </a:r>
-            <a:r>
-              <a:rPr lang="da-DK" sz="1600" dirty="0" err="1" smtClean="0"/>
-              <a:t>webboard</a:t>
-            </a:r>
-            <a:r>
-              <a:rPr lang="da-DK" sz="1600" dirty="0" smtClean="0"/>
-              <a:t>-forummet ”Mundtlig eksamen” har jeg publicerer </a:t>
-            </a:r>
-            <a:r>
-              <a:rPr lang="da-DK" sz="1600" dirty="0"/>
-              <a:t>noget materiale, om, hvordan man kan skrive sine programstumper ved eksamen</a:t>
+              <a:rPr lang="da-DK" altLang="da-DK" sz="1600" smtClean="0"/>
+              <a:t>Computerspil 4</a:t>
             </a:r>
           </a:p>
           <a:p>
@@ -8438,8 +4588,12 @@
               </a:spcBef>
             </a:pPr>
             <a:r>
-              <a:rPr lang="da-DK" sz="1600" spc="-60" dirty="0" smtClean="0"/>
-              <a:t>Da vi ikke har behov for at lave frihåndstegninger, er det nemmeste at anvende et simpelt tekstbehandlingssystem (der ikke er fancy nok til at forsøge at rette diverse ”fejl” undervejs)</a:t>
+              <a:rPr lang="da-DK" altLang="da-DK" sz="1600" smtClean="0"/>
+              <a:t>Disponering </a:t>
+            </a:r>
+            <a:r>
+              <a:rPr lang="da-DK" altLang="da-DK" sz="1600" dirty="0"/>
+              <a:t>af eksamensspørgsmål</a:t>
             </a:r>
           </a:p>
           <a:p>
@@ -8449,11 +4603,22 @@
               </a:spcBef>
             </a:pPr>
             <a:r>
-              <a:rPr lang="da-DK" sz="1600" dirty="0" smtClean="0"/>
-              <a:t>Man må </a:t>
-            </a:r>
-            <a:r>
-              <a:rPr lang="da-DK" sz="1600" b="1" dirty="0" smtClean="0">
+              <a:rPr lang="da-DK" altLang="da-DK" sz="1600" dirty="0"/>
+              <a:t>Alt andet, som I har problemer med</a:t>
+            </a:r>
+          </a:p>
+          <a:p>
+            <a:pPr marL="742950" lvl="1" indent="-285750">
+              <a:spcBef>
+                <a:spcPts val="600"/>
+              </a:spcBef>
+            </a:pPr>
+            <a:r>
+              <a:rPr lang="da-DK" altLang="da-DK" sz="1600" dirty="0"/>
+              <a:t>Der er </a:t>
+            </a:r>
+            <a:r>
+              <a:rPr lang="da-DK" altLang="da-DK" sz="1600" b="1" dirty="0">
                 <a:solidFill>
                   <a:srgbClr val="008000"/>
                 </a:solidFill>
@@ -8461,21 +4626,14 @@
               <a:t>ikke</a:t>
             </a:r>
             <a:r>
-              <a:rPr lang="da-DK" sz="1600" dirty="0" smtClean="0"/>
-              <a:t> anvende BlueJ’s editor (eller en anden Java editor)</a:t>
-            </a:r>
-          </a:p>
-          <a:p>
-            <a:pPr marL="742950" lvl="1" indent="-285750">
-              <a:spcBef>
-                <a:spcPts val="600"/>
-              </a:spcBef>
-            </a:pPr>
-            <a:r>
-              <a:rPr lang="da-DK" sz="1600" dirty="0" smtClean="0"/>
-              <a:t>Alternativt kan man skrive på et stykke hvidt papir, som man så videooptager via sin mobiltelefon</a:t>
-            </a:r>
-            <a:endParaRPr lang="da-DK" sz="1400" dirty="0"/>
+              <a:rPr lang="da-DK" altLang="da-DK" sz="1600" dirty="0"/>
+              <a:t> studiecafé den 13. </a:t>
+            </a:r>
+            <a:r>
+              <a:rPr lang="da-DK" altLang="da-DK" sz="1600" dirty="0" smtClean="0"/>
+              <a:t>maj</a:t>
+            </a:r>
+            <a:endParaRPr lang="da-DK" sz="1600" spc="-60" dirty="0"/>
           </a:p>
           <a:p>
             <a:pPr marL="271463" lvl="1" indent="-271463">
@@ -8517,599 +4675,15 @@
           </a:p>
         </p:txBody>
       </p:sp>
-    </p:spTree>
-    <p:extLst>
-      <p:ext uri="{BB962C8B-B14F-4D97-AF65-F5344CB8AC3E}">
-        <p14:creationId xmlns:p14="http://schemas.microsoft.com/office/powerpoint/2010/main" val="2880242076"/>
-      </p:ext>
-    </p:extLst>
-  </p:cSld>
-  <p:clrMapOvr>
-    <a:masterClrMapping/>
-  </p:clrMapOvr>
-  <p:timing>
-    <p:tnLst>
-      <p:par>
-        <p:cTn id="1" dur="indefinite" restart="never" nodeType="tmRoot"/>
-      </p:par>
-    </p:tnLst>
-  </p:timing>
-</p:sld>
-</file>
-
-<file path=ppt/slides/slide4.xml><?xml version="1.0" encoding="utf-8"?>
-<p:sld xmlns:a="http://schemas.openxmlformats.org/drawingml/2006/main" xmlns:r="http://schemas.openxmlformats.org/officeDocument/2006/relationships" xmlns:p="http://schemas.openxmlformats.org/presentationml/2006/main">
-  <p:cSld>
-    <p:spTree>
-      <p:nvGrpSpPr>
-        <p:cNvPr id="1" name=""/>
-        <p:cNvGrpSpPr/>
-        <p:nvPr/>
-      </p:nvGrpSpPr>
-      <p:grpSpPr>
-        <a:xfrm>
-          <a:off x="0" y="0"/>
-          <a:ext cx="0" cy="0"/>
-          <a:chOff x="0" y="0"/>
-          <a:chExt cx="0" cy="0"/>
-        </a:xfrm>
-      </p:grpSpPr>
       <p:sp>
         <p:nvSpPr>
-          <p:cNvPr id="4" name="Title 1"/>
-          <p:cNvSpPr txBox="1">
-            <a:spLocks/>
-          </p:cNvSpPr>
-          <p:nvPr/>
-        </p:nvSpPr>
-        <p:spPr bwMode="auto">
-          <a:xfrm>
-            <a:off x="459225" y="260349"/>
-            <a:ext cx="8793295" cy="682625"/>
-          </a:xfrm>
-          <a:prstGeom prst="rect">
-            <a:avLst/>
-          </a:prstGeom>
-          <a:noFill/>
-          <a:ln>
-            <a:noFill/>
-          </a:ln>
-          <a:extLst>
-            <a:ext uri="{909E8E84-426E-40DD-AFC4-6F175D3DCCD1}">
-              <a14:hiddenFill xmlns:a14="http://schemas.microsoft.com/office/drawing/2010/main">
-                <a:solidFill>
-                  <a:srgbClr val="FFFFFF"/>
-                </a:solidFill>
-              </a14:hiddenFill>
-            </a:ext>
-            <a:ext uri="{91240B29-F687-4F45-9708-019B960494DF}">
-              <a14:hiddenLine xmlns:a14="http://schemas.microsoft.com/office/drawing/2010/main" w="9525">
-                <a:solidFill>
-                  <a:srgbClr val="000000"/>
-                </a:solidFill>
-                <a:miter lim="800000"/>
-                <a:headEnd/>
-                <a:tailEnd/>
-              </a14:hiddenLine>
-            </a:ext>
-          </a:extLst>
-        </p:spPr>
-        <p:txBody>
-          <a:bodyPr anchor="ctr"/>
-          <a:lstStyle>
-            <a:lvl1pPr algn="l" rtl="0" eaLnBrk="0" fontAlgn="base" hangingPunct="0">
-              <a:spcBef>
-                <a:spcPct val="0"/>
-              </a:spcBef>
-              <a:spcAft>
-                <a:spcPct val="0"/>
-              </a:spcAft>
-              <a:defRPr sz="3600" b="1">
-                <a:solidFill>
-                  <a:srgbClr val="000066"/>
-                </a:solidFill>
-                <a:latin typeface="+mj-lt"/>
-                <a:ea typeface="ＭＳ Ｐゴシック" pitchFamily="-107" charset="-128"/>
-                <a:cs typeface="ＭＳ Ｐゴシック" pitchFamily="-107" charset="-128"/>
-              </a:defRPr>
-            </a:lvl1pPr>
-            <a:lvl2pPr algn="l" rtl="0" eaLnBrk="0" fontAlgn="base" hangingPunct="0">
-              <a:spcBef>
-                <a:spcPct val="0"/>
-              </a:spcBef>
-              <a:spcAft>
-                <a:spcPct val="0"/>
-              </a:spcAft>
-              <a:defRPr sz="3600" b="1">
-                <a:solidFill>
-                  <a:srgbClr val="000066"/>
-                </a:solidFill>
-                <a:latin typeface="Arial" charset="0"/>
-                <a:ea typeface="ＭＳ Ｐゴシック" pitchFamily="-107" charset="-128"/>
-                <a:cs typeface="ＭＳ Ｐゴシック" pitchFamily="-107" charset="-128"/>
-              </a:defRPr>
-            </a:lvl2pPr>
-            <a:lvl3pPr algn="l" rtl="0" eaLnBrk="0" fontAlgn="base" hangingPunct="0">
-              <a:spcBef>
-                <a:spcPct val="0"/>
-              </a:spcBef>
-              <a:spcAft>
-                <a:spcPct val="0"/>
-              </a:spcAft>
-              <a:defRPr sz="3600" b="1">
-                <a:solidFill>
-                  <a:srgbClr val="000066"/>
-                </a:solidFill>
-                <a:latin typeface="Arial" charset="0"/>
-                <a:ea typeface="ＭＳ Ｐゴシック" pitchFamily="-107" charset="-128"/>
-                <a:cs typeface="ＭＳ Ｐゴシック" pitchFamily="-107" charset="-128"/>
-              </a:defRPr>
-            </a:lvl3pPr>
-            <a:lvl4pPr algn="l" rtl="0" eaLnBrk="0" fontAlgn="base" hangingPunct="0">
-              <a:spcBef>
-                <a:spcPct val="0"/>
-              </a:spcBef>
-              <a:spcAft>
-                <a:spcPct val="0"/>
-              </a:spcAft>
-              <a:defRPr sz="3600" b="1">
-                <a:solidFill>
-                  <a:srgbClr val="000066"/>
-                </a:solidFill>
-                <a:latin typeface="Arial" charset="0"/>
-                <a:ea typeface="ＭＳ Ｐゴシック" pitchFamily="-107" charset="-128"/>
-                <a:cs typeface="ＭＳ Ｐゴシック" pitchFamily="-107" charset="-128"/>
-              </a:defRPr>
-            </a:lvl4pPr>
-            <a:lvl5pPr algn="l" rtl="0" eaLnBrk="0" fontAlgn="base" hangingPunct="0">
-              <a:spcBef>
-                <a:spcPct val="0"/>
-              </a:spcBef>
-              <a:spcAft>
-                <a:spcPct val="0"/>
-              </a:spcAft>
-              <a:defRPr sz="3600" b="1">
-                <a:solidFill>
-                  <a:srgbClr val="000066"/>
-                </a:solidFill>
-                <a:latin typeface="Arial" charset="0"/>
-                <a:ea typeface="ＭＳ Ｐゴシック" pitchFamily="-107" charset="-128"/>
-                <a:cs typeface="ＭＳ Ｐゴシック" pitchFamily="-107" charset="-128"/>
-              </a:defRPr>
-            </a:lvl5pPr>
-            <a:lvl6pPr marL="457200" algn="l" rtl="0" fontAlgn="base">
-              <a:spcBef>
-                <a:spcPct val="0"/>
-              </a:spcBef>
-              <a:spcAft>
-                <a:spcPct val="0"/>
-              </a:spcAft>
-              <a:defRPr sz="3600" b="1">
-                <a:solidFill>
-                  <a:srgbClr val="000066"/>
-                </a:solidFill>
-                <a:latin typeface="Arial" charset="0"/>
-              </a:defRPr>
-            </a:lvl6pPr>
-            <a:lvl7pPr marL="914400" algn="l" rtl="0" fontAlgn="base">
-              <a:spcBef>
-                <a:spcPct val="0"/>
-              </a:spcBef>
-              <a:spcAft>
-                <a:spcPct val="0"/>
-              </a:spcAft>
-              <a:defRPr sz="3600" b="1">
-                <a:solidFill>
-                  <a:srgbClr val="000066"/>
-                </a:solidFill>
-                <a:latin typeface="Arial" charset="0"/>
-              </a:defRPr>
-            </a:lvl7pPr>
-            <a:lvl8pPr marL="1371600" algn="l" rtl="0" fontAlgn="base">
-              <a:spcBef>
-                <a:spcPct val="0"/>
-              </a:spcBef>
-              <a:spcAft>
-                <a:spcPct val="0"/>
-              </a:spcAft>
-              <a:defRPr sz="3600" b="1">
-                <a:solidFill>
-                  <a:srgbClr val="000066"/>
-                </a:solidFill>
-                <a:latin typeface="Arial" charset="0"/>
-              </a:defRPr>
-            </a:lvl8pPr>
-            <a:lvl9pPr marL="1828800" algn="l" rtl="0" fontAlgn="base">
-              <a:spcBef>
-                <a:spcPct val="0"/>
-              </a:spcBef>
-              <a:spcAft>
-                <a:spcPct val="0"/>
-              </a:spcAft>
-              <a:defRPr sz="3600" b="1">
-                <a:solidFill>
-                  <a:srgbClr val="000066"/>
-                </a:solidFill>
-                <a:latin typeface="Arial" charset="0"/>
-              </a:defRPr>
-            </a:lvl9pPr>
-          </a:lstStyle>
-          <a:p>
-            <a:pPr marL="271463" indent="-271463"/>
-            <a:r>
-              <a:rPr lang="da-DK" altLang="da-DK" sz="2800" dirty="0" smtClean="0"/>
-              <a:t>Studiecaféen</a:t>
-            </a:r>
-            <a:endParaRPr lang="da-DK" altLang="da-DK" sz="2800" dirty="0"/>
-          </a:p>
-        </p:txBody>
-      </p:sp>
-      <p:sp>
-        <p:nvSpPr>
-          <p:cNvPr id="8" name="Content Placeholder 2"/>
-          <p:cNvSpPr txBox="1">
-            <a:spLocks/>
-          </p:cNvSpPr>
-          <p:nvPr/>
-        </p:nvSpPr>
-        <p:spPr bwMode="auto">
-          <a:xfrm>
-            <a:off x="679408" y="1124744"/>
-            <a:ext cx="8352928" cy="2808312"/>
-          </a:xfrm>
-          <a:prstGeom prst="rect">
-            <a:avLst/>
-          </a:prstGeom>
-          <a:noFill/>
-          <a:ln>
-            <a:noFill/>
-          </a:ln>
-          <a:extLst>
-            <a:ext uri="{909E8E84-426E-40DD-AFC4-6F175D3DCCD1}">
-              <a14:hiddenFill xmlns:a14="http://schemas.microsoft.com/office/drawing/2010/main">
-                <a:solidFill>
-                  <a:srgbClr val="FFFFFF"/>
-                </a:solidFill>
-              </a14:hiddenFill>
-            </a:ext>
-            <a:ext uri="{91240B29-F687-4F45-9708-019B960494DF}">
-              <a14:hiddenLine xmlns:a14="http://schemas.microsoft.com/office/drawing/2010/main" w="9525">
-                <a:solidFill>
-                  <a:srgbClr val="000000"/>
-                </a:solidFill>
-                <a:miter lim="800000"/>
-                <a:headEnd/>
-                <a:tailEnd/>
-              </a14:hiddenLine>
-            </a:ext>
-          </a:extLst>
-        </p:spPr>
-        <p:txBody>
-          <a:bodyPr/>
-          <a:lstStyle>
-            <a:lvl1pPr eaLnBrk="0" hangingPunct="0">
-              <a:spcBef>
-                <a:spcPct val="20000"/>
-              </a:spcBef>
-              <a:buChar char="•"/>
-              <a:defRPr sz="2400" b="1">
-                <a:solidFill>
-                  <a:srgbClr val="A50021"/>
-                </a:solidFill>
-                <a:latin typeface="Arial" pitchFamily="34" charset="0"/>
-                <a:ea typeface="ＭＳ Ｐゴシック" pitchFamily="34" charset="-128"/>
-              </a:defRPr>
-            </a:lvl1pPr>
-            <a:lvl2pPr eaLnBrk="0" hangingPunct="0">
-              <a:spcBef>
-                <a:spcPct val="20000"/>
-              </a:spcBef>
-              <a:buChar char="–"/>
-              <a:defRPr sz="2000">
-                <a:solidFill>
-                  <a:srgbClr val="000066"/>
-                </a:solidFill>
-                <a:latin typeface="Arial" pitchFamily="34" charset="0"/>
-                <a:ea typeface="ＭＳ Ｐゴシック" pitchFamily="34" charset="-128"/>
-              </a:defRPr>
-            </a:lvl2pPr>
-            <a:lvl3pPr eaLnBrk="0" hangingPunct="0">
-              <a:spcBef>
-                <a:spcPct val="20000"/>
-              </a:spcBef>
-              <a:buChar char="•"/>
-              <a:defRPr sz="1600">
-                <a:solidFill>
-                  <a:schemeClr val="tx1"/>
-                </a:solidFill>
-                <a:latin typeface="Arial" pitchFamily="34" charset="0"/>
-                <a:ea typeface="ＭＳ Ｐゴシック" pitchFamily="34" charset="-128"/>
-              </a:defRPr>
-            </a:lvl3pPr>
-            <a:lvl4pPr eaLnBrk="0" hangingPunct="0">
-              <a:spcBef>
-                <a:spcPct val="20000"/>
-              </a:spcBef>
-              <a:buChar char="–"/>
-              <a:defRPr sz="1600">
-                <a:solidFill>
-                  <a:schemeClr val="tx1"/>
-                </a:solidFill>
-                <a:latin typeface="Times New Roman" pitchFamily="18" charset="0"/>
-                <a:ea typeface="ＭＳ Ｐゴシック" pitchFamily="34" charset="-128"/>
-              </a:defRPr>
-            </a:lvl4pPr>
-            <a:lvl5pPr eaLnBrk="0" hangingPunct="0">
-              <a:spcBef>
-                <a:spcPct val="20000"/>
-              </a:spcBef>
-              <a:buChar char="»"/>
-              <a:defRPr sz="1200">
-                <a:solidFill>
-                  <a:schemeClr val="tx1"/>
-                </a:solidFill>
-                <a:latin typeface="Times New Roman" pitchFamily="18" charset="0"/>
-                <a:ea typeface="ＭＳ Ｐゴシック" pitchFamily="34" charset="-128"/>
-              </a:defRPr>
-            </a:lvl5pPr>
-            <a:lvl6pPr eaLnBrk="0" fontAlgn="base" hangingPunct="0">
-              <a:spcBef>
-                <a:spcPct val="20000"/>
-              </a:spcBef>
-              <a:spcAft>
-                <a:spcPct val="0"/>
-              </a:spcAft>
-              <a:buChar char="»"/>
-              <a:defRPr sz="1200">
-                <a:solidFill>
-                  <a:schemeClr val="tx1"/>
-                </a:solidFill>
-                <a:latin typeface="Times New Roman" pitchFamily="18" charset="0"/>
-                <a:ea typeface="ＭＳ Ｐゴシック" pitchFamily="34" charset="-128"/>
-              </a:defRPr>
-            </a:lvl6pPr>
-            <a:lvl7pPr eaLnBrk="0" fontAlgn="base" hangingPunct="0">
-              <a:spcBef>
-                <a:spcPct val="20000"/>
-              </a:spcBef>
-              <a:spcAft>
-                <a:spcPct val="0"/>
-              </a:spcAft>
-              <a:buChar char="»"/>
-              <a:defRPr sz="1200">
-                <a:solidFill>
-                  <a:schemeClr val="tx1"/>
-                </a:solidFill>
-                <a:latin typeface="Times New Roman" pitchFamily="18" charset="0"/>
-                <a:ea typeface="ＭＳ Ｐゴシック" pitchFamily="34" charset="-128"/>
-              </a:defRPr>
-            </a:lvl7pPr>
-            <a:lvl8pPr eaLnBrk="0" fontAlgn="base" hangingPunct="0">
-              <a:spcBef>
-                <a:spcPct val="20000"/>
-              </a:spcBef>
-              <a:spcAft>
-                <a:spcPct val="0"/>
-              </a:spcAft>
-              <a:buChar char="»"/>
-              <a:defRPr sz="1200">
-                <a:solidFill>
-                  <a:schemeClr val="tx1"/>
-                </a:solidFill>
-                <a:latin typeface="Times New Roman" pitchFamily="18" charset="0"/>
-                <a:ea typeface="ＭＳ Ｐゴシック" pitchFamily="34" charset="-128"/>
-              </a:defRPr>
-            </a:lvl8pPr>
-            <a:lvl9pPr eaLnBrk="0" fontAlgn="base" hangingPunct="0">
-              <a:spcBef>
-                <a:spcPct val="20000"/>
-              </a:spcBef>
-              <a:spcAft>
-                <a:spcPct val="0"/>
-              </a:spcAft>
-              <a:buChar char="»"/>
-              <a:defRPr sz="1200">
-                <a:solidFill>
-                  <a:schemeClr val="tx1"/>
-                </a:solidFill>
-                <a:latin typeface="Times New Roman" pitchFamily="18" charset="0"/>
-                <a:ea typeface="ＭＳ Ｐゴシック" pitchFamily="34" charset="-128"/>
-              </a:defRPr>
-            </a:lvl9pPr>
-          </a:lstStyle>
-          <a:p>
-            <a:pPr marL="271463" lvl="1" indent="-271463">
-              <a:spcBef>
-                <a:spcPts val="1800"/>
-              </a:spcBef>
-              <a:buFontTx/>
-              <a:buChar char="•"/>
-            </a:pPr>
-            <a:r>
-              <a:rPr lang="da-DK" altLang="da-DK" sz="1800" b="1" spc="-40" dirty="0" smtClean="0">
-                <a:solidFill>
-                  <a:srgbClr val="A50021"/>
-                </a:solidFill>
-              </a:rPr>
-              <a:t>Hver </a:t>
-            </a:r>
-            <a:r>
-              <a:rPr lang="da-DK" altLang="da-DK" sz="1800" b="1" spc="-40" dirty="0">
-                <a:solidFill>
-                  <a:srgbClr val="A50021"/>
-                </a:solidFill>
-              </a:rPr>
-              <a:t>fredag </a:t>
-            </a:r>
-            <a:r>
-              <a:rPr lang="da-DK" altLang="da-DK" sz="1800" b="1" spc="-40" dirty="0" smtClean="0">
-                <a:solidFill>
-                  <a:srgbClr val="A50021"/>
-                </a:solidFill>
-              </a:rPr>
-              <a:t>kl 15-17 er der </a:t>
-            </a:r>
-            <a:r>
-              <a:rPr lang="da-DK" altLang="da-DK" sz="1800" b="1" spc="-40" dirty="0">
-                <a:solidFill>
-                  <a:srgbClr val="A50021"/>
-                </a:solidFill>
-              </a:rPr>
-              <a:t>en </a:t>
-            </a:r>
-            <a:r>
-              <a:rPr lang="da-DK" altLang="da-DK" sz="1800" b="1" spc="-40" dirty="0" smtClean="0">
-                <a:solidFill>
-                  <a:srgbClr val="A50021"/>
-                </a:solidFill>
-              </a:rPr>
-              <a:t>studiecafé, </a:t>
-            </a:r>
-            <a:r>
-              <a:rPr lang="da-DK" altLang="da-DK" sz="1800" b="1" spc="-40" dirty="0">
-                <a:solidFill>
-                  <a:srgbClr val="A50021"/>
-                </a:solidFill>
-              </a:rPr>
-              <a:t>hvor I via Zoom kan få hjælp fra en af instruktorerne</a:t>
-            </a:r>
-          </a:p>
-          <a:p>
-            <a:pPr marL="742950" lvl="1" indent="-285750">
-              <a:spcBef>
-                <a:spcPts val="600"/>
-              </a:spcBef>
-            </a:pPr>
-            <a:r>
-              <a:rPr lang="da-DK" altLang="da-DK" sz="1600" dirty="0" smtClean="0"/>
-              <a:t>De kommende studiecaféer ligger den 14. maj og 21. maj</a:t>
-            </a:r>
-          </a:p>
-          <a:p>
-            <a:pPr marL="271463" lvl="1" indent="-271463">
-              <a:spcBef>
-                <a:spcPts val="1200"/>
-              </a:spcBef>
-              <a:buFontTx/>
-              <a:buChar char="•"/>
-            </a:pPr>
-            <a:r>
-              <a:rPr lang="da-DK" altLang="da-DK" sz="1800" b="1" spc="-40" dirty="0" smtClean="0">
-                <a:solidFill>
-                  <a:srgbClr val="A50021"/>
-                </a:solidFill>
-              </a:rPr>
-              <a:t>I kan også bruge Studiecaféen </a:t>
-            </a:r>
-            <a:r>
-              <a:rPr lang="da-DK" altLang="da-DK" sz="1800" b="1" spc="-40" dirty="0">
-                <a:solidFill>
-                  <a:srgbClr val="A50021"/>
-                </a:solidFill>
-              </a:rPr>
-              <a:t>til at stille spørgsmål omkring</a:t>
-            </a:r>
-          </a:p>
-          <a:p>
-            <a:pPr marL="742950" lvl="1" indent="-285750">
-              <a:spcBef>
-                <a:spcPts val="600"/>
-              </a:spcBef>
-            </a:pPr>
-            <a:r>
-              <a:rPr lang="da-DK" altLang="da-DK" sz="1600" dirty="0"/>
-              <a:t>J</a:t>
-            </a:r>
-            <a:r>
-              <a:rPr lang="da-DK" altLang="da-DK" sz="1600" dirty="0" smtClean="0"/>
-              <a:t>eres </a:t>
-            </a:r>
-            <a:r>
-              <a:rPr lang="da-DK" altLang="da-DK" sz="1600" dirty="0"/>
-              <a:t>tidligere afleveringer (og instruktorens kommentarerne til dem)</a:t>
-            </a:r>
-          </a:p>
-          <a:p>
-            <a:pPr marL="742950" lvl="1" indent="-285750">
-              <a:spcBef>
-                <a:spcPts val="600"/>
-              </a:spcBef>
-            </a:pPr>
-            <a:r>
-              <a:rPr lang="da-DK" altLang="da-DK" sz="1600" dirty="0" err="1"/>
-              <a:t>BlueJ</a:t>
-            </a:r>
-            <a:r>
-              <a:rPr lang="da-DK" altLang="da-DK" sz="1600" dirty="0"/>
-              <a:t> bogen og mine </a:t>
-            </a:r>
-            <a:r>
-              <a:rPr lang="da-DK" altLang="da-DK" sz="1600" dirty="0" smtClean="0"/>
-              <a:t>slides</a:t>
-            </a:r>
-          </a:p>
-          <a:p>
-            <a:pPr marL="742950" lvl="1" indent="-285750">
-              <a:spcBef>
-                <a:spcPts val="600"/>
-              </a:spcBef>
-            </a:pPr>
-            <a:r>
-              <a:rPr lang="da-DK" altLang="da-DK" sz="1600" dirty="0" smtClean="0"/>
-              <a:t>Disponering af eksamensspørgsmål</a:t>
-            </a:r>
-            <a:endParaRPr lang="da-DK" altLang="da-DK" sz="1600" dirty="0"/>
-          </a:p>
-          <a:p>
-            <a:pPr marL="742950" lvl="1" indent="-285750">
-              <a:spcBef>
-                <a:spcPts val="600"/>
-              </a:spcBef>
-            </a:pPr>
-            <a:r>
-              <a:rPr lang="da-DK" altLang="da-DK" sz="1600" dirty="0"/>
-              <a:t>A</a:t>
-            </a:r>
-            <a:r>
-              <a:rPr lang="da-DK" altLang="da-DK" sz="1600" dirty="0" smtClean="0"/>
-              <a:t>lt </a:t>
-            </a:r>
-            <a:r>
-              <a:rPr lang="da-DK" altLang="da-DK" sz="1600" dirty="0"/>
-              <a:t>andet, som I har problemer </a:t>
-            </a:r>
-            <a:r>
-              <a:rPr lang="da-DK" altLang="da-DK" sz="1600" dirty="0" smtClean="0"/>
-              <a:t>med</a:t>
-            </a:r>
-          </a:p>
-          <a:p>
-            <a:pPr marL="742950" lvl="1" indent="-285750">
-              <a:spcBef>
-                <a:spcPts val="600"/>
-              </a:spcBef>
-            </a:pPr>
-            <a:endParaRPr lang="da-DK" altLang="da-DK" sz="1600" dirty="0"/>
-          </a:p>
-          <a:p>
-            <a:pPr marL="742950" lvl="1" indent="-285750">
-              <a:spcBef>
-                <a:spcPts val="600"/>
-              </a:spcBef>
-            </a:pPr>
-            <a:endParaRPr lang="da-DK" altLang="da-DK" sz="1600" dirty="0"/>
-          </a:p>
-        </p:txBody>
-      </p:sp>
-      <p:sp>
-        <p:nvSpPr>
-          <p:cNvPr id="5" name="Rectangle 4"/>
+          <p:cNvPr id="6" name="Rectangle 5"/>
           <p:cNvSpPr/>
           <p:nvPr/>
         </p:nvSpPr>
         <p:spPr>
           <a:xfrm rot="21165640">
-            <a:off x="1855589" y="4569691"/>
+            <a:off x="5353382" y="5217762"/>
             <a:ext cx="3280124" cy="523220"/>
           </a:xfrm>
           <a:prstGeom prst="rect">
@@ -9175,7 +4749,7 @@
     </p:spTree>
     <p:extLst>
       <p:ext uri="{BB962C8B-B14F-4D97-AF65-F5344CB8AC3E}">
-        <p14:creationId xmlns:p14="http://schemas.microsoft.com/office/powerpoint/2010/main" val="239744111"/>
+        <p14:creationId xmlns:p14="http://schemas.microsoft.com/office/powerpoint/2010/main" val="2880242076"/>
       </p:ext>
     </p:extLst>
   </p:cSld>
@@ -9216,7 +4790,7 @@
                                           </p:stCondLst>
                                         </p:cTn>
                                         <p:tgtEl>
-                                          <p:spTgt spid="5"/>
+                                          <p:spTgt spid="6"/>
                                         </p:tgtEl>
                                         <p:attrNameLst>
                                           <p:attrName>style.visibility</p:attrName>

--- a/web/g22/status/Status8.pptx
+++ b/web/g22/status/Status8.pptx
@@ -3687,12 +3687,9 @@
             </a:pPr>
             <a:r>
               <a:rPr lang="da-DK" sz="1600" dirty="0" smtClean="0"/>
-              <a:t>9.30 </a:t>
-            </a:r>
-            <a:r>
-              <a:rPr lang="da-DK" sz="1600" dirty="0"/>
-              <a:t>Forelæsning (med en kort pause midtvejs)</a:t>
-            </a:r>
+              <a:t>9.30 Forelæsning</a:t>
+            </a:r>
+            <a:endParaRPr lang="da-DK" sz="1600" dirty="0"/>
           </a:p>
           <a:p>
             <a:pPr marL="742950" lvl="1" indent="-285750">
@@ -3706,8 +3703,13 @@
             </a:r>
             <a:r>
               <a:rPr lang="da-DK" sz="1600" dirty="0"/>
-              <a:t>Øvelser omkring Computerspil 4 (2 timer)</a:t>
-            </a:r>
+              <a:t>Øvelser omkring Computerspil </a:t>
+            </a:r>
+            <a:r>
+              <a:rPr lang="da-DK" sz="1600" dirty="0" smtClean="0"/>
+              <a:t>4</a:t>
+            </a:r>
+            <a:endParaRPr lang="da-DK" sz="1600" dirty="0"/>
           </a:p>
           <a:p>
             <a:pPr marL="742950" lvl="1" indent="-285750">
@@ -3735,9 +3737,14 @@
               <a:t>13.15 </a:t>
             </a:r>
             <a:r>
-              <a:rPr lang="da-DK" sz="1600" dirty="0"/>
-              <a:t>Forelæsning (med en kort pause midtvejs)</a:t>
-            </a:r>
+              <a:rPr lang="da-DK" sz="1600" dirty="0" smtClean="0"/>
+              <a:t>Gennemgang </a:t>
+            </a:r>
+            <a:r>
+              <a:rPr lang="da-DK" sz="1600" smtClean="0"/>
+              <a:t>af evaluering mv</a:t>
+            </a:r>
+            <a:endParaRPr lang="da-DK" sz="1600" dirty="0"/>
           </a:p>
           <a:p>
             <a:pPr marL="742950" lvl="1" indent="-285750">
@@ -3827,11 +3834,7 @@
             </a:pPr>
             <a:r>
               <a:rPr lang="da-DK" sz="1600" dirty="0" smtClean="0"/>
-              <a:t>Alle er </a:t>
-            </a:r>
-            <a:r>
-              <a:rPr lang="da-DK" sz="1600" dirty="0" smtClean="0"/>
-              <a:t>i god tid med afleveringsopgaverne</a:t>
+              <a:t>Alle er i god tid med afleveringsopgaverne</a:t>
             </a:r>
           </a:p>
           <a:p>
@@ -4355,23 +4358,7 @@
                   <a:srgbClr val="A50021"/>
                 </a:solidFill>
               </a:rPr>
-              <a:t>Frister for </a:t>
-            </a:r>
-            <a:r>
-              <a:rPr lang="da-DK" sz="1800" b="1" dirty="0" smtClean="0">
-                <a:solidFill>
-                  <a:srgbClr val="A50021"/>
-                </a:solidFill>
-              </a:rPr>
-              <a:t>den </a:t>
-            </a:r>
-            <a:r>
-              <a:rPr lang="da-DK" sz="1800" b="1" dirty="0" smtClean="0">
-                <a:solidFill>
-                  <a:srgbClr val="A50021"/>
-                </a:solidFill>
-              </a:rPr>
-              <a:t>sidste afleveringsopgaver</a:t>
+              <a:t>Frister for den sidste afleveringsopgaver</a:t>
             </a:r>
             <a:endParaRPr lang="da-DK" sz="1800" b="1" dirty="0">
               <a:solidFill>
@@ -4391,11 +4378,7 @@
             </a:r>
             <a:r>
               <a:rPr lang="da-DK" sz="1600" dirty="0" smtClean="0"/>
-              <a:t>omputerspil 4 skal afleveres senest mandag den </a:t>
-            </a:r>
-            <a:r>
-              <a:rPr lang="da-DK" sz="1600" dirty="0" smtClean="0"/>
-              <a:t>23. maj (eventuel genaflevering sene</a:t>
+              <a:t>omputerspil 4 skal afleveres senest mandag den 23. maj (eventuel genaflevering sene</a:t>
             </a:r>
             <a:r>
               <a:rPr lang="da-DK" sz="1600" dirty="0"/>
@@ -4420,15 +4403,7 @@
                   <a:srgbClr val="A50021"/>
                 </a:solidFill>
               </a:rPr>
-              <a:t>Mundtlig </a:t>
-            </a:r>
-            <a:r>
-              <a:rPr lang="da-DK" sz="1800" b="1" dirty="0" smtClean="0">
-                <a:solidFill>
-                  <a:srgbClr val="A50021"/>
-                </a:solidFill>
-              </a:rPr>
-              <a:t>eksamen </a:t>
+              <a:t>Mundtlig eksamen </a:t>
             </a:r>
             <a:r>
               <a:rPr lang="da-DK" sz="1800" b="1" dirty="0">
@@ -4460,19 +4435,7 @@
             </a:pPr>
             <a:r>
               <a:rPr lang="da-DK" sz="1600" spc="-10" dirty="0" smtClean="0"/>
-              <a:t>Der </a:t>
-            </a:r>
-            <a:r>
-              <a:rPr lang="da-DK" sz="1600" spc="-10" dirty="0" smtClean="0"/>
-              <a:t>er nogle </a:t>
-            </a:r>
-            <a:r>
-              <a:rPr lang="da-DK" sz="1600" spc="-10" dirty="0" smtClean="0"/>
-              <a:t>af jer, </a:t>
-            </a:r>
-            <a:r>
-              <a:rPr lang="da-DK" sz="1600" spc="-10" dirty="0" smtClean="0"/>
-              <a:t>der endnu mangler at vælge tidspunkt</a:t>
+              <a:t>Der er nogle af jer, der endnu mangler at vælge tidspunkt</a:t>
             </a:r>
             <a:r>
               <a:rPr lang="da-DK" sz="1600" spc="-10" dirty="0"/>
